--- a/RestApiIntroduction.pptx
+++ b/RestApiIntroduction.pptx
@@ -212,7 +212,7 @@
           <a:p>
             <a:fld id="{F345A3A0-5793-4964-9E63-3A56D19EF08F}" type="datetimeFigureOut">
               <a:rPr lang="en-US" smtClean="0"/>
-              <a:t>3/30/19</a:t>
+              <a:t>3/31/19</a:t>
             </a:fld>
             <a:endParaRPr lang="en-US"/>
           </a:p>
@@ -710,7 +710,7 @@
           <a:p>
             <a:fld id="{52EA2E7D-A963-4627-B7B5-FDE44A515633}" type="datetimeFigureOut">
               <a:rPr lang="en-US" smtClean="0"/>
-              <a:t>3/30/19</a:t>
+              <a:t>3/31/19</a:t>
             </a:fld>
             <a:endParaRPr lang="en-US"/>
           </a:p>
@@ -908,7 +908,7 @@
           <a:p>
             <a:fld id="{52EA2E7D-A963-4627-B7B5-FDE44A515633}" type="datetimeFigureOut">
               <a:rPr lang="en-US" smtClean="0"/>
-              <a:t>3/30/19</a:t>
+              <a:t>3/31/19</a:t>
             </a:fld>
             <a:endParaRPr lang="en-US"/>
           </a:p>
@@ -1116,7 +1116,7 @@
           <a:p>
             <a:fld id="{52EA2E7D-A963-4627-B7B5-FDE44A515633}" type="datetimeFigureOut">
               <a:rPr lang="en-US" smtClean="0"/>
-              <a:t>3/30/19</a:t>
+              <a:t>3/31/19</a:t>
             </a:fld>
             <a:endParaRPr lang="en-US"/>
           </a:p>
@@ -1314,7 +1314,7 @@
           <a:p>
             <a:fld id="{52EA2E7D-A963-4627-B7B5-FDE44A515633}" type="datetimeFigureOut">
               <a:rPr lang="en-US" smtClean="0"/>
-              <a:t>3/30/19</a:t>
+              <a:t>3/31/19</a:t>
             </a:fld>
             <a:endParaRPr lang="en-US"/>
           </a:p>
@@ -1589,7 +1589,7 @@
           <a:p>
             <a:fld id="{52EA2E7D-A963-4627-B7B5-FDE44A515633}" type="datetimeFigureOut">
               <a:rPr lang="en-US" smtClean="0"/>
-              <a:t>3/30/19</a:t>
+              <a:t>3/31/19</a:t>
             </a:fld>
             <a:endParaRPr lang="en-US"/>
           </a:p>
@@ -1854,7 +1854,7 @@
           <a:p>
             <a:fld id="{52EA2E7D-A963-4627-B7B5-FDE44A515633}" type="datetimeFigureOut">
               <a:rPr lang="en-US" smtClean="0"/>
-              <a:t>3/30/19</a:t>
+              <a:t>3/31/19</a:t>
             </a:fld>
             <a:endParaRPr lang="en-US"/>
           </a:p>
@@ -2266,7 +2266,7 @@
           <a:p>
             <a:fld id="{52EA2E7D-A963-4627-B7B5-FDE44A515633}" type="datetimeFigureOut">
               <a:rPr lang="en-US" smtClean="0"/>
-              <a:t>3/30/19</a:t>
+              <a:t>3/31/19</a:t>
             </a:fld>
             <a:endParaRPr lang="en-US"/>
           </a:p>
@@ -2407,7 +2407,7 @@
           <a:p>
             <a:fld id="{52EA2E7D-A963-4627-B7B5-FDE44A515633}" type="datetimeFigureOut">
               <a:rPr lang="en-US" smtClean="0"/>
-              <a:t>3/30/19</a:t>
+              <a:t>3/31/19</a:t>
             </a:fld>
             <a:endParaRPr lang="en-US"/>
           </a:p>
@@ -2520,7 +2520,7 @@
           <a:p>
             <a:fld id="{52EA2E7D-A963-4627-B7B5-FDE44A515633}" type="datetimeFigureOut">
               <a:rPr lang="en-US" smtClean="0"/>
-              <a:t>3/30/19</a:t>
+              <a:t>3/31/19</a:t>
             </a:fld>
             <a:endParaRPr lang="en-US"/>
           </a:p>
@@ -2831,7 +2831,7 @@
           <a:p>
             <a:fld id="{52EA2E7D-A963-4627-B7B5-FDE44A515633}" type="datetimeFigureOut">
               <a:rPr lang="en-US" smtClean="0"/>
-              <a:t>3/30/19</a:t>
+              <a:t>3/31/19</a:t>
             </a:fld>
             <a:endParaRPr lang="en-US"/>
           </a:p>
@@ -3119,7 +3119,7 @@
           <a:p>
             <a:fld id="{52EA2E7D-A963-4627-B7B5-FDE44A515633}" type="datetimeFigureOut">
               <a:rPr lang="en-US" smtClean="0"/>
-              <a:t>3/30/19</a:t>
+              <a:t>3/31/19</a:t>
             </a:fld>
             <a:endParaRPr lang="en-US"/>
           </a:p>
@@ -3360,7 +3360,7 @@
           <a:p>
             <a:fld id="{52EA2E7D-A963-4627-B7B5-FDE44A515633}" type="datetimeFigureOut">
               <a:rPr lang="en-US" smtClean="0"/>
-              <a:t>3/30/19</a:t>
+              <a:t>3/31/19</a:t>
             </a:fld>
             <a:endParaRPr lang="en-US"/>
           </a:p>
@@ -4006,30 +4006,15 @@
           <a:lstStyle/>
           <a:p>
             <a:r>
-              <a:rPr lang="en-US" altLang="zh-CN" dirty="0"/>
-              <a:t>Sample</a:t>
-            </a:r>
-            <a:r>
-              <a:rPr lang="zh-CN" altLang="en-US" dirty="0"/>
-              <a:t> </a:t>
-            </a:r>
-            <a:r>
               <a:rPr lang="en-US" dirty="0"/>
-              <a:t>Sna</a:t>
-            </a:r>
-            <a:r>
-              <a:rPr lang="en-US" altLang="zh-CN" dirty="0"/>
-              <a:t>pshot</a:t>
-            </a:r>
-            <a:r>
-              <a:rPr lang="zh-CN" altLang="en-US" dirty="0"/>
-              <a:t> </a:t>
-            </a:r>
-            <a:r>
-              <a:rPr lang="en-US" altLang="zh-CN" dirty="0"/>
-              <a:t>here</a:t>
-            </a:r>
-            <a:endParaRPr lang="en-US" dirty="0"/>
+              <a:t>Request Monitor</a:t>
+            </a:r>
+          </a:p>
+          <a:p>
+            <a:r>
+              <a:rPr lang="en-US" dirty="0"/>
+              <a:t>Authentication Handler</a:t>
+            </a:r>
           </a:p>
         </p:txBody>
       </p:sp>
@@ -4160,33 +4145,104 @@
         </p:nvSpPr>
         <p:spPr/>
         <p:txBody>
-          <a:bodyPr/>
-          <a:lstStyle/>
-          <a:p>
-            <a:r>
-              <a:rPr lang="en-US" altLang="zh-CN" dirty="0"/>
-              <a:t>Sample</a:t>
-            </a:r>
-            <a:r>
-              <a:rPr lang="zh-CN" altLang="en-US" dirty="0"/>
-              <a:t> </a:t>
-            </a:r>
+          <a:bodyPr>
+            <a:normAutofit lnSpcReduction="10000"/>
+          </a:bodyPr>
+          <a:lstStyle/>
+          <a:p>
+            <a:pPr marL="514350" indent="-514350">
+              <a:buFont typeface="+mj-lt"/>
+              <a:buAutoNum type="arabicPeriod"/>
+            </a:pPr>
             <a:r>
               <a:rPr lang="en-US" dirty="0"/>
-              <a:t>Sna</a:t>
-            </a:r>
-            <a:r>
-              <a:rPr lang="en-US" altLang="zh-CN" dirty="0"/>
-              <a:t>pshot</a:t>
-            </a:r>
-            <a:r>
-              <a:rPr lang="zh-CN" altLang="en-US" dirty="0"/>
-              <a:t> </a:t>
-            </a:r>
-            <a:r>
-              <a:rPr lang="en-US" altLang="zh-CN" dirty="0"/>
-              <a:t>here</a:t>
-            </a:r>
+              <a:t>Match Http Method</a:t>
+            </a:r>
+          </a:p>
+          <a:p>
+            <a:pPr marL="514350" indent="-514350">
+              <a:buFont typeface="+mj-lt"/>
+              <a:buAutoNum type="arabicPeriod"/>
+            </a:pPr>
+            <a:r>
+              <a:rPr lang="en-US" dirty="0"/>
+              <a:t>Match Route Template(from path of URL)</a:t>
+            </a:r>
+          </a:p>
+          <a:p>
+            <a:pPr marL="514350" indent="-514350">
+              <a:buFont typeface="+mj-lt"/>
+              <a:buAutoNum type="arabicPeriod"/>
+            </a:pPr>
+            <a:r>
+              <a:rPr lang="en-US" dirty="0"/>
+              <a:t>Match Action Parameter</a:t>
+            </a:r>
+            <a:br>
+              <a:rPr lang="en-US" dirty="0"/>
+            </a:br>
+            <a:r>
+              <a:rPr lang="en-US" dirty="0"/>
+              <a:t>- Exclude optional parameter</a:t>
+            </a:r>
+            <a:br>
+              <a:rPr lang="en-US" dirty="0"/>
+            </a:br>
+            <a:r>
+              <a:rPr lang="en-US" dirty="0"/>
+              <a:t>- All non-optional parameter are required</a:t>
+            </a:r>
+            <a:br>
+              <a:rPr lang="en-US" dirty="0"/>
+            </a:br>
+            <a:r>
+              <a:rPr lang="en-US" dirty="0"/>
+              <a:t>- Match as more as possible</a:t>
+            </a:r>
+          </a:p>
+          <a:p>
+            <a:pPr marL="514350" indent="-514350">
+              <a:buFont typeface="+mj-lt"/>
+              <a:buAutoNum type="arabicPeriod"/>
+            </a:pPr>
+            <a:endParaRPr lang="en-US" dirty="0"/>
+          </a:p>
+          <a:p>
+            <a:pPr marL="514350" indent="-514350">
+              <a:buFont typeface="+mj-lt"/>
+              <a:buAutoNum type="arabicPeriod"/>
+            </a:pPr>
+            <a:endParaRPr lang="en-US" dirty="0"/>
+          </a:p>
+          <a:p>
+            <a:pPr marL="514350" indent="-514350">
+              <a:buFont typeface="+mj-lt"/>
+              <a:buAutoNum type="arabicPeriod"/>
+            </a:pPr>
+            <a:endParaRPr lang="en-US" dirty="0"/>
+          </a:p>
+          <a:p>
+            <a:pPr marL="0" indent="0">
+              <a:buNone/>
+            </a:pPr>
+            <a:r>
+              <a:rPr lang="en-US" sz="1200" dirty="0">
+                <a:hlinkClick r:id="rId2"/>
+              </a:rPr>
+              <a:t>https://docs.microsoft.com/en-us/aspnet/web-api/overview/web-api-routing-and-actions/attribute-routing-in-web-api-2</a:t>
+            </a:r>
+            <a:endParaRPr lang="en-US" sz="1200" dirty="0"/>
+          </a:p>
+          <a:p>
+            <a:pPr marL="0" indent="0">
+              <a:buNone/>
+            </a:pPr>
+            <a:endParaRPr lang="en-US" dirty="0"/>
+          </a:p>
+          <a:p>
+            <a:pPr marL="0" indent="0">
+              <a:buNone/>
+            </a:pPr>
             <a:endParaRPr lang="en-US" dirty="0"/>
           </a:p>
         </p:txBody>
@@ -4321,31 +4377,13 @@
           <a:bodyPr/>
           <a:lstStyle/>
           <a:p>
-            <a:r>
-              <a:rPr lang="en-US" altLang="zh-CN" dirty="0"/>
-              <a:t>Sample</a:t>
-            </a:r>
-            <a:r>
-              <a:rPr lang="zh-CN" altLang="en-US" dirty="0"/>
-              <a:t> </a:t>
-            </a:r>
+            <a:pPr marL="0" indent="0">
+              <a:buNone/>
+            </a:pPr>
             <a:r>
               <a:rPr lang="en-US" dirty="0"/>
-              <a:t>Sna</a:t>
-            </a:r>
-            <a:r>
-              <a:rPr lang="en-US" altLang="zh-CN" dirty="0"/>
-              <a:t>pshot</a:t>
-            </a:r>
-            <a:r>
-              <a:rPr lang="zh-CN" altLang="en-US" dirty="0"/>
-              <a:t> </a:t>
-            </a:r>
-            <a:r>
-              <a:rPr lang="en-US" altLang="zh-CN" dirty="0"/>
-              <a:t>here</a:t>
-            </a:r>
-            <a:endParaRPr lang="en-US" dirty="0"/>
+              <a:t>Parameter Validation Sample</a:t>
+            </a:r>
           </a:p>
         </p:txBody>
       </p:sp>
@@ -4488,30 +4526,48 @@
           <a:lstStyle/>
           <a:p>
             <a:r>
-              <a:rPr lang="en-US" altLang="zh-CN" dirty="0"/>
-              <a:t>Sample</a:t>
-            </a:r>
-            <a:r>
-              <a:rPr lang="zh-CN" altLang="en-US" dirty="0"/>
-              <a:t> </a:t>
-            </a:r>
-            <a:r>
               <a:rPr lang="en-US" dirty="0"/>
-              <a:t>Sna</a:t>
-            </a:r>
-            <a:r>
-              <a:rPr lang="en-US" altLang="zh-CN" dirty="0"/>
-              <a:t>pshot</a:t>
-            </a:r>
-            <a:r>
-              <a:rPr lang="zh-CN" altLang="en-US" dirty="0"/>
-              <a:t> </a:t>
-            </a:r>
-            <a:r>
-              <a:rPr lang="en-US" altLang="zh-CN" dirty="0"/>
-              <a:t>here</a:t>
+              <a:t>Route Table(simple type binding)</a:t>
+            </a:r>
+          </a:p>
+          <a:p>
+            <a:r>
+              <a:rPr lang="en-US" dirty="0" err="1"/>
+              <a:t>FromUri</a:t>
             </a:r>
             <a:endParaRPr lang="en-US" dirty="0"/>
+          </a:p>
+          <a:p>
+            <a:r>
+              <a:rPr lang="en-US" dirty="0" err="1"/>
+              <a:t>FromBody</a:t>
+            </a:r>
+            <a:r>
+              <a:rPr lang="en-US" dirty="0"/>
+              <a:t>(complex type binding)</a:t>
+            </a:r>
+          </a:p>
+          <a:p>
+            <a:r>
+              <a:rPr lang="en-US" dirty="0"/>
+              <a:t>Customized </a:t>
+            </a:r>
+            <a:r>
+              <a:rPr lang="en-US" dirty="0" err="1"/>
+              <a:t>ModelBinding</a:t>
+            </a:r>
+            <a:r>
+              <a:rPr lang="en-US" dirty="0"/>
+              <a:t>, </a:t>
+            </a:r>
+            <a:r>
+              <a:rPr lang="en-US" dirty="0" err="1"/>
+              <a:t>DateBinder</a:t>
+            </a:r>
+            <a:r>
+              <a:rPr lang="en-US" dirty="0"/>
+              <a:t> sample</a:t>
+            </a:r>
           </a:p>
         </p:txBody>
       </p:sp>
@@ -4645,55 +4701,38 @@
           </a:fontRef>
         </p:style>
       </p:cxnSp>
-      <p:sp>
-        <p:nvSpPr>
-          <p:cNvPr id="6" name="Content Placeholder 5">
-            <a:extLst>
-              <a:ext uri="{FF2B5EF4-FFF2-40B4-BE49-F238E27FC236}">
-                <a16:creationId xmlns:a16="http://schemas.microsoft.com/office/drawing/2014/main" id="{31019E4B-1C5C-1241-A949-18E41F72BCE7}"/>
-              </a:ext>
-            </a:extLst>
-          </p:cNvPr>
-          <p:cNvSpPr>
-            <a:spLocks noGrp="1"/>
-          </p:cNvSpPr>
+      <p:pic>
+        <p:nvPicPr>
+          <p:cNvPr id="3" name="Content Placeholder 2">
+            <a:extLst>
+              <a:ext uri="{FF2B5EF4-FFF2-40B4-BE49-F238E27FC236}">
+                <a16:creationId xmlns:a16="http://schemas.microsoft.com/office/drawing/2014/main" id="{455F6B4F-2FB2-E54F-921A-631B5CD38608}"/>
+              </a:ext>
+            </a:extLst>
+          </p:cNvPr>
+          <p:cNvPicPr>
+            <a:picLocks noGrp="1" noChangeAspect="1"/>
+          </p:cNvPicPr>
           <p:nvPr>
             <p:ph idx="1"/>
           </p:nvPr>
-        </p:nvSpPr>
-        <p:spPr/>
-        <p:txBody>
-          <a:bodyPr/>
-          <a:lstStyle/>
-          <a:p>
-            <a:r>
-              <a:rPr lang="en-US" altLang="zh-CN" dirty="0"/>
-              <a:t>Sample</a:t>
-            </a:r>
-            <a:r>
-              <a:rPr lang="zh-CN" altLang="en-US" dirty="0"/>
-              <a:t> </a:t>
-            </a:r>
-            <a:r>
-              <a:rPr lang="en-US" dirty="0"/>
-              <a:t>Sna</a:t>
-            </a:r>
-            <a:r>
-              <a:rPr lang="en-US" altLang="zh-CN" dirty="0"/>
-              <a:t>pshot</a:t>
-            </a:r>
-            <a:r>
-              <a:rPr lang="zh-CN" altLang="en-US" dirty="0"/>
-              <a:t> </a:t>
-            </a:r>
-            <a:r>
-              <a:rPr lang="en-US" altLang="zh-CN" dirty="0"/>
-              <a:t>here</a:t>
-            </a:r>
-            <a:endParaRPr lang="en-US" dirty="0"/>
-          </a:p>
-        </p:txBody>
-      </p:sp>
+        </p:nvPicPr>
+        <p:blipFill>
+          <a:blip r:embed="rId2"/>
+          <a:stretch>
+            <a:fillRect/>
+          </a:stretch>
+        </p:blipFill>
+        <p:spPr>
+          <a:xfrm>
+            <a:off x="1446353" y="1825625"/>
+            <a:ext cx="9299294" cy="4351338"/>
+          </a:xfrm>
+          <a:prstGeom prst="rect">
+            <a:avLst/>
+          </a:prstGeom>
+        </p:spPr>
+      </p:pic>
     </p:spTree>
     <p:extLst>
       <p:ext uri="{BB962C8B-B14F-4D97-AF65-F5344CB8AC3E}">
@@ -4808,55 +4847,38 @@
           </a:fontRef>
         </p:style>
       </p:cxnSp>
-      <p:sp>
-        <p:nvSpPr>
-          <p:cNvPr id="6" name="Content Placeholder 5">
-            <a:extLst>
-              <a:ext uri="{FF2B5EF4-FFF2-40B4-BE49-F238E27FC236}">
-                <a16:creationId xmlns:a16="http://schemas.microsoft.com/office/drawing/2014/main" id="{31019E4B-1C5C-1241-A949-18E41F72BCE7}"/>
-              </a:ext>
-            </a:extLst>
-          </p:cNvPr>
-          <p:cNvSpPr>
-            <a:spLocks noGrp="1"/>
-          </p:cNvSpPr>
+      <p:pic>
+        <p:nvPicPr>
+          <p:cNvPr id="3" name="Content Placeholder 2">
+            <a:extLst>
+              <a:ext uri="{FF2B5EF4-FFF2-40B4-BE49-F238E27FC236}">
+                <a16:creationId xmlns:a16="http://schemas.microsoft.com/office/drawing/2014/main" id="{62986B6E-CAB2-F144-B1C9-16AAEC9239ED}"/>
+              </a:ext>
+            </a:extLst>
+          </p:cNvPr>
+          <p:cNvPicPr>
+            <a:picLocks noGrp="1" noChangeAspect="1"/>
+          </p:cNvPicPr>
           <p:nvPr>
             <p:ph idx="1"/>
           </p:nvPr>
-        </p:nvSpPr>
-        <p:spPr/>
-        <p:txBody>
-          <a:bodyPr/>
-          <a:lstStyle/>
-          <a:p>
-            <a:r>
-              <a:rPr lang="en-US" altLang="zh-CN" dirty="0"/>
-              <a:t>Sample</a:t>
-            </a:r>
-            <a:r>
-              <a:rPr lang="zh-CN" altLang="en-US" dirty="0"/>
-              <a:t> </a:t>
-            </a:r>
-            <a:r>
-              <a:rPr lang="en-US" dirty="0"/>
-              <a:t>Sna</a:t>
-            </a:r>
-            <a:r>
-              <a:rPr lang="en-US" altLang="zh-CN" dirty="0"/>
-              <a:t>pshot</a:t>
-            </a:r>
-            <a:r>
-              <a:rPr lang="zh-CN" altLang="en-US" dirty="0"/>
-              <a:t> </a:t>
-            </a:r>
-            <a:r>
-              <a:rPr lang="en-US" altLang="zh-CN" dirty="0"/>
-              <a:t>here</a:t>
-            </a:r>
-            <a:endParaRPr lang="en-US" dirty="0"/>
-          </a:p>
-        </p:txBody>
-      </p:sp>
+        </p:nvPicPr>
+        <p:blipFill>
+          <a:blip r:embed="rId2"/>
+          <a:stretch>
+            <a:fillRect/>
+          </a:stretch>
+        </p:blipFill>
+        <p:spPr>
+          <a:xfrm>
+            <a:off x="2669059" y="1491719"/>
+            <a:ext cx="6397917" cy="4685244"/>
+          </a:xfrm>
+          <a:prstGeom prst="rect">
+            <a:avLst/>
+          </a:prstGeom>
+        </p:spPr>
+      </p:pic>
     </p:spTree>
     <p:extLst>
       <p:ext uri="{BB962C8B-B14F-4D97-AF65-F5344CB8AC3E}">
@@ -4919,7 +4941,6 @@
               <a:rPr lang="en-US" altLang="zh-CN" sz="7200" dirty="0"/>
               <a:t>Thank You!</a:t>
             </a:r>
-            <a:endParaRPr lang="en-US" sz="7200" dirty="0"/>
           </a:p>
         </p:txBody>
       </p:sp>
@@ -6314,7 +6335,7 @@
         </p:spPr>
         <p:txBody>
           <a:bodyPr>
-            <a:normAutofit/>
+            <a:normAutofit fontScale="62500" lnSpcReduction="20000"/>
           </a:bodyPr>
           <a:lstStyle/>
           <a:p>
@@ -6326,6 +6347,15 @@
                 <a:hlinkClick r:id="rId2"/>
               </a:rPr>
               <a:t>https://dotnet.microsoft.com/apps/aspnet/apis</a:t>
+            </a:r>
+            <a:br>
+              <a:rPr lang="en-US" sz="1800" dirty="0"/>
+            </a:br>
+            <a:r>
+              <a:rPr lang="en-US" sz="1800" dirty="0">
+                <a:hlinkClick r:id="rId3"/>
+              </a:rPr>
+              <a:t>https://docs.microsoft.com/en-us/aspnet/web-api/</a:t>
             </a:r>
             <a:endParaRPr lang="en-US" altLang="zh-CN" sz="1800" dirty="0"/>
           </a:p>
@@ -6346,7 +6376,7 @@
           <p:nvPr/>
         </p:nvPicPr>
         <p:blipFill>
-          <a:blip r:embed="rId3"/>
+          <a:blip r:embed="rId4"/>
           <a:stretch>
             <a:fillRect/>
           </a:stretch>
@@ -6465,55 +6495,38 @@
           </a:fontRef>
         </p:style>
       </p:cxnSp>
-      <p:sp>
-        <p:nvSpPr>
-          <p:cNvPr id="6" name="Content Placeholder 5">
-            <a:extLst>
-              <a:ext uri="{FF2B5EF4-FFF2-40B4-BE49-F238E27FC236}">
-                <a16:creationId xmlns:a16="http://schemas.microsoft.com/office/drawing/2014/main" id="{31019E4B-1C5C-1241-A949-18E41F72BCE7}"/>
-              </a:ext>
-            </a:extLst>
-          </p:cNvPr>
-          <p:cNvSpPr>
-            <a:spLocks noGrp="1"/>
-          </p:cNvSpPr>
+      <p:pic>
+        <p:nvPicPr>
+          <p:cNvPr id="3" name="Content Placeholder 2">
+            <a:extLst>
+              <a:ext uri="{FF2B5EF4-FFF2-40B4-BE49-F238E27FC236}">
+                <a16:creationId xmlns:a16="http://schemas.microsoft.com/office/drawing/2014/main" id="{4E01145C-B188-FD45-BE43-290249901E6F}"/>
+              </a:ext>
+            </a:extLst>
+          </p:cNvPr>
+          <p:cNvPicPr>
+            <a:picLocks noGrp="1" noChangeAspect="1"/>
+          </p:cNvPicPr>
           <p:nvPr>
             <p:ph idx="1"/>
           </p:nvPr>
-        </p:nvSpPr>
-        <p:spPr/>
-        <p:txBody>
-          <a:bodyPr/>
-          <a:lstStyle/>
-          <a:p>
-            <a:r>
-              <a:rPr lang="en-US" altLang="zh-CN" dirty="0"/>
-              <a:t>Sample</a:t>
-            </a:r>
-            <a:r>
-              <a:rPr lang="zh-CN" altLang="en-US" dirty="0"/>
-              <a:t> </a:t>
-            </a:r>
-            <a:r>
-              <a:rPr lang="en-US" dirty="0"/>
-              <a:t>Sna</a:t>
-            </a:r>
-            <a:r>
-              <a:rPr lang="en-US" altLang="zh-CN" dirty="0"/>
-              <a:t>pshot</a:t>
-            </a:r>
-            <a:r>
-              <a:rPr lang="zh-CN" altLang="en-US" dirty="0"/>
-              <a:t> </a:t>
-            </a:r>
-            <a:r>
-              <a:rPr lang="en-US" altLang="zh-CN" dirty="0"/>
-              <a:t>here</a:t>
-            </a:r>
-            <a:endParaRPr lang="en-US" dirty="0"/>
-          </a:p>
-        </p:txBody>
-      </p:sp>
+        </p:nvPicPr>
+        <p:blipFill>
+          <a:blip r:embed="rId2"/>
+          <a:stretch>
+            <a:fillRect/>
+          </a:stretch>
+        </p:blipFill>
+        <p:spPr>
+          <a:xfrm>
+            <a:off x="2059939" y="1825625"/>
+            <a:ext cx="8072122" cy="4351338"/>
+          </a:xfrm>
+          <a:prstGeom prst="rect">
+            <a:avLst/>
+          </a:prstGeom>
+        </p:spPr>
+      </p:pic>
     </p:spTree>
     <p:extLst>
       <p:ext uri="{BB962C8B-B14F-4D97-AF65-F5344CB8AC3E}">
@@ -6567,19 +6580,7 @@
           <a:p>
             <a:r>
               <a:rPr lang="en-US" dirty="0"/>
-              <a:t>ASP.NET Web API-</a:t>
-            </a:r>
-            <a:r>
-              <a:rPr lang="en-US" altLang="zh-CN" dirty="0"/>
-              <a:t>Test</a:t>
-            </a:r>
-            <a:r>
-              <a:rPr lang="zh-CN" altLang="en-US" dirty="0"/>
-              <a:t> </a:t>
-            </a:r>
-            <a:r>
-              <a:rPr lang="en-US" altLang="zh-CN" dirty="0"/>
-              <a:t>with</a:t>
+              <a:t>ASP.NET Web API-Access from</a:t>
             </a:r>
             <a:r>
               <a:rPr lang="zh-CN" altLang="en-US" dirty="0"/>
@@ -6639,55 +6640,38 @@
           </a:fontRef>
         </p:style>
       </p:cxnSp>
-      <p:sp>
-        <p:nvSpPr>
-          <p:cNvPr id="6" name="Content Placeholder 5">
-            <a:extLst>
-              <a:ext uri="{FF2B5EF4-FFF2-40B4-BE49-F238E27FC236}">
-                <a16:creationId xmlns:a16="http://schemas.microsoft.com/office/drawing/2014/main" id="{31019E4B-1C5C-1241-A949-18E41F72BCE7}"/>
-              </a:ext>
-            </a:extLst>
-          </p:cNvPr>
-          <p:cNvSpPr>
-            <a:spLocks noGrp="1"/>
-          </p:cNvSpPr>
+      <p:pic>
+        <p:nvPicPr>
+          <p:cNvPr id="3" name="Content Placeholder 2">
+            <a:extLst>
+              <a:ext uri="{FF2B5EF4-FFF2-40B4-BE49-F238E27FC236}">
+                <a16:creationId xmlns:a16="http://schemas.microsoft.com/office/drawing/2014/main" id="{FE6C1090-8E09-BB49-869D-697C2257B3D6}"/>
+              </a:ext>
+            </a:extLst>
+          </p:cNvPr>
+          <p:cNvPicPr>
+            <a:picLocks noGrp="1" noChangeAspect="1"/>
+          </p:cNvPicPr>
           <p:nvPr>
             <p:ph idx="1"/>
           </p:nvPr>
-        </p:nvSpPr>
-        <p:spPr/>
-        <p:txBody>
-          <a:bodyPr/>
-          <a:lstStyle/>
-          <a:p>
-            <a:r>
-              <a:rPr lang="en-US" altLang="zh-CN" dirty="0"/>
-              <a:t>Sample</a:t>
-            </a:r>
-            <a:r>
-              <a:rPr lang="zh-CN" altLang="en-US" dirty="0"/>
-              <a:t> </a:t>
-            </a:r>
-            <a:r>
-              <a:rPr lang="en-US" dirty="0"/>
-              <a:t>Sna</a:t>
-            </a:r>
-            <a:r>
-              <a:rPr lang="en-US" altLang="zh-CN" dirty="0"/>
-              <a:t>pshot</a:t>
-            </a:r>
-            <a:r>
-              <a:rPr lang="zh-CN" altLang="en-US" dirty="0"/>
-              <a:t> </a:t>
-            </a:r>
-            <a:r>
-              <a:rPr lang="en-US" altLang="zh-CN" dirty="0"/>
-              <a:t>here</a:t>
-            </a:r>
-            <a:endParaRPr lang="en-US" dirty="0"/>
-          </a:p>
-        </p:txBody>
-      </p:sp>
+        </p:nvPicPr>
+        <p:blipFill>
+          <a:blip r:embed="rId2"/>
+          <a:stretch>
+            <a:fillRect/>
+          </a:stretch>
+        </p:blipFill>
+        <p:spPr>
+          <a:xfrm>
+            <a:off x="3039275" y="1825625"/>
+            <a:ext cx="6113450" cy="4351338"/>
+          </a:xfrm>
+          <a:prstGeom prst="rect">
+            <a:avLst/>
+          </a:prstGeom>
+        </p:spPr>
+      </p:pic>
     </p:spTree>
     <p:extLst>
       <p:ext uri="{BB962C8B-B14F-4D97-AF65-F5344CB8AC3E}">

--- a/RestApiIntroduction.pptx
+++ b/RestApiIntroduction.pptx
@@ -5,25 +5,31 @@
     <p:sldMasterId id="2147483648" r:id="rId1"/>
   </p:sldMasterIdLst>
   <p:notesMasterIdLst>
-    <p:notesMasterId r:id="rId18"/>
+    <p:notesMasterId r:id="rId24"/>
   </p:notesMasterIdLst>
   <p:sldIdLst>
     <p:sldId id="256" r:id="rId2"/>
     <p:sldId id="259" r:id="rId3"/>
     <p:sldId id="278" r:id="rId4"/>
-    <p:sldId id="280" r:id="rId5"/>
-    <p:sldId id="279" r:id="rId6"/>
-    <p:sldId id="281" r:id="rId7"/>
-    <p:sldId id="282" r:id="rId8"/>
-    <p:sldId id="290" r:id="rId9"/>
-    <p:sldId id="283" r:id="rId10"/>
-    <p:sldId id="284" r:id="rId11"/>
-    <p:sldId id="285" r:id="rId12"/>
-    <p:sldId id="286" r:id="rId13"/>
-    <p:sldId id="287" r:id="rId14"/>
-    <p:sldId id="288" r:id="rId15"/>
-    <p:sldId id="289" r:id="rId16"/>
-    <p:sldId id="277" r:id="rId17"/>
+    <p:sldId id="291" r:id="rId5"/>
+    <p:sldId id="293" r:id="rId6"/>
+    <p:sldId id="292" r:id="rId7"/>
+    <p:sldId id="294" r:id="rId8"/>
+    <p:sldId id="280" r:id="rId9"/>
+    <p:sldId id="279" r:id="rId10"/>
+    <p:sldId id="295" r:id="rId11"/>
+    <p:sldId id="281" r:id="rId12"/>
+    <p:sldId id="282" r:id="rId13"/>
+    <p:sldId id="290" r:id="rId14"/>
+    <p:sldId id="283" r:id="rId15"/>
+    <p:sldId id="284" r:id="rId16"/>
+    <p:sldId id="285" r:id="rId17"/>
+    <p:sldId id="286" r:id="rId18"/>
+    <p:sldId id="287" r:id="rId19"/>
+    <p:sldId id="296" r:id="rId20"/>
+    <p:sldId id="288" r:id="rId21"/>
+    <p:sldId id="289" r:id="rId22"/>
+    <p:sldId id="277" r:id="rId23"/>
   </p:sldIdLst>
   <p:sldSz cx="12192000" cy="6858000"/>
   <p:notesSz cx="6858000" cy="9144000"/>
@@ -212,7 +218,7 @@
           <a:p>
             <a:fld id="{F345A3A0-5793-4964-9E63-3A56D19EF08F}" type="datetimeFigureOut">
               <a:rPr lang="en-US" smtClean="0"/>
-              <a:t>3/31/19</a:t>
+              <a:t>4/2/2019</a:t>
             </a:fld>
             <a:endParaRPr lang="en-US"/>
           </a:p>
@@ -710,7 +716,7 @@
           <a:p>
             <a:fld id="{52EA2E7D-A963-4627-B7B5-FDE44A515633}" type="datetimeFigureOut">
               <a:rPr lang="en-US" smtClean="0"/>
-              <a:t>3/31/19</a:t>
+              <a:t>4/2/2019</a:t>
             </a:fld>
             <a:endParaRPr lang="en-US"/>
           </a:p>
@@ -908,7 +914,7 @@
           <a:p>
             <a:fld id="{52EA2E7D-A963-4627-B7B5-FDE44A515633}" type="datetimeFigureOut">
               <a:rPr lang="en-US" smtClean="0"/>
-              <a:t>3/31/19</a:t>
+              <a:t>4/2/2019</a:t>
             </a:fld>
             <a:endParaRPr lang="en-US"/>
           </a:p>
@@ -1116,7 +1122,7 @@
           <a:p>
             <a:fld id="{52EA2E7D-A963-4627-B7B5-FDE44A515633}" type="datetimeFigureOut">
               <a:rPr lang="en-US" smtClean="0"/>
-              <a:t>3/31/19</a:t>
+              <a:t>4/2/2019</a:t>
             </a:fld>
             <a:endParaRPr lang="en-US"/>
           </a:p>
@@ -1314,7 +1320,7 @@
           <a:p>
             <a:fld id="{52EA2E7D-A963-4627-B7B5-FDE44A515633}" type="datetimeFigureOut">
               <a:rPr lang="en-US" smtClean="0"/>
-              <a:t>3/31/19</a:t>
+              <a:t>4/2/2019</a:t>
             </a:fld>
             <a:endParaRPr lang="en-US"/>
           </a:p>
@@ -1589,7 +1595,7 @@
           <a:p>
             <a:fld id="{52EA2E7D-A963-4627-B7B5-FDE44A515633}" type="datetimeFigureOut">
               <a:rPr lang="en-US" smtClean="0"/>
-              <a:t>3/31/19</a:t>
+              <a:t>4/2/2019</a:t>
             </a:fld>
             <a:endParaRPr lang="en-US"/>
           </a:p>
@@ -1854,7 +1860,7 @@
           <a:p>
             <a:fld id="{52EA2E7D-A963-4627-B7B5-FDE44A515633}" type="datetimeFigureOut">
               <a:rPr lang="en-US" smtClean="0"/>
-              <a:t>3/31/19</a:t>
+              <a:t>4/2/2019</a:t>
             </a:fld>
             <a:endParaRPr lang="en-US"/>
           </a:p>
@@ -2266,7 +2272,7 @@
           <a:p>
             <a:fld id="{52EA2E7D-A963-4627-B7B5-FDE44A515633}" type="datetimeFigureOut">
               <a:rPr lang="en-US" smtClean="0"/>
-              <a:t>3/31/19</a:t>
+              <a:t>4/2/2019</a:t>
             </a:fld>
             <a:endParaRPr lang="en-US"/>
           </a:p>
@@ -2407,7 +2413,7 @@
           <a:p>
             <a:fld id="{52EA2E7D-A963-4627-B7B5-FDE44A515633}" type="datetimeFigureOut">
               <a:rPr lang="en-US" smtClean="0"/>
-              <a:t>3/31/19</a:t>
+              <a:t>4/2/2019</a:t>
             </a:fld>
             <a:endParaRPr lang="en-US"/>
           </a:p>
@@ -2520,7 +2526,7 @@
           <a:p>
             <a:fld id="{52EA2E7D-A963-4627-B7B5-FDE44A515633}" type="datetimeFigureOut">
               <a:rPr lang="en-US" smtClean="0"/>
-              <a:t>3/31/19</a:t>
+              <a:t>4/2/2019</a:t>
             </a:fld>
             <a:endParaRPr lang="en-US"/>
           </a:p>
@@ -2831,7 +2837,7 @@
           <a:p>
             <a:fld id="{52EA2E7D-A963-4627-B7B5-FDE44A515633}" type="datetimeFigureOut">
               <a:rPr lang="en-US" smtClean="0"/>
-              <a:t>3/31/19</a:t>
+              <a:t>4/2/2019</a:t>
             </a:fld>
             <a:endParaRPr lang="en-US"/>
           </a:p>
@@ -3119,7 +3125,7 @@
           <a:p>
             <a:fld id="{52EA2E7D-A963-4627-B7B5-FDE44A515633}" type="datetimeFigureOut">
               <a:rPr lang="en-US" smtClean="0"/>
-              <a:t>3/31/19</a:t>
+              <a:t>4/2/2019</a:t>
             </a:fld>
             <a:endParaRPr lang="en-US"/>
           </a:p>
@@ -3360,7 +3366,7 @@
           <a:p>
             <a:fld id="{52EA2E7D-A963-4627-B7B5-FDE44A515633}" type="datetimeFigureOut">
               <a:rPr lang="en-US" smtClean="0"/>
-              <a:t>3/31/19</a:t>
+              <a:t>4/2/2019</a:t>
             </a:fld>
             <a:endParaRPr lang="en-US"/>
           </a:p>
@@ -3867,6 +3873,41 @@
           </a:p>
         </p:txBody>
       </p:sp>
+      <p:sp>
+        <p:nvSpPr>
+          <p:cNvPr id="4" name="TextBox 3">
+            <a:extLst>
+              <a:ext uri="{FF2B5EF4-FFF2-40B4-BE49-F238E27FC236}">
+                <a16:creationId xmlns:a16="http://schemas.microsoft.com/office/drawing/2014/main" id="{D7D2BE45-0841-4D75-A064-0386B21EF34A}"/>
+              </a:ext>
+            </a:extLst>
+          </p:cNvPr>
+          <p:cNvSpPr txBox="1"/>
+          <p:nvPr/>
+        </p:nvSpPr>
+        <p:spPr>
+          <a:xfrm>
+            <a:off x="2317898" y="3234059"/>
+            <a:ext cx="3199466" cy="369332"/>
+          </a:xfrm>
+          <a:prstGeom prst="rect">
+            <a:avLst/>
+          </a:prstGeom>
+          <a:noFill/>
+        </p:spPr>
+        <p:txBody>
+          <a:bodyPr wrap="none" rtlCol="0">
+            <a:spAutoFit/>
+          </a:bodyPr>
+          <a:lstStyle/>
+          <a:p>
+            <a:r>
+              <a:rPr lang="en-US" dirty="0"/>
+              <a:t>https://github.com/lbwxly/Todo</a:t>
+            </a:r>
+          </a:p>
+        </p:txBody>
+      </p:sp>
     </p:spTree>
     <p:extLst>
       <p:ext uri="{BB962C8B-B14F-4D97-AF65-F5344CB8AC3E}">
@@ -3920,21 +3961,8 @@
           <a:p>
             <a:r>
               <a:rPr lang="en-US" dirty="0"/>
-              <a:t>ASP.NET Web API-</a:t>
-            </a:r>
-            <a:r>
-              <a:rPr lang="en-US" altLang="zh-CN" dirty="0"/>
-              <a:t>Delegating</a:t>
-            </a:r>
-            <a:r>
-              <a:rPr lang="zh-CN" altLang="en-US" dirty="0"/>
-              <a:t> </a:t>
-            </a:r>
-            <a:r>
-              <a:rPr lang="en-US" altLang="zh-CN" dirty="0"/>
-              <a:t>Handler</a:t>
-            </a:r>
-            <a:endParaRPr lang="en-US" dirty="0"/>
+              <a:t>REST Architecture</a:t>
+            </a:r>
           </a:p>
         </p:txBody>
       </p:sp>
@@ -3986,10 +4014,10 @@
       </p:cxnSp>
       <p:sp>
         <p:nvSpPr>
-          <p:cNvPr id="6" name="Content Placeholder 5">
-            <a:extLst>
-              <a:ext uri="{FF2B5EF4-FFF2-40B4-BE49-F238E27FC236}">
-                <a16:creationId xmlns:a16="http://schemas.microsoft.com/office/drawing/2014/main" id="{31019E4B-1C5C-1241-A949-18E41F72BCE7}"/>
+          <p:cNvPr id="8" name="Content Placeholder 7">
+            <a:extLst>
+              <a:ext uri="{FF2B5EF4-FFF2-40B4-BE49-F238E27FC236}">
+                <a16:creationId xmlns:a16="http://schemas.microsoft.com/office/drawing/2014/main" id="{9031CB35-12B5-4BFB-914D-A8375D07D56B}"/>
               </a:ext>
             </a:extLst>
           </p:cNvPr>
@@ -4000,28 +4028,69 @@
             <p:ph idx="1"/>
           </p:nvPr>
         </p:nvSpPr>
-        <p:spPr/>
-        <p:txBody>
-          <a:bodyPr/>
-          <a:lstStyle/>
-          <a:p>
-            <a:r>
-              <a:rPr lang="en-US" dirty="0"/>
-              <a:t>Request Monitor</a:t>
-            </a:r>
-          </a:p>
-          <a:p>
-            <a:r>
-              <a:rPr lang="en-US" dirty="0"/>
-              <a:t>Authentication Handler</a:t>
-            </a:r>
+        <p:spPr>
+          <a:xfrm>
+            <a:off x="838200" y="1825625"/>
+            <a:ext cx="10515600" cy="4351338"/>
+          </a:xfrm>
+          <a:prstGeom prst="rect">
+            <a:avLst/>
+          </a:prstGeom>
+        </p:spPr>
+        <p:txBody>
+          <a:bodyPr wrap="none">
+            <a:spAutoFit/>
+          </a:bodyPr>
+          <a:lstStyle/>
+          <a:p>
+            <a:pPr marL="342900" indent="-342900">
+              <a:buFont typeface="Arial" panose="020B0604020202020204" pitchFamily="34" charset="0"/>
+              <a:buChar char="•"/>
+            </a:pPr>
+            <a:r>
+              <a:rPr lang="en-US" altLang="zh-CN" b="1" dirty="0"/>
+              <a:t>Doesn’t</a:t>
+            </a:r>
+            <a:r>
+              <a:rPr lang="zh-CN" altLang="en-US" b="1" dirty="0"/>
+              <a:t> </a:t>
+            </a:r>
+            <a:r>
+              <a:rPr lang="en-US" altLang="zh-CN" b="1" dirty="0"/>
+              <a:t>restrict</a:t>
+            </a:r>
+            <a:r>
+              <a:rPr lang="zh-CN" altLang="en-US" b="1" dirty="0"/>
+              <a:t> </a:t>
+            </a:r>
+            <a:r>
+              <a:rPr lang="en-US" altLang="zh-CN" b="1" dirty="0"/>
+              <a:t>to</a:t>
+            </a:r>
+            <a:r>
+              <a:rPr lang="zh-CN" altLang="en-US" b="1" dirty="0"/>
+              <a:t> </a:t>
+            </a:r>
+            <a:r>
+              <a:rPr lang="en-US" altLang="zh-CN" b="1" dirty="0"/>
+              <a:t>particular</a:t>
+            </a:r>
+            <a:r>
+              <a:rPr lang="zh-CN" altLang="en-US" b="1" dirty="0"/>
+              <a:t> </a:t>
+            </a:r>
+            <a:r>
+              <a:rPr lang="en-US" altLang="zh-CN" b="1" dirty="0"/>
+              <a:t>protocol</a:t>
+            </a:r>
+            <a:endParaRPr lang="en-US" b="1" dirty="0"/>
           </a:p>
         </p:txBody>
       </p:sp>
     </p:spTree>
     <p:extLst>
       <p:ext uri="{BB962C8B-B14F-4D97-AF65-F5344CB8AC3E}">
-        <p14:creationId xmlns:p14="http://schemas.microsoft.com/office/powerpoint/2010/main" val="4135551320"/>
+        <p14:creationId xmlns:p14="http://schemas.microsoft.com/office/powerpoint/2010/main" val="773628928"/>
       </p:ext>
     </p:extLst>
   </p:cSld>
@@ -4071,13 +4140,8 @@
           <a:p>
             <a:r>
               <a:rPr lang="en-US" dirty="0"/>
-              <a:t>ASP.NET Web API-</a:t>
-            </a:r>
-            <a:r>
-              <a:rPr lang="en-US" altLang="zh-CN" dirty="0"/>
-              <a:t>Routing</a:t>
-            </a:r>
-            <a:endParaRPr lang="en-US" dirty="0"/>
+              <a:t>ASP.NET Web API Framework</a:t>
+            </a:r>
           </a:p>
         </p:txBody>
       </p:sp>
@@ -4143,114 +4207,74 @@
             <p:ph idx="1"/>
           </p:nvPr>
         </p:nvSpPr>
-        <p:spPr/>
+        <p:spPr>
+          <a:xfrm>
+            <a:off x="838200" y="6504766"/>
+            <a:ext cx="4784124" cy="365125"/>
+          </a:xfrm>
+        </p:spPr>
         <p:txBody>
           <a:bodyPr>
-            <a:normAutofit lnSpcReduction="10000"/>
+            <a:normAutofit fontScale="62500" lnSpcReduction="20000"/>
           </a:bodyPr>
           <a:lstStyle/>
-          <a:p>
-            <a:pPr marL="514350" indent="-514350">
-              <a:buFont typeface="+mj-lt"/>
-              <a:buAutoNum type="arabicPeriod"/>
-            </a:pPr>
-            <a:r>
-              <a:rPr lang="en-US" dirty="0"/>
-              <a:t>Match Http Method</a:t>
-            </a:r>
-          </a:p>
-          <a:p>
-            <a:pPr marL="514350" indent="-514350">
-              <a:buFont typeface="+mj-lt"/>
-              <a:buAutoNum type="arabicPeriod"/>
-            </a:pPr>
-            <a:r>
-              <a:rPr lang="en-US" dirty="0"/>
-              <a:t>Match Route Template(from path of URL)</a:t>
-            </a:r>
-          </a:p>
-          <a:p>
-            <a:pPr marL="514350" indent="-514350">
-              <a:buFont typeface="+mj-lt"/>
-              <a:buAutoNum type="arabicPeriod"/>
-            </a:pPr>
-            <a:r>
-              <a:rPr lang="en-US" dirty="0"/>
-              <a:t>Match Action Parameter</a:t>
-            </a:r>
-            <a:br>
-              <a:rPr lang="en-US" dirty="0"/>
-            </a:br>
-            <a:r>
-              <a:rPr lang="en-US" dirty="0"/>
-              <a:t>- Exclude optional parameter</a:t>
-            </a:r>
-            <a:br>
-              <a:rPr lang="en-US" dirty="0"/>
-            </a:br>
-            <a:r>
-              <a:rPr lang="en-US" dirty="0"/>
-              <a:t>- All non-optional parameter are required</a:t>
-            </a:r>
-            <a:br>
-              <a:rPr lang="en-US" dirty="0"/>
-            </a:br>
-            <a:r>
-              <a:rPr lang="en-US" dirty="0"/>
-              <a:t>- Match as more as possible</a:t>
-            </a:r>
-          </a:p>
-          <a:p>
-            <a:pPr marL="514350" indent="-514350">
-              <a:buFont typeface="+mj-lt"/>
-              <a:buAutoNum type="arabicPeriod"/>
-            </a:pPr>
-            <a:endParaRPr lang="en-US" dirty="0"/>
-          </a:p>
-          <a:p>
-            <a:pPr marL="514350" indent="-514350">
-              <a:buFont typeface="+mj-lt"/>
-              <a:buAutoNum type="arabicPeriod"/>
-            </a:pPr>
-            <a:endParaRPr lang="en-US" dirty="0"/>
-          </a:p>
-          <a:p>
-            <a:pPr marL="514350" indent="-514350">
-              <a:buFont typeface="+mj-lt"/>
-              <a:buAutoNum type="arabicPeriod"/>
-            </a:pPr>
-            <a:endParaRPr lang="en-US" dirty="0"/>
-          </a:p>
           <a:p>
             <a:pPr marL="0" indent="0">
               <a:buNone/>
             </a:pPr>
             <a:r>
-              <a:rPr lang="en-US" sz="1200" dirty="0">
+              <a:rPr lang="en-US" sz="1800" dirty="0">
                 <a:hlinkClick r:id="rId2"/>
               </a:rPr>
-              <a:t>https://docs.microsoft.com/en-us/aspnet/web-api/overview/web-api-routing-and-actions/attribute-routing-in-web-api-2</a:t>
-            </a:r>
-            <a:endParaRPr lang="en-US" sz="1200" dirty="0"/>
-          </a:p>
-          <a:p>
-            <a:pPr marL="0" indent="0">
-              <a:buNone/>
-            </a:pPr>
-            <a:endParaRPr lang="en-US" dirty="0"/>
-          </a:p>
-          <a:p>
-            <a:pPr marL="0" indent="0">
-              <a:buNone/>
-            </a:pPr>
-            <a:endParaRPr lang="en-US" dirty="0"/>
-          </a:p>
-        </p:txBody>
-      </p:sp>
+              <a:t>https://dotnet.microsoft.com/apps/aspnet/apis</a:t>
+            </a:r>
+            <a:br>
+              <a:rPr lang="en-US" sz="1800" dirty="0"/>
+            </a:br>
+            <a:r>
+              <a:rPr lang="en-US" sz="1800" dirty="0">
+                <a:hlinkClick r:id="rId3"/>
+              </a:rPr>
+              <a:t>https://docs.microsoft.com/en-us/aspnet/web-api/</a:t>
+            </a:r>
+            <a:endParaRPr lang="en-US" altLang="zh-CN" sz="1800" dirty="0"/>
+          </a:p>
+        </p:txBody>
+      </p:sp>
+      <p:pic>
+        <p:nvPicPr>
+          <p:cNvPr id="7" name="Picture 6">
+            <a:extLst>
+              <a:ext uri="{FF2B5EF4-FFF2-40B4-BE49-F238E27FC236}">
+                <a16:creationId xmlns:a16="http://schemas.microsoft.com/office/drawing/2014/main" id="{55062B0B-7660-1847-8045-75440BDB96D3}"/>
+              </a:ext>
+            </a:extLst>
+          </p:cNvPr>
+          <p:cNvPicPr>
+            <a:picLocks noChangeAspect="1"/>
+          </p:cNvPicPr>
+          <p:nvPr/>
+        </p:nvPicPr>
+        <p:blipFill>
+          <a:blip r:embed="rId4"/>
+          <a:stretch>
+            <a:fillRect/>
+          </a:stretch>
+        </p:blipFill>
+        <p:spPr>
+          <a:xfrm>
+            <a:off x="838200" y="1526046"/>
+            <a:ext cx="7587049" cy="4842936"/>
+          </a:xfrm>
+          <a:prstGeom prst="rect">
+            <a:avLst/>
+          </a:prstGeom>
+        </p:spPr>
+      </p:pic>
     </p:spTree>
     <p:extLst>
       <p:ext uri="{BB962C8B-B14F-4D97-AF65-F5344CB8AC3E}">
-        <p14:creationId xmlns:p14="http://schemas.microsoft.com/office/powerpoint/2010/main" val="2828538009"/>
+        <p14:creationId xmlns:p14="http://schemas.microsoft.com/office/powerpoint/2010/main" val="405928421"/>
       </p:ext>
     </p:extLst>
   </p:cSld>
@@ -4300,358 +4324,8 @@
           <a:p>
             <a:r>
               <a:rPr lang="en-US" dirty="0"/>
-              <a:t>ASP.NET Web API-</a:t>
-            </a:r>
-            <a:r>
-              <a:rPr lang="en-US" altLang="zh-CN" dirty="0" err="1"/>
-              <a:t>ActionFilter</a:t>
-            </a:r>
-            <a:endParaRPr lang="en-US" dirty="0"/>
-          </a:p>
-        </p:txBody>
-      </p:sp>
-      <p:cxnSp>
-        <p:nvCxnSpPr>
-          <p:cNvPr id="4" name="Straight Connector 3">
-            <a:extLst>
-              <a:ext uri="{FF2B5EF4-FFF2-40B4-BE49-F238E27FC236}">
-                <a16:creationId xmlns:a16="http://schemas.microsoft.com/office/drawing/2014/main" id="{4E074329-75FF-4700-9DA3-03CD0E642D1E}"/>
-              </a:ext>
-            </a:extLst>
-          </p:cNvPr>
-          <p:cNvCxnSpPr>
-            <a:cxnSpLocks/>
-          </p:cNvCxnSpPr>
-          <p:nvPr/>
-        </p:nvCxnSpPr>
-        <p:spPr>
-          <a:xfrm>
-            <a:off x="838200" y="1390261"/>
-            <a:ext cx="10246567" cy="0"/>
-          </a:xfrm>
-          <a:prstGeom prst="line">
-            <a:avLst/>
-          </a:prstGeom>
-          <a:ln w="28575"/>
-          <a:effectLst>
-            <a:outerShdw blurRad="50800" dist="38100" dir="5400000" algn="t" rotWithShape="0">
-              <a:prstClr val="black">
-                <a:alpha val="40000"/>
-              </a:prstClr>
-            </a:outerShdw>
-          </a:effectLst>
-        </p:spPr>
-        <p:style>
-          <a:lnRef idx="1">
-            <a:schemeClr val="accent1"/>
-          </a:lnRef>
-          <a:fillRef idx="0">
-            <a:schemeClr val="accent1"/>
-          </a:fillRef>
-          <a:effectRef idx="0">
-            <a:schemeClr val="accent1"/>
-          </a:effectRef>
-          <a:fontRef idx="minor">
-            <a:schemeClr val="tx1"/>
-          </a:fontRef>
-        </p:style>
-      </p:cxnSp>
-      <p:sp>
-        <p:nvSpPr>
-          <p:cNvPr id="6" name="Content Placeholder 5">
-            <a:extLst>
-              <a:ext uri="{FF2B5EF4-FFF2-40B4-BE49-F238E27FC236}">
-                <a16:creationId xmlns:a16="http://schemas.microsoft.com/office/drawing/2014/main" id="{31019E4B-1C5C-1241-A949-18E41F72BCE7}"/>
-              </a:ext>
-            </a:extLst>
-          </p:cNvPr>
-          <p:cNvSpPr>
-            <a:spLocks noGrp="1"/>
-          </p:cNvSpPr>
-          <p:nvPr>
-            <p:ph idx="1"/>
-          </p:nvPr>
-        </p:nvSpPr>
-        <p:spPr/>
-        <p:txBody>
-          <a:bodyPr/>
-          <a:lstStyle/>
-          <a:p>
-            <a:pPr marL="0" indent="0">
-              <a:buNone/>
-            </a:pPr>
-            <a:r>
-              <a:rPr lang="en-US" dirty="0"/>
-              <a:t>Parameter Validation Sample</a:t>
-            </a:r>
-          </a:p>
-        </p:txBody>
-      </p:sp>
-    </p:spTree>
-    <p:extLst>
-      <p:ext uri="{BB962C8B-B14F-4D97-AF65-F5344CB8AC3E}">
-        <p14:creationId xmlns:p14="http://schemas.microsoft.com/office/powerpoint/2010/main" val="783909587"/>
-      </p:ext>
-    </p:extLst>
-  </p:cSld>
-  <p:clrMapOvr>
-    <a:masterClrMapping/>
-  </p:clrMapOvr>
-</p:sld>
-</file>
-
-<file path=ppt/slides/slide13.xml><?xml version="1.0" encoding="utf-8"?>
-<p:sld xmlns:a="http://schemas.openxmlformats.org/drawingml/2006/main" xmlns:r="http://schemas.openxmlformats.org/officeDocument/2006/relationships" xmlns:p="http://schemas.openxmlformats.org/presentationml/2006/main">
-  <p:cSld>
-    <p:spTree>
-      <p:nvGrpSpPr>
-        <p:cNvPr id="1" name=""/>
-        <p:cNvGrpSpPr/>
-        <p:nvPr/>
-      </p:nvGrpSpPr>
-      <p:grpSpPr>
-        <a:xfrm>
-          <a:off x="0" y="0"/>
-          <a:ext cx="0" cy="0"/>
-          <a:chOff x="0" y="0"/>
-          <a:chExt cx="0" cy="0"/>
-        </a:xfrm>
-      </p:grpSpPr>
-      <p:sp>
-        <p:nvSpPr>
-          <p:cNvPr id="2" name="Title 1">
-            <a:extLst>
-              <a:ext uri="{FF2B5EF4-FFF2-40B4-BE49-F238E27FC236}">
-                <a16:creationId xmlns:a16="http://schemas.microsoft.com/office/drawing/2014/main" id="{DB8C63B4-83B2-4F2F-AFC3-4CDA44E75BA5}"/>
-              </a:ext>
-            </a:extLst>
-          </p:cNvPr>
-          <p:cNvSpPr>
-            <a:spLocks noGrp="1"/>
-          </p:cNvSpPr>
-          <p:nvPr>
-            <p:ph type="title"/>
-          </p:nvPr>
-        </p:nvSpPr>
-        <p:spPr/>
-        <p:txBody>
-          <a:bodyPr/>
-          <a:lstStyle/>
-          <a:p>
-            <a:r>
-              <a:rPr lang="en-US" dirty="0"/>
-              <a:t>ASP.NET Web API-</a:t>
-            </a:r>
-            <a:r>
-              <a:rPr lang="en-US" altLang="zh-CN" dirty="0"/>
-              <a:t>Model</a:t>
-            </a:r>
-            <a:r>
-              <a:rPr lang="zh-CN" altLang="en-US" dirty="0"/>
-              <a:t> </a:t>
-            </a:r>
-            <a:r>
-              <a:rPr lang="en-US" altLang="zh-CN" dirty="0"/>
-              <a:t>Binding</a:t>
-            </a:r>
-            <a:endParaRPr lang="en-US" dirty="0"/>
-          </a:p>
-        </p:txBody>
-      </p:sp>
-      <p:cxnSp>
-        <p:nvCxnSpPr>
-          <p:cNvPr id="4" name="Straight Connector 3">
-            <a:extLst>
-              <a:ext uri="{FF2B5EF4-FFF2-40B4-BE49-F238E27FC236}">
-                <a16:creationId xmlns:a16="http://schemas.microsoft.com/office/drawing/2014/main" id="{4E074329-75FF-4700-9DA3-03CD0E642D1E}"/>
-              </a:ext>
-            </a:extLst>
-          </p:cNvPr>
-          <p:cNvCxnSpPr>
-            <a:cxnSpLocks/>
-          </p:cNvCxnSpPr>
-          <p:nvPr/>
-        </p:nvCxnSpPr>
-        <p:spPr>
-          <a:xfrm>
-            <a:off x="838200" y="1390261"/>
-            <a:ext cx="10246567" cy="0"/>
-          </a:xfrm>
-          <a:prstGeom prst="line">
-            <a:avLst/>
-          </a:prstGeom>
-          <a:ln w="28575"/>
-          <a:effectLst>
-            <a:outerShdw blurRad="50800" dist="38100" dir="5400000" algn="t" rotWithShape="0">
-              <a:prstClr val="black">
-                <a:alpha val="40000"/>
-              </a:prstClr>
-            </a:outerShdw>
-          </a:effectLst>
-        </p:spPr>
-        <p:style>
-          <a:lnRef idx="1">
-            <a:schemeClr val="accent1"/>
-          </a:lnRef>
-          <a:fillRef idx="0">
-            <a:schemeClr val="accent1"/>
-          </a:fillRef>
-          <a:effectRef idx="0">
-            <a:schemeClr val="accent1"/>
-          </a:effectRef>
-          <a:fontRef idx="minor">
-            <a:schemeClr val="tx1"/>
-          </a:fontRef>
-        </p:style>
-      </p:cxnSp>
-      <p:sp>
-        <p:nvSpPr>
-          <p:cNvPr id="6" name="Content Placeholder 5">
-            <a:extLst>
-              <a:ext uri="{FF2B5EF4-FFF2-40B4-BE49-F238E27FC236}">
-                <a16:creationId xmlns:a16="http://schemas.microsoft.com/office/drawing/2014/main" id="{31019E4B-1C5C-1241-A949-18E41F72BCE7}"/>
-              </a:ext>
-            </a:extLst>
-          </p:cNvPr>
-          <p:cNvSpPr>
-            <a:spLocks noGrp="1"/>
-          </p:cNvSpPr>
-          <p:nvPr>
-            <p:ph idx="1"/>
-          </p:nvPr>
-        </p:nvSpPr>
-        <p:spPr/>
-        <p:txBody>
-          <a:bodyPr/>
-          <a:lstStyle/>
-          <a:p>
-            <a:r>
-              <a:rPr lang="en-US" dirty="0"/>
-              <a:t>Route Table(simple type binding)</a:t>
-            </a:r>
-          </a:p>
-          <a:p>
-            <a:r>
-              <a:rPr lang="en-US" dirty="0" err="1"/>
-              <a:t>FromUri</a:t>
-            </a:r>
-            <a:endParaRPr lang="en-US" dirty="0"/>
-          </a:p>
-          <a:p>
-            <a:r>
-              <a:rPr lang="en-US" dirty="0" err="1"/>
-              <a:t>FromBody</a:t>
-            </a:r>
-            <a:r>
-              <a:rPr lang="en-US" dirty="0"/>
-              <a:t>(complex type binding)</a:t>
-            </a:r>
-          </a:p>
-          <a:p>
-            <a:r>
-              <a:rPr lang="en-US" dirty="0"/>
-              <a:t>Customized </a:t>
-            </a:r>
-            <a:r>
-              <a:rPr lang="en-US" dirty="0" err="1"/>
-              <a:t>ModelBinding</a:t>
-            </a:r>
-            <a:r>
-              <a:rPr lang="en-US" dirty="0"/>
-              <a:t>, </a:t>
-            </a:r>
-            <a:r>
-              <a:rPr lang="en-US" dirty="0" err="1"/>
-              <a:t>DateBinder</a:t>
-            </a:r>
-            <a:r>
-              <a:rPr lang="en-US" dirty="0"/>
-              <a:t> sample</a:t>
-            </a:r>
-          </a:p>
-        </p:txBody>
-      </p:sp>
-    </p:spTree>
-    <p:extLst>
-      <p:ext uri="{BB962C8B-B14F-4D97-AF65-F5344CB8AC3E}">
-        <p14:creationId xmlns:p14="http://schemas.microsoft.com/office/powerpoint/2010/main" val="2303720083"/>
-      </p:ext>
-    </p:extLst>
-  </p:cSld>
-  <p:clrMapOvr>
-    <a:masterClrMapping/>
-  </p:clrMapOvr>
-</p:sld>
-</file>
-
-<file path=ppt/slides/slide14.xml><?xml version="1.0" encoding="utf-8"?>
-<p:sld xmlns:a="http://schemas.openxmlformats.org/drawingml/2006/main" xmlns:r="http://schemas.openxmlformats.org/officeDocument/2006/relationships" xmlns:p="http://schemas.openxmlformats.org/presentationml/2006/main">
-  <p:cSld>
-    <p:spTree>
-      <p:nvGrpSpPr>
-        <p:cNvPr id="1" name=""/>
-        <p:cNvGrpSpPr/>
-        <p:nvPr/>
-      </p:nvGrpSpPr>
-      <p:grpSpPr>
-        <a:xfrm>
-          <a:off x="0" y="0"/>
-          <a:ext cx="0" cy="0"/>
-          <a:chOff x="0" y="0"/>
-          <a:chExt cx="0" cy="0"/>
-        </a:xfrm>
-      </p:grpSpPr>
-      <p:sp>
-        <p:nvSpPr>
-          <p:cNvPr id="2" name="Title 1">
-            <a:extLst>
-              <a:ext uri="{FF2B5EF4-FFF2-40B4-BE49-F238E27FC236}">
-                <a16:creationId xmlns:a16="http://schemas.microsoft.com/office/drawing/2014/main" id="{DB8C63B4-83B2-4F2F-AFC3-4CDA44E75BA5}"/>
-              </a:ext>
-            </a:extLst>
-          </p:cNvPr>
-          <p:cNvSpPr>
-            <a:spLocks noGrp="1"/>
-          </p:cNvSpPr>
-          <p:nvPr>
-            <p:ph type="title"/>
-          </p:nvPr>
-        </p:nvSpPr>
-        <p:spPr>
-          <a:xfrm>
-            <a:off x="838199" y="365125"/>
-            <a:ext cx="10876005" cy="1325563"/>
-          </a:xfrm>
-        </p:spPr>
-        <p:txBody>
-          <a:bodyPr/>
-          <a:lstStyle/>
-          <a:p>
-            <a:r>
-              <a:rPr lang="en-US" dirty="0"/>
-              <a:t>ASP.NET Web API-</a:t>
-            </a:r>
-            <a:r>
-              <a:rPr lang="en-US" altLang="zh-CN" dirty="0" err="1"/>
-              <a:t>Buildin</a:t>
-            </a:r>
-            <a:r>
-              <a:rPr lang="zh-CN" altLang="en-US" dirty="0"/>
-              <a:t> </a:t>
-            </a:r>
-            <a:r>
-              <a:rPr lang="en-US" altLang="zh-CN" dirty="0"/>
-              <a:t>Document</a:t>
-            </a:r>
-            <a:r>
-              <a:rPr lang="zh-CN" altLang="en-US" dirty="0"/>
-              <a:t> </a:t>
-            </a:r>
-            <a:r>
-              <a:rPr lang="en-US" altLang="zh-CN" dirty="0"/>
-              <a:t>Generator</a:t>
-            </a:r>
-            <a:endParaRPr lang="en-US" dirty="0"/>
+              <a:t>ASP.NET Web API-What does it look like?</a:t>
+            </a:r>
           </a:p>
         </p:txBody>
       </p:sp>
@@ -4706,7 +4380,7 @@
           <p:cNvPr id="3" name="Content Placeholder 2">
             <a:extLst>
               <a:ext uri="{FF2B5EF4-FFF2-40B4-BE49-F238E27FC236}">
-                <a16:creationId xmlns:a16="http://schemas.microsoft.com/office/drawing/2014/main" id="{455F6B4F-2FB2-E54F-921A-631B5CD38608}"/>
+                <a16:creationId xmlns:a16="http://schemas.microsoft.com/office/drawing/2014/main" id="{4E01145C-B188-FD45-BE43-290249901E6F}"/>
               </a:ext>
             </a:extLst>
           </p:cNvPr>
@@ -4725,8 +4399,8 @@
         </p:blipFill>
         <p:spPr>
           <a:xfrm>
-            <a:off x="1446353" y="1825625"/>
-            <a:ext cx="9299294" cy="4351338"/>
+            <a:off x="2059939" y="1825625"/>
+            <a:ext cx="8072122" cy="4351338"/>
           </a:xfrm>
           <a:prstGeom prst="rect">
             <a:avLst/>
@@ -4736,7 +4410,7 @@
     </p:spTree>
     <p:extLst>
       <p:ext uri="{BB962C8B-B14F-4D97-AF65-F5344CB8AC3E}">
-        <p14:creationId xmlns:p14="http://schemas.microsoft.com/office/powerpoint/2010/main" val="3826716998"/>
+        <p14:creationId xmlns:p14="http://schemas.microsoft.com/office/powerpoint/2010/main" val="3384756824"/>
       </p:ext>
     </p:extLst>
   </p:cSld>
@@ -4746,7 +4420,7 @@
 </p:sld>
 </file>
 
-<file path=ppt/slides/slide15.xml><?xml version="1.0" encoding="utf-8"?>
+<file path=ppt/slides/slide13.xml><?xml version="1.0" encoding="utf-8"?>
 <p:sld xmlns:a="http://schemas.openxmlformats.org/drawingml/2006/main" xmlns:r="http://schemas.openxmlformats.org/officeDocument/2006/relationships" xmlns:p="http://schemas.openxmlformats.org/presentationml/2006/main">
   <p:cSld>
     <p:spTree>
@@ -4779,23 +4453,22 @@
             <p:ph type="title"/>
           </p:nvPr>
         </p:nvSpPr>
-        <p:spPr>
-          <a:xfrm>
-            <a:off x="838199" y="365125"/>
-            <a:ext cx="10876005" cy="1325563"/>
-          </a:xfrm>
-        </p:spPr>
+        <p:spPr/>
         <p:txBody>
           <a:bodyPr/>
           <a:lstStyle/>
           <a:p>
             <a:r>
               <a:rPr lang="en-US" dirty="0"/>
-              <a:t>ASP.NET Web API-</a:t>
+              <a:t>ASP.NET Web API-Access from</a:t>
+            </a:r>
+            <a:r>
+              <a:rPr lang="zh-CN" altLang="en-US" dirty="0"/>
+              <a:t> </a:t>
             </a:r>
             <a:r>
               <a:rPr lang="en-US" altLang="zh-CN" dirty="0"/>
-              <a:t>Swagger</a:t>
+              <a:t>Postman</a:t>
             </a:r>
             <a:endParaRPr lang="en-US" dirty="0"/>
           </a:p>
@@ -4852,7 +4525,7 @@
           <p:cNvPr id="3" name="Content Placeholder 2">
             <a:extLst>
               <a:ext uri="{FF2B5EF4-FFF2-40B4-BE49-F238E27FC236}">
-                <a16:creationId xmlns:a16="http://schemas.microsoft.com/office/drawing/2014/main" id="{62986B6E-CAB2-F144-B1C9-16AAEC9239ED}"/>
+                <a16:creationId xmlns:a16="http://schemas.microsoft.com/office/drawing/2014/main" id="{FE6C1090-8E09-BB49-869D-697C2257B3D6}"/>
               </a:ext>
             </a:extLst>
           </p:cNvPr>
@@ -4871,8 +4544,8 @@
         </p:blipFill>
         <p:spPr>
           <a:xfrm>
-            <a:off x="2669059" y="1491719"/>
-            <a:ext cx="6397917" cy="4685244"/>
+            <a:off x="3039275" y="1825625"/>
+            <a:ext cx="6113450" cy="4351338"/>
           </a:xfrm>
           <a:prstGeom prst="rect">
             <a:avLst/>
@@ -4882,7 +4555,318 @@
     </p:spTree>
     <p:extLst>
       <p:ext uri="{BB962C8B-B14F-4D97-AF65-F5344CB8AC3E}">
-        <p14:creationId xmlns:p14="http://schemas.microsoft.com/office/powerpoint/2010/main" val="2310331751"/>
+        <p14:creationId xmlns:p14="http://schemas.microsoft.com/office/powerpoint/2010/main" val="3756172705"/>
+      </p:ext>
+    </p:extLst>
+  </p:cSld>
+  <p:clrMapOvr>
+    <a:masterClrMapping/>
+  </p:clrMapOvr>
+</p:sld>
+</file>
+
+<file path=ppt/slides/slide14.xml><?xml version="1.0" encoding="utf-8"?>
+<p:sld xmlns:a="http://schemas.openxmlformats.org/drawingml/2006/main" xmlns:r="http://schemas.openxmlformats.org/officeDocument/2006/relationships" xmlns:p="http://schemas.openxmlformats.org/presentationml/2006/main">
+  <p:cSld>
+    <p:spTree>
+      <p:nvGrpSpPr>
+        <p:cNvPr id="1" name=""/>
+        <p:cNvGrpSpPr/>
+        <p:nvPr/>
+      </p:nvGrpSpPr>
+      <p:grpSpPr>
+        <a:xfrm>
+          <a:off x="0" y="0"/>
+          <a:ext cx="0" cy="0"/>
+          <a:chOff x="0" y="0"/>
+          <a:chExt cx="0" cy="0"/>
+        </a:xfrm>
+      </p:grpSpPr>
+      <p:sp>
+        <p:nvSpPr>
+          <p:cNvPr id="2" name="Title 1">
+            <a:extLst>
+              <a:ext uri="{FF2B5EF4-FFF2-40B4-BE49-F238E27FC236}">
+                <a16:creationId xmlns:a16="http://schemas.microsoft.com/office/drawing/2014/main" id="{DB8C63B4-83B2-4F2F-AFC3-4CDA44E75BA5}"/>
+              </a:ext>
+            </a:extLst>
+          </p:cNvPr>
+          <p:cNvSpPr>
+            <a:spLocks noGrp="1"/>
+          </p:cNvSpPr>
+          <p:nvPr>
+            <p:ph type="title"/>
+          </p:nvPr>
+        </p:nvSpPr>
+        <p:spPr/>
+        <p:txBody>
+          <a:bodyPr/>
+          <a:lstStyle/>
+          <a:p>
+            <a:r>
+              <a:rPr lang="en-US" dirty="0"/>
+              <a:t>ASP.NET Web API-</a:t>
+            </a:r>
+            <a:r>
+              <a:rPr lang="en-US" altLang="zh-CN" dirty="0"/>
+              <a:t>Request</a:t>
+            </a:r>
+            <a:r>
+              <a:rPr lang="zh-CN" altLang="en-US" dirty="0"/>
+              <a:t> </a:t>
+            </a:r>
+            <a:r>
+              <a:rPr lang="en-US" altLang="zh-CN" dirty="0"/>
+              <a:t>Process</a:t>
+            </a:r>
+            <a:r>
+              <a:rPr lang="zh-CN" altLang="en-US" dirty="0"/>
+              <a:t> </a:t>
+            </a:r>
+            <a:r>
+              <a:rPr lang="en-US" altLang="zh-CN" dirty="0"/>
+              <a:t>Pipeline</a:t>
+            </a:r>
+            <a:endParaRPr lang="en-US" dirty="0"/>
+          </a:p>
+        </p:txBody>
+      </p:sp>
+      <p:cxnSp>
+        <p:nvCxnSpPr>
+          <p:cNvPr id="4" name="Straight Connector 3">
+            <a:extLst>
+              <a:ext uri="{FF2B5EF4-FFF2-40B4-BE49-F238E27FC236}">
+                <a16:creationId xmlns:a16="http://schemas.microsoft.com/office/drawing/2014/main" id="{4E074329-75FF-4700-9DA3-03CD0E642D1E}"/>
+              </a:ext>
+            </a:extLst>
+          </p:cNvPr>
+          <p:cNvCxnSpPr>
+            <a:cxnSpLocks/>
+          </p:cNvCxnSpPr>
+          <p:nvPr/>
+        </p:nvCxnSpPr>
+        <p:spPr>
+          <a:xfrm>
+            <a:off x="838200" y="1390261"/>
+            <a:ext cx="10246567" cy="0"/>
+          </a:xfrm>
+          <a:prstGeom prst="line">
+            <a:avLst/>
+          </a:prstGeom>
+          <a:ln w="28575"/>
+          <a:effectLst>
+            <a:outerShdw blurRad="50800" dist="38100" dir="5400000" algn="t" rotWithShape="0">
+              <a:prstClr val="black">
+                <a:alpha val="40000"/>
+              </a:prstClr>
+            </a:outerShdw>
+          </a:effectLst>
+        </p:spPr>
+        <p:style>
+          <a:lnRef idx="1">
+            <a:schemeClr val="accent1"/>
+          </a:lnRef>
+          <a:fillRef idx="0">
+            <a:schemeClr val="accent1"/>
+          </a:fillRef>
+          <a:effectRef idx="0">
+            <a:schemeClr val="accent1"/>
+          </a:effectRef>
+          <a:fontRef idx="minor">
+            <a:schemeClr val="tx1"/>
+          </a:fontRef>
+        </p:style>
+      </p:cxnSp>
+      <p:pic>
+        <p:nvPicPr>
+          <p:cNvPr id="10" name="Content Placeholder 9">
+            <a:extLst>
+              <a:ext uri="{FF2B5EF4-FFF2-40B4-BE49-F238E27FC236}">
+                <a16:creationId xmlns:a16="http://schemas.microsoft.com/office/drawing/2014/main" id="{15AF98E7-4E7A-A743-96FF-D2F665E1F9C1}"/>
+              </a:ext>
+            </a:extLst>
+          </p:cNvPr>
+          <p:cNvPicPr>
+            <a:picLocks noGrp="1" noChangeAspect="1"/>
+          </p:cNvPicPr>
+          <p:nvPr>
+            <p:ph idx="1"/>
+          </p:nvPr>
+        </p:nvPicPr>
+        <p:blipFill>
+          <a:blip r:embed="rId2">
+            <a:extLst>
+              <a:ext uri="{28A0092B-C50C-407E-A947-70E740481C1C}">
+                <a14:useLocalDpi xmlns:a14="http://schemas.microsoft.com/office/drawing/2010/main" val="0"/>
+              </a:ext>
+            </a:extLst>
+          </a:blip>
+          <a:stretch>
+            <a:fillRect/>
+          </a:stretch>
+        </p:blipFill>
+        <p:spPr>
+          <a:xfrm>
+            <a:off x="3991233" y="1496083"/>
+            <a:ext cx="4399006" cy="5235940"/>
+          </a:xfrm>
+        </p:spPr>
+      </p:pic>
+    </p:spTree>
+    <p:extLst>
+      <p:ext uri="{BB962C8B-B14F-4D97-AF65-F5344CB8AC3E}">
+        <p14:creationId xmlns:p14="http://schemas.microsoft.com/office/powerpoint/2010/main" val="3564999295"/>
+      </p:ext>
+    </p:extLst>
+  </p:cSld>
+  <p:clrMapOvr>
+    <a:masterClrMapping/>
+  </p:clrMapOvr>
+</p:sld>
+</file>
+
+<file path=ppt/slides/slide15.xml><?xml version="1.0" encoding="utf-8"?>
+<p:sld xmlns:a="http://schemas.openxmlformats.org/drawingml/2006/main" xmlns:r="http://schemas.openxmlformats.org/officeDocument/2006/relationships" xmlns:p="http://schemas.openxmlformats.org/presentationml/2006/main">
+  <p:cSld>
+    <p:spTree>
+      <p:nvGrpSpPr>
+        <p:cNvPr id="1" name=""/>
+        <p:cNvGrpSpPr/>
+        <p:nvPr/>
+      </p:nvGrpSpPr>
+      <p:grpSpPr>
+        <a:xfrm>
+          <a:off x="0" y="0"/>
+          <a:ext cx="0" cy="0"/>
+          <a:chOff x="0" y="0"/>
+          <a:chExt cx="0" cy="0"/>
+        </a:xfrm>
+      </p:grpSpPr>
+      <p:sp>
+        <p:nvSpPr>
+          <p:cNvPr id="2" name="Title 1">
+            <a:extLst>
+              <a:ext uri="{FF2B5EF4-FFF2-40B4-BE49-F238E27FC236}">
+                <a16:creationId xmlns:a16="http://schemas.microsoft.com/office/drawing/2014/main" id="{DB8C63B4-83B2-4F2F-AFC3-4CDA44E75BA5}"/>
+              </a:ext>
+            </a:extLst>
+          </p:cNvPr>
+          <p:cNvSpPr>
+            <a:spLocks noGrp="1"/>
+          </p:cNvSpPr>
+          <p:nvPr>
+            <p:ph type="title"/>
+          </p:nvPr>
+        </p:nvSpPr>
+        <p:spPr/>
+        <p:txBody>
+          <a:bodyPr/>
+          <a:lstStyle/>
+          <a:p>
+            <a:r>
+              <a:rPr lang="en-US" dirty="0"/>
+              <a:t>ASP.NET Web API-</a:t>
+            </a:r>
+            <a:r>
+              <a:rPr lang="en-US" altLang="zh-CN" dirty="0"/>
+              <a:t>Delegating</a:t>
+            </a:r>
+            <a:r>
+              <a:rPr lang="zh-CN" altLang="en-US" dirty="0"/>
+              <a:t> </a:t>
+            </a:r>
+            <a:r>
+              <a:rPr lang="en-US" altLang="zh-CN" dirty="0"/>
+              <a:t>Handler</a:t>
+            </a:r>
+            <a:endParaRPr lang="en-US" dirty="0"/>
+          </a:p>
+        </p:txBody>
+      </p:sp>
+      <p:cxnSp>
+        <p:nvCxnSpPr>
+          <p:cNvPr id="4" name="Straight Connector 3">
+            <a:extLst>
+              <a:ext uri="{FF2B5EF4-FFF2-40B4-BE49-F238E27FC236}">
+                <a16:creationId xmlns:a16="http://schemas.microsoft.com/office/drawing/2014/main" id="{4E074329-75FF-4700-9DA3-03CD0E642D1E}"/>
+              </a:ext>
+            </a:extLst>
+          </p:cNvPr>
+          <p:cNvCxnSpPr>
+            <a:cxnSpLocks/>
+          </p:cNvCxnSpPr>
+          <p:nvPr/>
+        </p:nvCxnSpPr>
+        <p:spPr>
+          <a:xfrm>
+            <a:off x="838200" y="1390261"/>
+            <a:ext cx="10246567" cy="0"/>
+          </a:xfrm>
+          <a:prstGeom prst="line">
+            <a:avLst/>
+          </a:prstGeom>
+          <a:ln w="28575"/>
+          <a:effectLst>
+            <a:outerShdw blurRad="50800" dist="38100" dir="5400000" algn="t" rotWithShape="0">
+              <a:prstClr val="black">
+                <a:alpha val="40000"/>
+              </a:prstClr>
+            </a:outerShdw>
+          </a:effectLst>
+        </p:spPr>
+        <p:style>
+          <a:lnRef idx="1">
+            <a:schemeClr val="accent1"/>
+          </a:lnRef>
+          <a:fillRef idx="0">
+            <a:schemeClr val="accent1"/>
+          </a:fillRef>
+          <a:effectRef idx="0">
+            <a:schemeClr val="accent1"/>
+          </a:effectRef>
+          <a:fontRef idx="minor">
+            <a:schemeClr val="tx1"/>
+          </a:fontRef>
+        </p:style>
+      </p:cxnSp>
+      <p:sp>
+        <p:nvSpPr>
+          <p:cNvPr id="6" name="Content Placeholder 5">
+            <a:extLst>
+              <a:ext uri="{FF2B5EF4-FFF2-40B4-BE49-F238E27FC236}">
+                <a16:creationId xmlns:a16="http://schemas.microsoft.com/office/drawing/2014/main" id="{31019E4B-1C5C-1241-A949-18E41F72BCE7}"/>
+              </a:ext>
+            </a:extLst>
+          </p:cNvPr>
+          <p:cNvSpPr>
+            <a:spLocks noGrp="1"/>
+          </p:cNvSpPr>
+          <p:nvPr>
+            <p:ph idx="1"/>
+          </p:nvPr>
+        </p:nvSpPr>
+        <p:spPr/>
+        <p:txBody>
+          <a:bodyPr/>
+          <a:lstStyle/>
+          <a:p>
+            <a:r>
+              <a:rPr lang="en-US" dirty="0"/>
+              <a:t>Request Monitor</a:t>
+            </a:r>
+          </a:p>
+          <a:p>
+            <a:r>
+              <a:rPr lang="en-US" dirty="0"/>
+              <a:t>Authentication Handler</a:t>
+            </a:r>
+          </a:p>
+        </p:txBody>
+      </p:sp>
+    </p:spTree>
+    <p:extLst>
+      <p:ext uri="{BB962C8B-B14F-4D97-AF65-F5344CB8AC3E}">
+        <p14:creationId xmlns:p14="http://schemas.microsoft.com/office/powerpoint/2010/main" val="4135551320"/>
       </p:ext>
     </p:extLst>
   </p:cSld>
@@ -4911,43 +4895,676 @@
       </p:grpSpPr>
       <p:sp>
         <p:nvSpPr>
-          <p:cNvPr id="7" name="TextBox 6">
-            <a:extLst>
-              <a:ext uri="{FF2B5EF4-FFF2-40B4-BE49-F238E27FC236}">
-                <a16:creationId xmlns:a16="http://schemas.microsoft.com/office/drawing/2014/main" id="{184CA01E-705F-4CD5-90B8-DF70C873E901}"/>
-              </a:ext>
-            </a:extLst>
-          </p:cNvPr>
-          <p:cNvSpPr txBox="1"/>
+          <p:cNvPr id="2" name="Title 1">
+            <a:extLst>
+              <a:ext uri="{FF2B5EF4-FFF2-40B4-BE49-F238E27FC236}">
+                <a16:creationId xmlns:a16="http://schemas.microsoft.com/office/drawing/2014/main" id="{DB8C63B4-83B2-4F2F-AFC3-4CDA44E75BA5}"/>
+              </a:ext>
+            </a:extLst>
+          </p:cNvPr>
+          <p:cNvSpPr>
+            <a:spLocks noGrp="1"/>
+          </p:cNvSpPr>
+          <p:nvPr>
+            <p:ph type="title"/>
+          </p:nvPr>
+        </p:nvSpPr>
+        <p:spPr/>
+        <p:txBody>
+          <a:bodyPr/>
+          <a:lstStyle/>
+          <a:p>
+            <a:r>
+              <a:rPr lang="en-US" dirty="0"/>
+              <a:t>ASP.NET Web API-</a:t>
+            </a:r>
+            <a:r>
+              <a:rPr lang="en-US" altLang="zh-CN" dirty="0"/>
+              <a:t>Routing</a:t>
+            </a:r>
+            <a:endParaRPr lang="en-US" dirty="0"/>
+          </a:p>
+        </p:txBody>
+      </p:sp>
+      <p:cxnSp>
+        <p:nvCxnSpPr>
+          <p:cNvPr id="4" name="Straight Connector 3">
+            <a:extLst>
+              <a:ext uri="{FF2B5EF4-FFF2-40B4-BE49-F238E27FC236}">
+                <a16:creationId xmlns:a16="http://schemas.microsoft.com/office/drawing/2014/main" id="{4E074329-75FF-4700-9DA3-03CD0E642D1E}"/>
+              </a:ext>
+            </a:extLst>
+          </p:cNvPr>
+          <p:cNvCxnSpPr>
+            <a:cxnSpLocks/>
+          </p:cNvCxnSpPr>
           <p:nvPr/>
-        </p:nvSpPr>
+        </p:nvCxnSpPr>
         <p:spPr>
           <a:xfrm>
-            <a:off x="3788508" y="2398058"/>
-            <a:ext cx="5566507" cy="1200329"/>
+            <a:off x="838200" y="1390261"/>
+            <a:ext cx="10246567" cy="0"/>
           </a:xfrm>
-          <a:prstGeom prst="rect">
+          <a:prstGeom prst="line">
             <a:avLst/>
           </a:prstGeom>
-          <a:noFill/>
+          <a:ln w="28575"/>
+          <a:effectLst>
+            <a:outerShdw blurRad="50800" dist="38100" dir="5400000" algn="t" rotWithShape="0">
+              <a:prstClr val="black">
+                <a:alpha val="40000"/>
+              </a:prstClr>
+            </a:outerShdw>
+          </a:effectLst>
         </p:spPr>
-        <p:txBody>
-          <a:bodyPr wrap="square" rtlCol="0">
-            <a:spAutoFit/>
+        <p:style>
+          <a:lnRef idx="1">
+            <a:schemeClr val="accent1"/>
+          </a:lnRef>
+          <a:fillRef idx="0">
+            <a:schemeClr val="accent1"/>
+          </a:fillRef>
+          <a:effectRef idx="0">
+            <a:schemeClr val="accent1"/>
+          </a:effectRef>
+          <a:fontRef idx="minor">
+            <a:schemeClr val="tx1"/>
+          </a:fontRef>
+        </p:style>
+      </p:cxnSp>
+      <p:sp>
+        <p:nvSpPr>
+          <p:cNvPr id="6" name="Content Placeholder 5">
+            <a:extLst>
+              <a:ext uri="{FF2B5EF4-FFF2-40B4-BE49-F238E27FC236}">
+                <a16:creationId xmlns:a16="http://schemas.microsoft.com/office/drawing/2014/main" id="{31019E4B-1C5C-1241-A949-18E41F72BCE7}"/>
+              </a:ext>
+            </a:extLst>
+          </p:cNvPr>
+          <p:cNvSpPr>
+            <a:spLocks noGrp="1"/>
+          </p:cNvSpPr>
+          <p:nvPr>
+            <p:ph idx="1"/>
+          </p:nvPr>
+        </p:nvSpPr>
+        <p:spPr/>
+        <p:txBody>
+          <a:bodyPr>
+            <a:normAutofit lnSpcReduction="10000"/>
           </a:bodyPr>
           <a:lstStyle/>
           <a:p>
-            <a:r>
-              <a:rPr lang="en-US" altLang="zh-CN" sz="7200" dirty="0"/>
-              <a:t>Thank You!</a:t>
-            </a:r>
+            <a:pPr marL="514350" indent="-514350">
+              <a:buFont typeface="+mj-lt"/>
+              <a:buAutoNum type="arabicPeriod"/>
+            </a:pPr>
+            <a:r>
+              <a:rPr lang="en-US" dirty="0"/>
+              <a:t>Match Http Method</a:t>
+            </a:r>
+          </a:p>
+          <a:p>
+            <a:pPr marL="514350" indent="-514350">
+              <a:buFont typeface="+mj-lt"/>
+              <a:buAutoNum type="arabicPeriod"/>
+            </a:pPr>
+            <a:r>
+              <a:rPr lang="en-US" dirty="0"/>
+              <a:t>Match Route Template(from path of URL)</a:t>
+            </a:r>
+          </a:p>
+          <a:p>
+            <a:pPr marL="514350" indent="-514350">
+              <a:buFont typeface="+mj-lt"/>
+              <a:buAutoNum type="arabicPeriod"/>
+            </a:pPr>
+            <a:r>
+              <a:rPr lang="en-US" dirty="0"/>
+              <a:t>Match Action Parameter</a:t>
+            </a:r>
+            <a:br>
+              <a:rPr lang="en-US" dirty="0"/>
+            </a:br>
+            <a:r>
+              <a:rPr lang="en-US" dirty="0"/>
+              <a:t>- Exclude optional parameter</a:t>
+            </a:r>
+            <a:br>
+              <a:rPr lang="en-US" dirty="0"/>
+            </a:br>
+            <a:r>
+              <a:rPr lang="en-US" dirty="0"/>
+              <a:t>- All non-optional parameter are required</a:t>
+            </a:r>
+            <a:br>
+              <a:rPr lang="en-US" dirty="0"/>
+            </a:br>
+            <a:r>
+              <a:rPr lang="en-US" dirty="0"/>
+              <a:t>- Match as more as possible</a:t>
+            </a:r>
+          </a:p>
+          <a:p>
+            <a:pPr marL="514350" indent="-514350">
+              <a:buFont typeface="+mj-lt"/>
+              <a:buAutoNum type="arabicPeriod"/>
+            </a:pPr>
+            <a:endParaRPr lang="en-US" dirty="0"/>
+          </a:p>
+          <a:p>
+            <a:pPr marL="514350" indent="-514350">
+              <a:buFont typeface="+mj-lt"/>
+              <a:buAutoNum type="arabicPeriod"/>
+            </a:pPr>
+            <a:endParaRPr lang="en-US" dirty="0"/>
+          </a:p>
+          <a:p>
+            <a:pPr marL="514350" indent="-514350">
+              <a:buFont typeface="+mj-lt"/>
+              <a:buAutoNum type="arabicPeriod"/>
+            </a:pPr>
+            <a:endParaRPr lang="en-US" dirty="0"/>
+          </a:p>
+          <a:p>
+            <a:pPr marL="0" indent="0">
+              <a:buNone/>
+            </a:pPr>
+            <a:r>
+              <a:rPr lang="en-US" sz="1200" dirty="0">
+                <a:hlinkClick r:id="rId2"/>
+              </a:rPr>
+              <a:t>https://docs.microsoft.com/en-us/aspnet/web-api/overview/web-api-routing-and-actions/attribute-routing-in-web-api-2</a:t>
+            </a:r>
+            <a:endParaRPr lang="en-US" sz="1200" dirty="0"/>
+          </a:p>
+          <a:p>
+            <a:pPr marL="0" indent="0">
+              <a:buNone/>
+            </a:pPr>
+            <a:endParaRPr lang="en-US" dirty="0"/>
+          </a:p>
+          <a:p>
+            <a:pPr marL="0" indent="0">
+              <a:buNone/>
+            </a:pPr>
+            <a:endParaRPr lang="en-US" dirty="0"/>
           </a:p>
         </p:txBody>
       </p:sp>
     </p:spTree>
     <p:extLst>
       <p:ext uri="{BB962C8B-B14F-4D97-AF65-F5344CB8AC3E}">
-        <p14:creationId xmlns:p14="http://schemas.microsoft.com/office/powerpoint/2010/main" val="3570893816"/>
+        <p14:creationId xmlns:p14="http://schemas.microsoft.com/office/powerpoint/2010/main" val="2828538009"/>
+      </p:ext>
+    </p:extLst>
+  </p:cSld>
+  <p:clrMapOvr>
+    <a:masterClrMapping/>
+  </p:clrMapOvr>
+</p:sld>
+</file>
+
+<file path=ppt/slides/slide17.xml><?xml version="1.0" encoding="utf-8"?>
+<p:sld xmlns:a="http://schemas.openxmlformats.org/drawingml/2006/main" xmlns:r="http://schemas.openxmlformats.org/officeDocument/2006/relationships" xmlns:p="http://schemas.openxmlformats.org/presentationml/2006/main">
+  <p:cSld>
+    <p:spTree>
+      <p:nvGrpSpPr>
+        <p:cNvPr id="1" name=""/>
+        <p:cNvGrpSpPr/>
+        <p:nvPr/>
+      </p:nvGrpSpPr>
+      <p:grpSpPr>
+        <a:xfrm>
+          <a:off x="0" y="0"/>
+          <a:ext cx="0" cy="0"/>
+          <a:chOff x="0" y="0"/>
+          <a:chExt cx="0" cy="0"/>
+        </a:xfrm>
+      </p:grpSpPr>
+      <p:sp>
+        <p:nvSpPr>
+          <p:cNvPr id="2" name="Title 1">
+            <a:extLst>
+              <a:ext uri="{FF2B5EF4-FFF2-40B4-BE49-F238E27FC236}">
+                <a16:creationId xmlns:a16="http://schemas.microsoft.com/office/drawing/2014/main" id="{DB8C63B4-83B2-4F2F-AFC3-4CDA44E75BA5}"/>
+              </a:ext>
+            </a:extLst>
+          </p:cNvPr>
+          <p:cNvSpPr>
+            <a:spLocks noGrp="1"/>
+          </p:cNvSpPr>
+          <p:nvPr>
+            <p:ph type="title"/>
+          </p:nvPr>
+        </p:nvSpPr>
+        <p:spPr/>
+        <p:txBody>
+          <a:bodyPr/>
+          <a:lstStyle/>
+          <a:p>
+            <a:r>
+              <a:rPr lang="en-US" dirty="0"/>
+              <a:t>ASP.NET Web API-</a:t>
+            </a:r>
+            <a:r>
+              <a:rPr lang="en-US" altLang="zh-CN" dirty="0" err="1"/>
+              <a:t>ActionFilter</a:t>
+            </a:r>
+            <a:endParaRPr lang="en-US" dirty="0"/>
+          </a:p>
+        </p:txBody>
+      </p:sp>
+      <p:cxnSp>
+        <p:nvCxnSpPr>
+          <p:cNvPr id="4" name="Straight Connector 3">
+            <a:extLst>
+              <a:ext uri="{FF2B5EF4-FFF2-40B4-BE49-F238E27FC236}">
+                <a16:creationId xmlns:a16="http://schemas.microsoft.com/office/drawing/2014/main" id="{4E074329-75FF-4700-9DA3-03CD0E642D1E}"/>
+              </a:ext>
+            </a:extLst>
+          </p:cNvPr>
+          <p:cNvCxnSpPr>
+            <a:cxnSpLocks/>
+          </p:cNvCxnSpPr>
+          <p:nvPr/>
+        </p:nvCxnSpPr>
+        <p:spPr>
+          <a:xfrm>
+            <a:off x="838200" y="1390261"/>
+            <a:ext cx="10246567" cy="0"/>
+          </a:xfrm>
+          <a:prstGeom prst="line">
+            <a:avLst/>
+          </a:prstGeom>
+          <a:ln w="28575"/>
+          <a:effectLst>
+            <a:outerShdw blurRad="50800" dist="38100" dir="5400000" algn="t" rotWithShape="0">
+              <a:prstClr val="black">
+                <a:alpha val="40000"/>
+              </a:prstClr>
+            </a:outerShdw>
+          </a:effectLst>
+        </p:spPr>
+        <p:style>
+          <a:lnRef idx="1">
+            <a:schemeClr val="accent1"/>
+          </a:lnRef>
+          <a:fillRef idx="0">
+            <a:schemeClr val="accent1"/>
+          </a:fillRef>
+          <a:effectRef idx="0">
+            <a:schemeClr val="accent1"/>
+          </a:effectRef>
+          <a:fontRef idx="minor">
+            <a:schemeClr val="tx1"/>
+          </a:fontRef>
+        </p:style>
+      </p:cxnSp>
+      <p:sp>
+        <p:nvSpPr>
+          <p:cNvPr id="6" name="Content Placeholder 5">
+            <a:extLst>
+              <a:ext uri="{FF2B5EF4-FFF2-40B4-BE49-F238E27FC236}">
+                <a16:creationId xmlns:a16="http://schemas.microsoft.com/office/drawing/2014/main" id="{31019E4B-1C5C-1241-A949-18E41F72BCE7}"/>
+              </a:ext>
+            </a:extLst>
+          </p:cNvPr>
+          <p:cNvSpPr>
+            <a:spLocks noGrp="1"/>
+          </p:cNvSpPr>
+          <p:nvPr>
+            <p:ph idx="1"/>
+          </p:nvPr>
+        </p:nvSpPr>
+        <p:spPr/>
+        <p:txBody>
+          <a:bodyPr/>
+          <a:lstStyle/>
+          <a:p>
+            <a:pPr marL="0" indent="0">
+              <a:buNone/>
+            </a:pPr>
+            <a:r>
+              <a:rPr lang="en-US" dirty="0"/>
+              <a:t>Parameter Validation Sample(</a:t>
+            </a:r>
+            <a:r>
+              <a:rPr lang="en-US" dirty="0" err="1"/>
+              <a:t>GridValidation</a:t>
+            </a:r>
+            <a:r>
+              <a:rPr lang="en-US" dirty="0"/>
+              <a:t>)</a:t>
+            </a:r>
+          </a:p>
+        </p:txBody>
+      </p:sp>
+    </p:spTree>
+    <p:extLst>
+      <p:ext uri="{BB962C8B-B14F-4D97-AF65-F5344CB8AC3E}">
+        <p14:creationId xmlns:p14="http://schemas.microsoft.com/office/powerpoint/2010/main" val="783909587"/>
+      </p:ext>
+    </p:extLst>
+  </p:cSld>
+  <p:clrMapOvr>
+    <a:masterClrMapping/>
+  </p:clrMapOvr>
+</p:sld>
+</file>
+
+<file path=ppt/slides/slide18.xml><?xml version="1.0" encoding="utf-8"?>
+<p:sld xmlns:a="http://schemas.openxmlformats.org/drawingml/2006/main" xmlns:r="http://schemas.openxmlformats.org/officeDocument/2006/relationships" xmlns:p="http://schemas.openxmlformats.org/presentationml/2006/main">
+  <p:cSld>
+    <p:spTree>
+      <p:nvGrpSpPr>
+        <p:cNvPr id="1" name=""/>
+        <p:cNvGrpSpPr/>
+        <p:nvPr/>
+      </p:nvGrpSpPr>
+      <p:grpSpPr>
+        <a:xfrm>
+          <a:off x="0" y="0"/>
+          <a:ext cx="0" cy="0"/>
+          <a:chOff x="0" y="0"/>
+          <a:chExt cx="0" cy="0"/>
+        </a:xfrm>
+      </p:grpSpPr>
+      <p:sp>
+        <p:nvSpPr>
+          <p:cNvPr id="2" name="Title 1">
+            <a:extLst>
+              <a:ext uri="{FF2B5EF4-FFF2-40B4-BE49-F238E27FC236}">
+                <a16:creationId xmlns:a16="http://schemas.microsoft.com/office/drawing/2014/main" id="{DB8C63B4-83B2-4F2F-AFC3-4CDA44E75BA5}"/>
+              </a:ext>
+            </a:extLst>
+          </p:cNvPr>
+          <p:cNvSpPr>
+            <a:spLocks noGrp="1"/>
+          </p:cNvSpPr>
+          <p:nvPr>
+            <p:ph type="title"/>
+          </p:nvPr>
+        </p:nvSpPr>
+        <p:spPr/>
+        <p:txBody>
+          <a:bodyPr/>
+          <a:lstStyle/>
+          <a:p>
+            <a:r>
+              <a:rPr lang="en-US" dirty="0"/>
+              <a:t>ASP.NET Web API-</a:t>
+            </a:r>
+            <a:r>
+              <a:rPr lang="en-US" altLang="zh-CN" dirty="0"/>
+              <a:t>Model</a:t>
+            </a:r>
+            <a:r>
+              <a:rPr lang="zh-CN" altLang="en-US" dirty="0"/>
+              <a:t> </a:t>
+            </a:r>
+            <a:r>
+              <a:rPr lang="en-US" altLang="zh-CN" dirty="0"/>
+              <a:t>Binding</a:t>
+            </a:r>
+            <a:endParaRPr lang="en-US" dirty="0"/>
+          </a:p>
+        </p:txBody>
+      </p:sp>
+      <p:cxnSp>
+        <p:nvCxnSpPr>
+          <p:cNvPr id="4" name="Straight Connector 3">
+            <a:extLst>
+              <a:ext uri="{FF2B5EF4-FFF2-40B4-BE49-F238E27FC236}">
+                <a16:creationId xmlns:a16="http://schemas.microsoft.com/office/drawing/2014/main" id="{4E074329-75FF-4700-9DA3-03CD0E642D1E}"/>
+              </a:ext>
+            </a:extLst>
+          </p:cNvPr>
+          <p:cNvCxnSpPr>
+            <a:cxnSpLocks/>
+          </p:cNvCxnSpPr>
+          <p:nvPr/>
+        </p:nvCxnSpPr>
+        <p:spPr>
+          <a:xfrm>
+            <a:off x="838200" y="1390261"/>
+            <a:ext cx="10246567" cy="0"/>
+          </a:xfrm>
+          <a:prstGeom prst="line">
+            <a:avLst/>
+          </a:prstGeom>
+          <a:ln w="28575"/>
+          <a:effectLst>
+            <a:outerShdw blurRad="50800" dist="38100" dir="5400000" algn="t" rotWithShape="0">
+              <a:prstClr val="black">
+                <a:alpha val="40000"/>
+              </a:prstClr>
+            </a:outerShdw>
+          </a:effectLst>
+        </p:spPr>
+        <p:style>
+          <a:lnRef idx="1">
+            <a:schemeClr val="accent1"/>
+          </a:lnRef>
+          <a:fillRef idx="0">
+            <a:schemeClr val="accent1"/>
+          </a:fillRef>
+          <a:effectRef idx="0">
+            <a:schemeClr val="accent1"/>
+          </a:effectRef>
+          <a:fontRef idx="minor">
+            <a:schemeClr val="tx1"/>
+          </a:fontRef>
+        </p:style>
+      </p:cxnSp>
+      <p:sp>
+        <p:nvSpPr>
+          <p:cNvPr id="6" name="Content Placeholder 5">
+            <a:extLst>
+              <a:ext uri="{FF2B5EF4-FFF2-40B4-BE49-F238E27FC236}">
+                <a16:creationId xmlns:a16="http://schemas.microsoft.com/office/drawing/2014/main" id="{31019E4B-1C5C-1241-A949-18E41F72BCE7}"/>
+              </a:ext>
+            </a:extLst>
+          </p:cNvPr>
+          <p:cNvSpPr>
+            <a:spLocks noGrp="1"/>
+          </p:cNvSpPr>
+          <p:nvPr>
+            <p:ph idx="1"/>
+          </p:nvPr>
+        </p:nvSpPr>
+        <p:spPr/>
+        <p:txBody>
+          <a:bodyPr/>
+          <a:lstStyle/>
+          <a:p>
+            <a:r>
+              <a:rPr lang="en-US" dirty="0"/>
+              <a:t>Route Table(simple type binding)</a:t>
+            </a:r>
+          </a:p>
+          <a:p>
+            <a:r>
+              <a:rPr lang="en-US" dirty="0" err="1"/>
+              <a:t>FromUri</a:t>
+            </a:r>
+            <a:endParaRPr lang="en-US" dirty="0"/>
+          </a:p>
+          <a:p>
+            <a:r>
+              <a:rPr lang="en-US" dirty="0" err="1"/>
+              <a:t>FromBody</a:t>
+            </a:r>
+            <a:r>
+              <a:rPr lang="en-US" dirty="0"/>
+              <a:t>(complex type binding)</a:t>
+            </a:r>
+          </a:p>
+          <a:p>
+            <a:r>
+              <a:rPr lang="en-US" dirty="0"/>
+              <a:t>Customized </a:t>
+            </a:r>
+            <a:r>
+              <a:rPr lang="en-US" dirty="0" err="1"/>
+              <a:t>ModelBinding</a:t>
+            </a:r>
+            <a:r>
+              <a:rPr lang="en-US" dirty="0"/>
+              <a:t>, </a:t>
+            </a:r>
+            <a:r>
+              <a:rPr lang="en-US" dirty="0" err="1"/>
+              <a:t>DateBinder</a:t>
+            </a:r>
+            <a:r>
+              <a:rPr lang="en-US" dirty="0"/>
+              <a:t> sample</a:t>
+            </a:r>
+          </a:p>
+        </p:txBody>
+      </p:sp>
+    </p:spTree>
+    <p:extLst>
+      <p:ext uri="{BB962C8B-B14F-4D97-AF65-F5344CB8AC3E}">
+        <p14:creationId xmlns:p14="http://schemas.microsoft.com/office/powerpoint/2010/main" val="2303720083"/>
+      </p:ext>
+    </p:extLst>
+  </p:cSld>
+  <p:clrMapOvr>
+    <a:masterClrMapping/>
+  </p:clrMapOvr>
+</p:sld>
+</file>
+
+<file path=ppt/slides/slide19.xml><?xml version="1.0" encoding="utf-8"?>
+<p:sld xmlns:a="http://schemas.openxmlformats.org/drawingml/2006/main" xmlns:r="http://schemas.openxmlformats.org/officeDocument/2006/relationships" xmlns:p="http://schemas.openxmlformats.org/presentationml/2006/main">
+  <p:cSld>
+    <p:spTree>
+      <p:nvGrpSpPr>
+        <p:cNvPr id="1" name=""/>
+        <p:cNvGrpSpPr/>
+        <p:nvPr/>
+      </p:nvGrpSpPr>
+      <p:grpSpPr>
+        <a:xfrm>
+          <a:off x="0" y="0"/>
+          <a:ext cx="0" cy="0"/>
+          <a:chOff x="0" y="0"/>
+          <a:chExt cx="0" cy="0"/>
+        </a:xfrm>
+      </p:grpSpPr>
+      <p:sp>
+        <p:nvSpPr>
+          <p:cNvPr id="2" name="Title 1">
+            <a:extLst>
+              <a:ext uri="{FF2B5EF4-FFF2-40B4-BE49-F238E27FC236}">
+                <a16:creationId xmlns:a16="http://schemas.microsoft.com/office/drawing/2014/main" id="{DB8C63B4-83B2-4F2F-AFC3-4CDA44E75BA5}"/>
+              </a:ext>
+            </a:extLst>
+          </p:cNvPr>
+          <p:cNvSpPr>
+            <a:spLocks noGrp="1"/>
+          </p:cNvSpPr>
+          <p:nvPr>
+            <p:ph type="title"/>
+          </p:nvPr>
+        </p:nvSpPr>
+        <p:spPr/>
+        <p:txBody>
+          <a:bodyPr/>
+          <a:lstStyle/>
+          <a:p>
+            <a:r>
+              <a:rPr lang="en-US" dirty="0"/>
+              <a:t>ASP.NET Web API-</a:t>
+            </a:r>
+            <a:r>
+              <a:rPr lang="en-US" altLang="zh-CN" dirty="0"/>
+              <a:t>Error Handling</a:t>
+            </a:r>
+            <a:endParaRPr lang="en-US" dirty="0"/>
+          </a:p>
+        </p:txBody>
+      </p:sp>
+      <p:cxnSp>
+        <p:nvCxnSpPr>
+          <p:cNvPr id="4" name="Straight Connector 3">
+            <a:extLst>
+              <a:ext uri="{FF2B5EF4-FFF2-40B4-BE49-F238E27FC236}">
+                <a16:creationId xmlns:a16="http://schemas.microsoft.com/office/drawing/2014/main" id="{4E074329-75FF-4700-9DA3-03CD0E642D1E}"/>
+              </a:ext>
+            </a:extLst>
+          </p:cNvPr>
+          <p:cNvCxnSpPr>
+            <a:cxnSpLocks/>
+          </p:cNvCxnSpPr>
+          <p:nvPr/>
+        </p:nvCxnSpPr>
+        <p:spPr>
+          <a:xfrm>
+            <a:off x="838200" y="1390261"/>
+            <a:ext cx="10246567" cy="0"/>
+          </a:xfrm>
+          <a:prstGeom prst="line">
+            <a:avLst/>
+          </a:prstGeom>
+          <a:ln w="28575"/>
+          <a:effectLst>
+            <a:outerShdw blurRad="50800" dist="38100" dir="5400000" algn="t" rotWithShape="0">
+              <a:prstClr val="black">
+                <a:alpha val="40000"/>
+              </a:prstClr>
+            </a:outerShdw>
+          </a:effectLst>
+        </p:spPr>
+        <p:style>
+          <a:lnRef idx="1">
+            <a:schemeClr val="accent1"/>
+          </a:lnRef>
+          <a:fillRef idx="0">
+            <a:schemeClr val="accent1"/>
+          </a:fillRef>
+          <a:effectRef idx="0">
+            <a:schemeClr val="accent1"/>
+          </a:effectRef>
+          <a:fontRef idx="minor">
+            <a:schemeClr val="tx1"/>
+          </a:fontRef>
+        </p:style>
+      </p:cxnSp>
+      <p:sp>
+        <p:nvSpPr>
+          <p:cNvPr id="6" name="Content Placeholder 5">
+            <a:extLst>
+              <a:ext uri="{FF2B5EF4-FFF2-40B4-BE49-F238E27FC236}">
+                <a16:creationId xmlns:a16="http://schemas.microsoft.com/office/drawing/2014/main" id="{31019E4B-1C5C-1241-A949-18E41F72BCE7}"/>
+              </a:ext>
+            </a:extLst>
+          </p:cNvPr>
+          <p:cNvSpPr>
+            <a:spLocks noGrp="1"/>
+          </p:cNvSpPr>
+          <p:nvPr>
+            <p:ph idx="1"/>
+          </p:nvPr>
+        </p:nvSpPr>
+        <p:spPr/>
+        <p:txBody>
+          <a:bodyPr/>
+          <a:lstStyle/>
+          <a:p>
+            <a:r>
+              <a:rPr lang="en-US" dirty="0"/>
+              <a:t>Error handling sample</a:t>
+            </a:r>
+          </a:p>
+        </p:txBody>
+      </p:sp>
+    </p:spTree>
+    <p:extLst>
+      <p:ext uri="{BB962C8B-B14F-4D97-AF65-F5344CB8AC3E}">
+        <p14:creationId xmlns:p14="http://schemas.microsoft.com/office/powerpoint/2010/main" val="121645593"/>
       </p:ext>
     </p:extLst>
   </p:cSld>
@@ -5025,7 +5642,7 @@
           <a:p>
             <a:r>
               <a:rPr lang="en-US" dirty="0"/>
-              <a:t>REST  Architecture Introduction</a:t>
+              <a:t>REST Architecture Introduction</a:t>
             </a:r>
           </a:p>
           <a:p>
@@ -5080,15 +5697,6 @@
               <a:rPr lang="en-US" dirty="0"/>
               <a:t>-Swagger</a:t>
             </a:r>
-          </a:p>
-          <a:p>
-            <a:r>
-              <a:rPr lang="en-US" dirty="0"/>
-              <a:t>Test with Postman</a:t>
-            </a:r>
-            <a:endParaRPr lang="en-US" dirty="0">
-              <a:effectLst/>
-            </a:endParaRPr>
           </a:p>
         </p:txBody>
       </p:sp>
@@ -5151,7 +5759,7 @@
 </p:sld>
 </file>
 
-<file path=ppt/slides/slide3.xml><?xml version="1.0" encoding="utf-8"?>
+<file path=ppt/slides/slide20.xml><?xml version="1.0" encoding="utf-8"?>
 <p:sld xmlns:a="http://schemas.openxmlformats.org/drawingml/2006/main" xmlns:r="http://schemas.openxmlformats.org/officeDocument/2006/relationships" xmlns:p="http://schemas.openxmlformats.org/presentationml/2006/main">
   <p:cSld>
     <p:spTree>
@@ -5184,154 +5792,41 @@
             <p:ph type="title"/>
           </p:nvPr>
         </p:nvSpPr>
-        <p:spPr/>
+        <p:spPr>
+          <a:xfrm>
+            <a:off x="838199" y="365125"/>
+            <a:ext cx="10876005" cy="1325563"/>
+          </a:xfrm>
+        </p:spPr>
         <p:txBody>
           <a:bodyPr/>
           <a:lstStyle/>
           <a:p>
             <a:r>
               <a:rPr lang="en-US" dirty="0"/>
-              <a:t>REST Architecture</a:t>
-            </a:r>
-          </a:p>
-        </p:txBody>
-      </p:sp>
-      <p:sp>
-        <p:nvSpPr>
-          <p:cNvPr id="3" name="Content Placeholder 2">
-            <a:extLst>
-              <a:ext uri="{FF2B5EF4-FFF2-40B4-BE49-F238E27FC236}">
-                <a16:creationId xmlns:a16="http://schemas.microsoft.com/office/drawing/2014/main" id="{46DC6DEC-849A-4DC0-925E-231ED1B1920C}"/>
-              </a:ext>
-            </a:extLst>
-          </p:cNvPr>
-          <p:cNvSpPr>
-            <a:spLocks noGrp="1"/>
-          </p:cNvSpPr>
-          <p:nvPr>
-            <p:ph idx="1"/>
-          </p:nvPr>
-        </p:nvSpPr>
-        <p:spPr/>
-        <p:txBody>
-          <a:bodyPr>
-            <a:normAutofit fontScale="85000" lnSpcReduction="20000"/>
-          </a:bodyPr>
-          <a:lstStyle/>
-          <a:p>
-            <a:r>
-              <a:rPr lang="en-US" b="1" dirty="0"/>
-              <a:t>Representational State Transfer(</a:t>
-            </a:r>
-            <a:r>
-              <a:rPr lang="en-US" dirty="0"/>
-              <a:t>PhD paper, Roy Thomas Fielding</a:t>
-            </a:r>
-            <a:r>
-              <a:rPr lang="en-US" b="1" dirty="0"/>
-              <a:t>)</a:t>
-            </a:r>
-            <a:br>
-              <a:rPr lang="en-US" b="1" dirty="0"/>
-            </a:br>
-            <a:r>
-              <a:rPr lang="en-US" sz="1400" dirty="0">
-                <a:hlinkClick r:id="rId2"/>
-              </a:rPr>
-              <a:t>https://www.ics.uci.edu/~fielding/pubs/dissertation/top.htm</a:t>
-            </a:r>
-            <a:br>
-              <a:rPr lang="en-US" b="1" dirty="0"/>
-            </a:br>
-            <a:r>
-              <a:rPr lang="en-US" sz="1400" b="1" dirty="0">
-                <a:hlinkClick r:id="rId3"/>
-              </a:rPr>
-              <a:t>https://www.ics.uci.edu/~fielding/pubs/dissertation/rest_arch_style.htm</a:t>
-            </a:r>
-            <a:endParaRPr lang="en-US" sz="1400" b="1" dirty="0"/>
-          </a:p>
-          <a:p>
-            <a:r>
-              <a:rPr lang="en-US" b="1" dirty="0"/>
-              <a:t>Architecture style for distributed hypermedia systems</a:t>
-            </a:r>
-          </a:p>
-          <a:p>
-            <a:r>
-              <a:rPr lang="en-US" b="1" dirty="0"/>
-              <a:t>Constraints</a:t>
-            </a:r>
-          </a:p>
-          <a:p>
-            <a:pPr lvl="1"/>
-            <a:r>
-              <a:rPr lang="en-US" dirty="0"/>
-              <a:t>Client-Server</a:t>
-            </a:r>
-          </a:p>
-          <a:p>
-            <a:pPr lvl="1"/>
-            <a:r>
-              <a:rPr lang="en-US" dirty="0"/>
-              <a:t>Stateless</a:t>
-            </a:r>
-          </a:p>
-          <a:p>
-            <a:pPr lvl="1"/>
-            <a:r>
-              <a:rPr lang="en-US" dirty="0"/>
-              <a:t>Cache</a:t>
-            </a:r>
-          </a:p>
-          <a:p>
-            <a:pPr lvl="1"/>
-            <a:r>
-              <a:rPr lang="en-US" dirty="0"/>
-              <a:t>Uniform Interface</a:t>
-            </a:r>
-          </a:p>
-          <a:p>
-            <a:pPr lvl="2"/>
-            <a:r>
-              <a:rPr lang="en-US" dirty="0"/>
-              <a:t>identification of resources</a:t>
-            </a:r>
-          </a:p>
-          <a:p>
-            <a:pPr lvl="2"/>
-            <a:r>
-              <a:rPr lang="en-US" dirty="0"/>
-              <a:t>manipulation of resources through representations </a:t>
-            </a:r>
-          </a:p>
-          <a:p>
-            <a:pPr lvl="2"/>
-            <a:r>
-              <a:rPr lang="en-US" dirty="0"/>
-              <a:t>self-descriptive messages</a:t>
-            </a:r>
-          </a:p>
-          <a:p>
-            <a:pPr lvl="2"/>
-            <a:r>
-              <a:rPr lang="en-US" dirty="0"/>
-              <a:t>hypermedia as the engine of application state</a:t>
-            </a:r>
-          </a:p>
-          <a:p>
-            <a:pPr lvl="1"/>
-            <a:r>
-              <a:rPr lang="en-US" dirty="0"/>
-              <a:t>Layered System</a:t>
-            </a:r>
-          </a:p>
-          <a:p>
-            <a:pPr lvl="1"/>
-            <a:r>
-              <a:rPr lang="en-US" dirty="0"/>
-              <a:t>Code-On-Demand(Optional)</a:t>
-            </a:r>
+              <a:t>ASP.NET Web API-</a:t>
+            </a:r>
+            <a:r>
+              <a:rPr lang="en-US" altLang="zh-CN" dirty="0" err="1"/>
+              <a:t>Buildin</a:t>
+            </a:r>
+            <a:r>
+              <a:rPr lang="zh-CN" altLang="en-US" dirty="0"/>
+              <a:t> </a:t>
+            </a:r>
+            <a:r>
+              <a:rPr lang="en-US" altLang="zh-CN" dirty="0"/>
+              <a:t>Document</a:t>
+            </a:r>
+            <a:r>
+              <a:rPr lang="zh-CN" altLang="en-US" dirty="0"/>
+              <a:t> </a:t>
+            </a:r>
+            <a:r>
+              <a:rPr lang="en-US" altLang="zh-CN" dirty="0"/>
+              <a:t>Generator</a:t>
+            </a:r>
+            <a:endParaRPr lang="en-US" dirty="0"/>
           </a:p>
         </p:txBody>
       </p:sp>
@@ -5381,82 +5876,42 @@
           </a:fontRef>
         </p:style>
       </p:cxnSp>
-      <p:sp>
-        <p:nvSpPr>
-          <p:cNvPr id="5" name="TextBox 4">
-            <a:extLst>
-              <a:ext uri="{FF2B5EF4-FFF2-40B4-BE49-F238E27FC236}">
-                <a16:creationId xmlns:a16="http://schemas.microsoft.com/office/drawing/2014/main" id="{1A36BFBF-7124-7448-9CEB-75AED34D98C6}"/>
-              </a:ext>
-            </a:extLst>
-          </p:cNvPr>
-          <p:cNvSpPr txBox="1"/>
-          <p:nvPr/>
-        </p:nvSpPr>
+      <p:pic>
+        <p:nvPicPr>
+          <p:cNvPr id="3" name="Content Placeholder 2">
+            <a:extLst>
+              <a:ext uri="{FF2B5EF4-FFF2-40B4-BE49-F238E27FC236}">
+                <a16:creationId xmlns:a16="http://schemas.microsoft.com/office/drawing/2014/main" id="{455F6B4F-2FB2-E54F-921A-631B5CD38608}"/>
+              </a:ext>
+            </a:extLst>
+          </p:cNvPr>
+          <p:cNvPicPr>
+            <a:picLocks noGrp="1" noChangeAspect="1"/>
+          </p:cNvPicPr>
+          <p:nvPr>
+            <p:ph idx="1"/>
+          </p:nvPr>
+        </p:nvPicPr>
+        <p:blipFill>
+          <a:blip r:embed="rId2"/>
+          <a:stretch>
+            <a:fillRect/>
+          </a:stretch>
+        </p:blipFill>
         <p:spPr>
           <a:xfrm>
-            <a:off x="926757" y="5850235"/>
-            <a:ext cx="5278817" cy="461665"/>
+            <a:off x="1446353" y="1825625"/>
+            <a:ext cx="9299294" cy="4351338"/>
           </a:xfrm>
           <a:prstGeom prst="rect">
             <a:avLst/>
           </a:prstGeom>
-          <a:noFill/>
         </p:spPr>
-        <p:txBody>
-          <a:bodyPr wrap="none" rtlCol="0">
-            <a:spAutoFit/>
-          </a:bodyPr>
-          <a:lstStyle/>
-          <a:p>
-            <a:pPr marL="342900" indent="-342900">
-              <a:buFont typeface="Arial" panose="020B0604020202020204" pitchFamily="34" charset="0"/>
-              <a:buChar char="•"/>
-            </a:pPr>
-            <a:r>
-              <a:rPr lang="en-US" altLang="zh-CN" sz="2400" b="1" dirty="0"/>
-              <a:t>Doesn’t</a:t>
-            </a:r>
-            <a:r>
-              <a:rPr lang="zh-CN" altLang="en-US" sz="2400" b="1" dirty="0"/>
-              <a:t> </a:t>
-            </a:r>
-            <a:r>
-              <a:rPr lang="en-US" altLang="zh-CN" sz="2400" b="1" dirty="0"/>
-              <a:t>restrict</a:t>
-            </a:r>
-            <a:r>
-              <a:rPr lang="zh-CN" altLang="en-US" sz="2400" b="1" dirty="0"/>
-              <a:t> </a:t>
-            </a:r>
-            <a:r>
-              <a:rPr lang="en-US" altLang="zh-CN" sz="2400" b="1" dirty="0"/>
-              <a:t>to</a:t>
-            </a:r>
-            <a:r>
-              <a:rPr lang="zh-CN" altLang="en-US" sz="2400" b="1" dirty="0"/>
-              <a:t> </a:t>
-            </a:r>
-            <a:r>
-              <a:rPr lang="en-US" altLang="zh-CN" sz="2400" b="1" dirty="0"/>
-              <a:t>particular</a:t>
-            </a:r>
-            <a:r>
-              <a:rPr lang="zh-CN" altLang="en-US" sz="2400" b="1" dirty="0"/>
-              <a:t> </a:t>
-            </a:r>
-            <a:r>
-              <a:rPr lang="en-US" altLang="zh-CN" sz="2400" b="1" dirty="0"/>
-              <a:t>protocol</a:t>
-            </a:r>
-            <a:endParaRPr lang="en-US" sz="2400" b="1" dirty="0"/>
-          </a:p>
-        </p:txBody>
-      </p:sp>
+      </p:pic>
     </p:spTree>
     <p:extLst>
       <p:ext uri="{BB962C8B-B14F-4D97-AF65-F5344CB8AC3E}">
-        <p14:creationId xmlns:p14="http://schemas.microsoft.com/office/powerpoint/2010/main" val="1196601469"/>
+        <p14:creationId xmlns:p14="http://schemas.microsoft.com/office/powerpoint/2010/main" val="3826716998"/>
       </p:ext>
     </p:extLst>
   </p:cSld>
@@ -5466,7 +5921,7 @@
 </p:sld>
 </file>
 
-<file path=ppt/slides/slide4.xml><?xml version="1.0" encoding="utf-8"?>
+<file path=ppt/slides/slide21.xml><?xml version="1.0" encoding="utf-8"?>
 <p:sld xmlns:a="http://schemas.openxmlformats.org/drawingml/2006/main" xmlns:r="http://schemas.openxmlformats.org/officeDocument/2006/relationships" xmlns:p="http://schemas.openxmlformats.org/presentationml/2006/main">
   <p:cSld>
     <p:spTree>
@@ -5499,24 +5954,80 @@
             <p:ph type="title"/>
           </p:nvPr>
         </p:nvSpPr>
-        <p:spPr/>
+        <p:spPr>
+          <a:xfrm>
+            <a:off x="838199" y="365125"/>
+            <a:ext cx="10876005" cy="1325563"/>
+          </a:xfrm>
+        </p:spPr>
         <p:txBody>
           <a:bodyPr/>
           <a:lstStyle/>
           <a:p>
             <a:r>
               <a:rPr lang="en-US" dirty="0"/>
-              <a:t>REST Architecture-Layered System</a:t>
-            </a:r>
-          </a:p>
-        </p:txBody>
-      </p:sp>
+              <a:t>ASP.NET Web API-</a:t>
+            </a:r>
+            <a:r>
+              <a:rPr lang="en-US" altLang="zh-CN" dirty="0"/>
+              <a:t>Swagger</a:t>
+            </a:r>
+            <a:endParaRPr lang="en-US" dirty="0"/>
+          </a:p>
+        </p:txBody>
+      </p:sp>
+      <p:cxnSp>
+        <p:nvCxnSpPr>
+          <p:cNvPr id="4" name="Straight Connector 3">
+            <a:extLst>
+              <a:ext uri="{FF2B5EF4-FFF2-40B4-BE49-F238E27FC236}">
+                <a16:creationId xmlns:a16="http://schemas.microsoft.com/office/drawing/2014/main" id="{4E074329-75FF-4700-9DA3-03CD0E642D1E}"/>
+              </a:ext>
+            </a:extLst>
+          </p:cNvPr>
+          <p:cNvCxnSpPr>
+            <a:cxnSpLocks/>
+          </p:cNvCxnSpPr>
+          <p:nvPr/>
+        </p:nvCxnSpPr>
+        <p:spPr>
+          <a:xfrm>
+            <a:off x="838200" y="1390261"/>
+            <a:ext cx="10246567" cy="0"/>
+          </a:xfrm>
+          <a:prstGeom prst="line">
+            <a:avLst/>
+          </a:prstGeom>
+          <a:ln w="28575"/>
+          <a:effectLst>
+            <a:outerShdw blurRad="50800" dist="38100" dir="5400000" algn="t" rotWithShape="0">
+              <a:prstClr val="black">
+                <a:alpha val="40000"/>
+              </a:prstClr>
+            </a:outerShdw>
+          </a:effectLst>
+        </p:spPr>
+        <p:style>
+          <a:lnRef idx="1">
+            <a:schemeClr val="accent1"/>
+          </a:lnRef>
+          <a:fillRef idx="0">
+            <a:schemeClr val="accent1"/>
+          </a:fillRef>
+          <a:effectRef idx="0">
+            <a:schemeClr val="accent1"/>
+          </a:effectRef>
+          <a:fontRef idx="minor">
+            <a:schemeClr val="tx1"/>
+          </a:fontRef>
+        </p:style>
+      </p:cxnSp>
       <p:pic>
         <p:nvPicPr>
-          <p:cNvPr id="5" name="Content Placeholder 4">
-            <a:extLst>
-              <a:ext uri="{FF2B5EF4-FFF2-40B4-BE49-F238E27FC236}">
-                <a16:creationId xmlns:a16="http://schemas.microsoft.com/office/drawing/2014/main" id="{062606EF-4FA5-3344-A42C-0275450F465A}"/>
+          <p:cNvPr id="3" name="Content Placeholder 2">
+            <a:extLst>
+              <a:ext uri="{FF2B5EF4-FFF2-40B4-BE49-F238E27FC236}">
+                <a16:creationId xmlns:a16="http://schemas.microsoft.com/office/drawing/2014/main" id="{62986B6E-CAB2-F144-B1C9-16AAEC9239ED}"/>
               </a:ext>
             </a:extLst>
           </p:cNvPr>
@@ -5535,14 +6046,248 @@
         </p:blipFill>
         <p:spPr>
           <a:xfrm>
-            <a:off x="679622" y="1973361"/>
-            <a:ext cx="7389340" cy="2766625"/>
+            <a:off x="2669059" y="1491719"/>
+            <a:ext cx="6397917" cy="4685244"/>
           </a:xfrm>
           <a:prstGeom prst="rect">
             <a:avLst/>
           </a:prstGeom>
         </p:spPr>
       </p:pic>
+    </p:spTree>
+    <p:extLst>
+      <p:ext uri="{BB962C8B-B14F-4D97-AF65-F5344CB8AC3E}">
+        <p14:creationId xmlns:p14="http://schemas.microsoft.com/office/powerpoint/2010/main" val="2310331751"/>
+      </p:ext>
+    </p:extLst>
+  </p:cSld>
+  <p:clrMapOvr>
+    <a:masterClrMapping/>
+  </p:clrMapOvr>
+</p:sld>
+</file>
+
+<file path=ppt/slides/slide22.xml><?xml version="1.0" encoding="utf-8"?>
+<p:sld xmlns:a="http://schemas.openxmlformats.org/drawingml/2006/main" xmlns:r="http://schemas.openxmlformats.org/officeDocument/2006/relationships" xmlns:p="http://schemas.openxmlformats.org/presentationml/2006/main">
+  <p:cSld>
+    <p:spTree>
+      <p:nvGrpSpPr>
+        <p:cNvPr id="1" name=""/>
+        <p:cNvGrpSpPr/>
+        <p:nvPr/>
+      </p:nvGrpSpPr>
+      <p:grpSpPr>
+        <a:xfrm>
+          <a:off x="0" y="0"/>
+          <a:ext cx="0" cy="0"/>
+          <a:chOff x="0" y="0"/>
+          <a:chExt cx="0" cy="0"/>
+        </a:xfrm>
+      </p:grpSpPr>
+      <p:sp>
+        <p:nvSpPr>
+          <p:cNvPr id="7" name="TextBox 6">
+            <a:extLst>
+              <a:ext uri="{FF2B5EF4-FFF2-40B4-BE49-F238E27FC236}">
+                <a16:creationId xmlns:a16="http://schemas.microsoft.com/office/drawing/2014/main" id="{184CA01E-705F-4CD5-90B8-DF70C873E901}"/>
+              </a:ext>
+            </a:extLst>
+          </p:cNvPr>
+          <p:cNvSpPr txBox="1"/>
+          <p:nvPr/>
+        </p:nvSpPr>
+        <p:spPr>
+          <a:xfrm>
+            <a:off x="3788508" y="2398058"/>
+            <a:ext cx="5566507" cy="1200329"/>
+          </a:xfrm>
+          <a:prstGeom prst="rect">
+            <a:avLst/>
+          </a:prstGeom>
+          <a:noFill/>
+        </p:spPr>
+        <p:txBody>
+          <a:bodyPr wrap="square" rtlCol="0">
+            <a:spAutoFit/>
+          </a:bodyPr>
+          <a:lstStyle/>
+          <a:p>
+            <a:r>
+              <a:rPr lang="en-US" altLang="zh-CN" sz="7200" dirty="0"/>
+              <a:t>Thank You!</a:t>
+            </a:r>
+          </a:p>
+        </p:txBody>
+      </p:sp>
+    </p:spTree>
+    <p:extLst>
+      <p:ext uri="{BB962C8B-B14F-4D97-AF65-F5344CB8AC3E}">
+        <p14:creationId xmlns:p14="http://schemas.microsoft.com/office/powerpoint/2010/main" val="3570893816"/>
+      </p:ext>
+    </p:extLst>
+  </p:cSld>
+  <p:clrMapOvr>
+    <a:masterClrMapping/>
+  </p:clrMapOvr>
+</p:sld>
+</file>
+
+<file path=ppt/slides/slide3.xml><?xml version="1.0" encoding="utf-8"?>
+<p:sld xmlns:a="http://schemas.openxmlformats.org/drawingml/2006/main" xmlns:r="http://schemas.openxmlformats.org/officeDocument/2006/relationships" xmlns:p="http://schemas.openxmlformats.org/presentationml/2006/main">
+  <p:cSld>
+    <p:spTree>
+      <p:nvGrpSpPr>
+        <p:cNvPr id="1" name=""/>
+        <p:cNvGrpSpPr/>
+        <p:nvPr/>
+      </p:nvGrpSpPr>
+      <p:grpSpPr>
+        <a:xfrm>
+          <a:off x="0" y="0"/>
+          <a:ext cx="0" cy="0"/>
+          <a:chOff x="0" y="0"/>
+          <a:chExt cx="0" cy="0"/>
+        </a:xfrm>
+      </p:grpSpPr>
+      <p:sp>
+        <p:nvSpPr>
+          <p:cNvPr id="2" name="Title 1">
+            <a:extLst>
+              <a:ext uri="{FF2B5EF4-FFF2-40B4-BE49-F238E27FC236}">
+                <a16:creationId xmlns:a16="http://schemas.microsoft.com/office/drawing/2014/main" id="{DB8C63B4-83B2-4F2F-AFC3-4CDA44E75BA5}"/>
+              </a:ext>
+            </a:extLst>
+          </p:cNvPr>
+          <p:cNvSpPr>
+            <a:spLocks noGrp="1"/>
+          </p:cNvSpPr>
+          <p:nvPr>
+            <p:ph type="title"/>
+          </p:nvPr>
+        </p:nvSpPr>
+        <p:spPr/>
+        <p:txBody>
+          <a:bodyPr/>
+          <a:lstStyle/>
+          <a:p>
+            <a:r>
+              <a:rPr lang="en-US" dirty="0"/>
+              <a:t>REST Architecture</a:t>
+            </a:r>
+          </a:p>
+        </p:txBody>
+      </p:sp>
+      <p:sp>
+        <p:nvSpPr>
+          <p:cNvPr id="3" name="Content Placeholder 2">
+            <a:extLst>
+              <a:ext uri="{FF2B5EF4-FFF2-40B4-BE49-F238E27FC236}">
+                <a16:creationId xmlns:a16="http://schemas.microsoft.com/office/drawing/2014/main" id="{46DC6DEC-849A-4DC0-925E-231ED1B1920C}"/>
+              </a:ext>
+            </a:extLst>
+          </p:cNvPr>
+          <p:cNvSpPr>
+            <a:spLocks noGrp="1"/>
+          </p:cNvSpPr>
+          <p:nvPr>
+            <p:ph idx="1"/>
+          </p:nvPr>
+        </p:nvSpPr>
+        <p:spPr/>
+        <p:txBody>
+          <a:bodyPr>
+            <a:normAutofit/>
+          </a:bodyPr>
+          <a:lstStyle/>
+          <a:p>
+            <a:r>
+              <a:rPr lang="en-US" b="1" dirty="0"/>
+              <a:t>Representational State Transfer(</a:t>
+            </a:r>
+            <a:r>
+              <a:rPr lang="en-US" dirty="0"/>
+              <a:t>PhD paper, Roy Thomas Fielding</a:t>
+            </a:r>
+            <a:r>
+              <a:rPr lang="en-US" b="1" dirty="0"/>
+              <a:t>)</a:t>
+            </a:r>
+            <a:br>
+              <a:rPr lang="en-US" b="1" dirty="0"/>
+            </a:br>
+            <a:r>
+              <a:rPr lang="en-US" sz="1400" dirty="0">
+                <a:hlinkClick r:id="rId2"/>
+              </a:rPr>
+              <a:t>https://www.ics.uci.edu/~fielding/pubs/dissertation/top.htm</a:t>
+            </a:r>
+            <a:br>
+              <a:rPr lang="en-US" b="1" dirty="0"/>
+            </a:br>
+            <a:r>
+              <a:rPr lang="en-US" sz="1400" b="1" dirty="0">
+                <a:hlinkClick r:id="rId3"/>
+              </a:rPr>
+              <a:t>https://www.ics.uci.edu/~fielding/pubs/dissertation/rest_arch_style.htm</a:t>
+            </a:r>
+            <a:endParaRPr lang="en-US" sz="1400" b="1" dirty="0"/>
+          </a:p>
+          <a:p>
+            <a:r>
+              <a:rPr lang="en-US" b="1" dirty="0"/>
+              <a:t>Architecture style for distributed hypermedia systems</a:t>
+            </a:r>
+          </a:p>
+          <a:p>
+            <a:r>
+              <a:rPr lang="en-US" b="1" dirty="0"/>
+              <a:t>Constraints</a:t>
+            </a:r>
+          </a:p>
+          <a:p>
+            <a:pPr lvl="1"/>
+            <a:r>
+              <a:rPr lang="en-US" dirty="0"/>
+              <a:t>Client-Server</a:t>
+            </a:r>
+          </a:p>
+          <a:p>
+            <a:pPr lvl="1"/>
+            <a:r>
+              <a:rPr lang="en-US" dirty="0"/>
+              <a:t>Stateless</a:t>
+            </a:r>
+          </a:p>
+          <a:p>
+            <a:pPr lvl="1"/>
+            <a:r>
+              <a:rPr lang="en-US" dirty="0"/>
+              <a:t>Cache</a:t>
+            </a:r>
+          </a:p>
+          <a:p>
+            <a:pPr lvl="1"/>
+            <a:r>
+              <a:rPr lang="en-US" dirty="0"/>
+              <a:t>Uniform Interface</a:t>
+            </a:r>
+          </a:p>
+          <a:p>
+            <a:pPr lvl="1"/>
+            <a:r>
+              <a:rPr lang="en-US" dirty="0"/>
+              <a:t>Layered System</a:t>
+            </a:r>
+          </a:p>
+          <a:p>
+            <a:pPr lvl="1"/>
+            <a:r>
+              <a:rPr lang="en-US" dirty="0"/>
+              <a:t>Code-On-Demand(Optional)</a:t>
+            </a:r>
+          </a:p>
+        </p:txBody>
+      </p:sp>
       <p:cxnSp>
         <p:nvCxnSpPr>
           <p:cNvPr id="4" name="Straight Connector 3">
@@ -5592,7 +6337,158 @@
     </p:spTree>
     <p:extLst>
       <p:ext uri="{BB962C8B-B14F-4D97-AF65-F5344CB8AC3E}">
-        <p14:creationId xmlns:p14="http://schemas.microsoft.com/office/powerpoint/2010/main" val="2855921372"/>
+        <p14:creationId xmlns:p14="http://schemas.microsoft.com/office/powerpoint/2010/main" val="1196601469"/>
+      </p:ext>
+    </p:extLst>
+  </p:cSld>
+  <p:clrMapOvr>
+    <a:masterClrMapping/>
+  </p:clrMapOvr>
+</p:sld>
+</file>
+
+<file path=ppt/slides/slide4.xml><?xml version="1.0" encoding="utf-8"?>
+<p:sld xmlns:a="http://schemas.openxmlformats.org/drawingml/2006/main" xmlns:r="http://schemas.openxmlformats.org/officeDocument/2006/relationships" xmlns:p="http://schemas.openxmlformats.org/presentationml/2006/main">
+  <p:cSld>
+    <p:spTree>
+      <p:nvGrpSpPr>
+        <p:cNvPr id="1" name=""/>
+        <p:cNvGrpSpPr/>
+        <p:nvPr/>
+      </p:nvGrpSpPr>
+      <p:grpSpPr>
+        <a:xfrm>
+          <a:off x="0" y="0"/>
+          <a:ext cx="0" cy="0"/>
+          <a:chOff x="0" y="0"/>
+          <a:chExt cx="0" cy="0"/>
+        </a:xfrm>
+      </p:grpSpPr>
+      <p:sp>
+        <p:nvSpPr>
+          <p:cNvPr id="2" name="Title 1">
+            <a:extLst>
+              <a:ext uri="{FF2B5EF4-FFF2-40B4-BE49-F238E27FC236}">
+                <a16:creationId xmlns:a16="http://schemas.microsoft.com/office/drawing/2014/main" id="{DB8C63B4-83B2-4F2F-AFC3-4CDA44E75BA5}"/>
+              </a:ext>
+            </a:extLst>
+          </p:cNvPr>
+          <p:cNvSpPr>
+            <a:spLocks noGrp="1"/>
+          </p:cNvSpPr>
+          <p:nvPr>
+            <p:ph type="title"/>
+          </p:nvPr>
+        </p:nvSpPr>
+        <p:spPr/>
+        <p:txBody>
+          <a:bodyPr/>
+          <a:lstStyle/>
+          <a:p>
+            <a:r>
+              <a:rPr lang="en-US" dirty="0"/>
+              <a:t>REST Architecture-Client-Server</a:t>
+            </a:r>
+          </a:p>
+        </p:txBody>
+      </p:sp>
+      <p:cxnSp>
+        <p:nvCxnSpPr>
+          <p:cNvPr id="4" name="Straight Connector 3">
+            <a:extLst>
+              <a:ext uri="{FF2B5EF4-FFF2-40B4-BE49-F238E27FC236}">
+                <a16:creationId xmlns:a16="http://schemas.microsoft.com/office/drawing/2014/main" id="{4E074329-75FF-4700-9DA3-03CD0E642D1E}"/>
+              </a:ext>
+            </a:extLst>
+          </p:cNvPr>
+          <p:cNvCxnSpPr>
+            <a:cxnSpLocks/>
+          </p:cNvCxnSpPr>
+          <p:nvPr/>
+        </p:nvCxnSpPr>
+        <p:spPr>
+          <a:xfrm>
+            <a:off x="838200" y="1390261"/>
+            <a:ext cx="10246567" cy="0"/>
+          </a:xfrm>
+          <a:prstGeom prst="line">
+            <a:avLst/>
+          </a:prstGeom>
+          <a:ln w="28575"/>
+          <a:effectLst>
+            <a:outerShdw blurRad="50800" dist="38100" dir="5400000" algn="t" rotWithShape="0">
+              <a:prstClr val="black">
+                <a:alpha val="40000"/>
+              </a:prstClr>
+            </a:outerShdw>
+          </a:effectLst>
+        </p:spPr>
+        <p:style>
+          <a:lnRef idx="1">
+            <a:schemeClr val="accent1"/>
+          </a:lnRef>
+          <a:fillRef idx="0">
+            <a:schemeClr val="accent1"/>
+          </a:fillRef>
+          <a:effectRef idx="0">
+            <a:schemeClr val="accent1"/>
+          </a:effectRef>
+          <a:fontRef idx="minor">
+            <a:schemeClr val="tx1"/>
+          </a:fontRef>
+        </p:style>
+      </p:cxnSp>
+      <p:pic>
+        <p:nvPicPr>
+          <p:cNvPr id="1026" name="Picture 2" descr="Figure 5-2: The client-server style">
+            <a:extLst>
+              <a:ext uri="{FF2B5EF4-FFF2-40B4-BE49-F238E27FC236}">
+                <a16:creationId xmlns:a16="http://schemas.microsoft.com/office/drawing/2014/main" id="{59CAD362-4AAA-4C09-9F6E-E1FBE23A21F9}"/>
+              </a:ext>
+            </a:extLst>
+          </p:cNvPr>
+          <p:cNvPicPr>
+            <a:picLocks noChangeAspect="1" noChangeArrowheads="1"/>
+          </p:cNvPicPr>
+          <p:nvPr/>
+        </p:nvPicPr>
+        <p:blipFill>
+          <a:blip r:embed="rId2">
+            <a:extLst>
+              <a:ext uri="{28A0092B-C50C-407E-A947-70E740481C1C}">
+                <a14:useLocalDpi xmlns:a14="http://schemas.microsoft.com/office/drawing/2010/main" val="0"/>
+              </a:ext>
+            </a:extLst>
+          </a:blip>
+          <a:srcRect/>
+          <a:stretch>
+            <a:fillRect/>
+          </a:stretch>
+        </p:blipFill>
+        <p:spPr bwMode="auto">
+          <a:xfrm>
+            <a:off x="2546387" y="2715824"/>
+            <a:ext cx="6170454" cy="1148981"/>
+          </a:xfrm>
+          <a:prstGeom prst="rect">
+            <a:avLst/>
+          </a:prstGeom>
+          <a:noFill/>
+          <a:extLst>
+            <a:ext uri="{909E8E84-426E-40DD-AFC4-6F175D3DCCD1}">
+              <a14:hiddenFill xmlns:a14="http://schemas.microsoft.com/office/drawing/2010/main">
+                <a:solidFill>
+                  <a:srgbClr val="FFFFFF"/>
+                </a:solidFill>
+              </a14:hiddenFill>
+            </a:ext>
+          </a:extLst>
+        </p:spPr>
+      </p:pic>
+    </p:spTree>
+    <p:extLst>
+      <p:ext uri="{BB962C8B-B14F-4D97-AF65-F5344CB8AC3E}">
+        <p14:creationId xmlns:p14="http://schemas.microsoft.com/office/powerpoint/2010/main" val="1612818968"/>
       </p:ext>
     </p:extLst>
   </p:cSld>
@@ -5642,7 +6538,748 @@
           <a:p>
             <a:r>
               <a:rPr lang="en-US" dirty="0"/>
-              <a:t>REST Architecture Style</a:t>
+              <a:t>REST Architecture-Stateless</a:t>
+            </a:r>
+          </a:p>
+        </p:txBody>
+      </p:sp>
+      <p:cxnSp>
+        <p:nvCxnSpPr>
+          <p:cNvPr id="4" name="Straight Connector 3">
+            <a:extLst>
+              <a:ext uri="{FF2B5EF4-FFF2-40B4-BE49-F238E27FC236}">
+                <a16:creationId xmlns:a16="http://schemas.microsoft.com/office/drawing/2014/main" id="{4E074329-75FF-4700-9DA3-03CD0E642D1E}"/>
+              </a:ext>
+            </a:extLst>
+          </p:cNvPr>
+          <p:cNvCxnSpPr>
+            <a:cxnSpLocks/>
+          </p:cNvCxnSpPr>
+          <p:nvPr/>
+        </p:nvCxnSpPr>
+        <p:spPr>
+          <a:xfrm>
+            <a:off x="838200" y="1390261"/>
+            <a:ext cx="10246567" cy="0"/>
+          </a:xfrm>
+          <a:prstGeom prst="line">
+            <a:avLst/>
+          </a:prstGeom>
+          <a:ln w="28575"/>
+          <a:effectLst>
+            <a:outerShdw blurRad="50800" dist="38100" dir="5400000" algn="t" rotWithShape="0">
+              <a:prstClr val="black">
+                <a:alpha val="40000"/>
+              </a:prstClr>
+            </a:outerShdw>
+          </a:effectLst>
+        </p:spPr>
+        <p:style>
+          <a:lnRef idx="1">
+            <a:schemeClr val="accent1"/>
+          </a:lnRef>
+          <a:fillRef idx="0">
+            <a:schemeClr val="accent1"/>
+          </a:fillRef>
+          <a:effectRef idx="0">
+            <a:schemeClr val="accent1"/>
+          </a:effectRef>
+          <a:fontRef idx="minor">
+            <a:schemeClr val="tx1"/>
+          </a:fontRef>
+        </p:style>
+      </p:cxnSp>
+      <p:pic>
+        <p:nvPicPr>
+          <p:cNvPr id="2050" name="Picture 2" descr="Figure 5-3: The client-stateless-server style">
+            <a:extLst>
+              <a:ext uri="{FF2B5EF4-FFF2-40B4-BE49-F238E27FC236}">
+                <a16:creationId xmlns:a16="http://schemas.microsoft.com/office/drawing/2014/main" id="{169E91B6-21CD-412A-AC53-B0B3C4539A61}"/>
+              </a:ext>
+            </a:extLst>
+          </p:cNvPr>
+          <p:cNvPicPr>
+            <a:picLocks noChangeAspect="1" noChangeArrowheads="1"/>
+          </p:cNvPicPr>
+          <p:nvPr/>
+        </p:nvPicPr>
+        <p:blipFill>
+          <a:blip r:embed="rId2">
+            <a:extLst>
+              <a:ext uri="{28A0092B-C50C-407E-A947-70E740481C1C}">
+                <a14:useLocalDpi xmlns:a14="http://schemas.microsoft.com/office/drawing/2010/main" val="0"/>
+              </a:ext>
+            </a:extLst>
+          </a:blip>
+          <a:srcRect/>
+          <a:stretch>
+            <a:fillRect/>
+          </a:stretch>
+        </p:blipFill>
+        <p:spPr bwMode="auto">
+          <a:xfrm>
+            <a:off x="2310916" y="2604645"/>
+            <a:ext cx="6409665" cy="2254434"/>
+          </a:xfrm>
+          <a:prstGeom prst="rect">
+            <a:avLst/>
+          </a:prstGeom>
+          <a:noFill/>
+          <a:extLst>
+            <a:ext uri="{909E8E84-426E-40DD-AFC4-6F175D3DCCD1}">
+              <a14:hiddenFill xmlns:a14="http://schemas.microsoft.com/office/drawing/2010/main">
+                <a:solidFill>
+                  <a:srgbClr val="FFFFFF"/>
+                </a:solidFill>
+              </a14:hiddenFill>
+            </a:ext>
+          </a:extLst>
+        </p:spPr>
+      </p:pic>
+    </p:spTree>
+    <p:extLst>
+      <p:ext uri="{BB962C8B-B14F-4D97-AF65-F5344CB8AC3E}">
+        <p14:creationId xmlns:p14="http://schemas.microsoft.com/office/powerpoint/2010/main" val="1151075822"/>
+      </p:ext>
+    </p:extLst>
+  </p:cSld>
+  <p:clrMapOvr>
+    <a:masterClrMapping/>
+  </p:clrMapOvr>
+</p:sld>
+</file>
+
+<file path=ppt/slides/slide6.xml><?xml version="1.0" encoding="utf-8"?>
+<p:sld xmlns:a="http://schemas.openxmlformats.org/drawingml/2006/main" xmlns:r="http://schemas.openxmlformats.org/officeDocument/2006/relationships" xmlns:p="http://schemas.openxmlformats.org/presentationml/2006/main">
+  <p:cSld>
+    <p:spTree>
+      <p:nvGrpSpPr>
+        <p:cNvPr id="1" name=""/>
+        <p:cNvGrpSpPr/>
+        <p:nvPr/>
+      </p:nvGrpSpPr>
+      <p:grpSpPr>
+        <a:xfrm>
+          <a:off x="0" y="0"/>
+          <a:ext cx="0" cy="0"/>
+          <a:chOff x="0" y="0"/>
+          <a:chExt cx="0" cy="0"/>
+        </a:xfrm>
+      </p:grpSpPr>
+      <p:sp>
+        <p:nvSpPr>
+          <p:cNvPr id="2" name="Title 1">
+            <a:extLst>
+              <a:ext uri="{FF2B5EF4-FFF2-40B4-BE49-F238E27FC236}">
+                <a16:creationId xmlns:a16="http://schemas.microsoft.com/office/drawing/2014/main" id="{DB8C63B4-83B2-4F2F-AFC3-4CDA44E75BA5}"/>
+              </a:ext>
+            </a:extLst>
+          </p:cNvPr>
+          <p:cNvSpPr>
+            <a:spLocks noGrp="1"/>
+          </p:cNvSpPr>
+          <p:nvPr>
+            <p:ph type="title"/>
+          </p:nvPr>
+        </p:nvSpPr>
+        <p:spPr/>
+        <p:txBody>
+          <a:bodyPr/>
+          <a:lstStyle/>
+          <a:p>
+            <a:r>
+              <a:rPr lang="en-US" dirty="0"/>
+              <a:t>REST Architecture-Cache</a:t>
+            </a:r>
+          </a:p>
+        </p:txBody>
+      </p:sp>
+      <p:cxnSp>
+        <p:nvCxnSpPr>
+          <p:cNvPr id="4" name="Straight Connector 3">
+            <a:extLst>
+              <a:ext uri="{FF2B5EF4-FFF2-40B4-BE49-F238E27FC236}">
+                <a16:creationId xmlns:a16="http://schemas.microsoft.com/office/drawing/2014/main" id="{4E074329-75FF-4700-9DA3-03CD0E642D1E}"/>
+              </a:ext>
+            </a:extLst>
+          </p:cNvPr>
+          <p:cNvCxnSpPr>
+            <a:cxnSpLocks/>
+          </p:cNvCxnSpPr>
+          <p:nvPr/>
+        </p:nvCxnSpPr>
+        <p:spPr>
+          <a:xfrm>
+            <a:off x="838200" y="1390261"/>
+            <a:ext cx="10246567" cy="0"/>
+          </a:xfrm>
+          <a:prstGeom prst="line">
+            <a:avLst/>
+          </a:prstGeom>
+          <a:ln w="28575"/>
+          <a:effectLst>
+            <a:outerShdw blurRad="50800" dist="38100" dir="5400000" algn="t" rotWithShape="0">
+              <a:prstClr val="black">
+                <a:alpha val="40000"/>
+              </a:prstClr>
+            </a:outerShdw>
+          </a:effectLst>
+        </p:spPr>
+        <p:style>
+          <a:lnRef idx="1">
+            <a:schemeClr val="accent1"/>
+          </a:lnRef>
+          <a:fillRef idx="0">
+            <a:schemeClr val="accent1"/>
+          </a:fillRef>
+          <a:effectRef idx="0">
+            <a:schemeClr val="accent1"/>
+          </a:effectRef>
+          <a:fontRef idx="minor">
+            <a:schemeClr val="tx1"/>
+          </a:fontRef>
+        </p:style>
+      </p:cxnSp>
+      <p:pic>
+        <p:nvPicPr>
+          <p:cNvPr id="3074" name="Picture 2" descr="Figure 5-4: The client-cache-stateless-server style">
+            <a:extLst>
+              <a:ext uri="{FF2B5EF4-FFF2-40B4-BE49-F238E27FC236}">
+                <a16:creationId xmlns:a16="http://schemas.microsoft.com/office/drawing/2014/main" id="{61669433-26EB-4DEE-909C-76D78837DD7B}"/>
+              </a:ext>
+            </a:extLst>
+          </p:cNvPr>
+          <p:cNvPicPr>
+            <a:picLocks noChangeAspect="1" noChangeArrowheads="1"/>
+          </p:cNvPicPr>
+          <p:nvPr/>
+        </p:nvPicPr>
+        <p:blipFill>
+          <a:blip r:embed="rId2">
+            <a:extLst>
+              <a:ext uri="{28A0092B-C50C-407E-A947-70E740481C1C}">
+                <a14:useLocalDpi xmlns:a14="http://schemas.microsoft.com/office/drawing/2010/main" val="0"/>
+              </a:ext>
+            </a:extLst>
+          </a:blip>
+          <a:srcRect/>
+          <a:stretch>
+            <a:fillRect/>
+          </a:stretch>
+        </p:blipFill>
+        <p:spPr bwMode="auto">
+          <a:xfrm>
+            <a:off x="2314506" y="2572432"/>
+            <a:ext cx="6448605" cy="2623915"/>
+          </a:xfrm>
+          <a:prstGeom prst="rect">
+            <a:avLst/>
+          </a:prstGeom>
+          <a:noFill/>
+          <a:extLst>
+            <a:ext uri="{909E8E84-426E-40DD-AFC4-6F175D3DCCD1}">
+              <a14:hiddenFill xmlns:a14="http://schemas.microsoft.com/office/drawing/2010/main">
+                <a:solidFill>
+                  <a:srgbClr val="FFFFFF"/>
+                </a:solidFill>
+              </a14:hiddenFill>
+            </a:ext>
+          </a:extLst>
+        </p:spPr>
+      </p:pic>
+    </p:spTree>
+    <p:extLst>
+      <p:ext uri="{BB962C8B-B14F-4D97-AF65-F5344CB8AC3E}">
+        <p14:creationId xmlns:p14="http://schemas.microsoft.com/office/powerpoint/2010/main" val="3388407676"/>
+      </p:ext>
+    </p:extLst>
+  </p:cSld>
+  <p:clrMapOvr>
+    <a:masterClrMapping/>
+  </p:clrMapOvr>
+</p:sld>
+</file>
+
+<file path=ppt/slides/slide7.xml><?xml version="1.0" encoding="utf-8"?>
+<p:sld xmlns:a="http://schemas.openxmlformats.org/drawingml/2006/main" xmlns:r="http://schemas.openxmlformats.org/officeDocument/2006/relationships" xmlns:p="http://schemas.openxmlformats.org/presentationml/2006/main">
+  <p:cSld>
+    <p:spTree>
+      <p:nvGrpSpPr>
+        <p:cNvPr id="1" name=""/>
+        <p:cNvGrpSpPr/>
+        <p:nvPr/>
+      </p:nvGrpSpPr>
+      <p:grpSpPr>
+        <a:xfrm>
+          <a:off x="0" y="0"/>
+          <a:ext cx="0" cy="0"/>
+          <a:chOff x="0" y="0"/>
+          <a:chExt cx="0" cy="0"/>
+        </a:xfrm>
+      </p:grpSpPr>
+      <p:sp>
+        <p:nvSpPr>
+          <p:cNvPr id="2" name="Title 1">
+            <a:extLst>
+              <a:ext uri="{FF2B5EF4-FFF2-40B4-BE49-F238E27FC236}">
+                <a16:creationId xmlns:a16="http://schemas.microsoft.com/office/drawing/2014/main" id="{DB8C63B4-83B2-4F2F-AFC3-4CDA44E75BA5}"/>
+              </a:ext>
+            </a:extLst>
+          </p:cNvPr>
+          <p:cNvSpPr>
+            <a:spLocks noGrp="1"/>
+          </p:cNvSpPr>
+          <p:nvPr>
+            <p:ph type="title"/>
+          </p:nvPr>
+        </p:nvSpPr>
+        <p:spPr/>
+        <p:txBody>
+          <a:bodyPr/>
+          <a:lstStyle/>
+          <a:p>
+            <a:r>
+              <a:rPr lang="en-US" dirty="0"/>
+              <a:t>REST Architecture-Uniform Interface</a:t>
+            </a:r>
+          </a:p>
+        </p:txBody>
+      </p:sp>
+      <p:cxnSp>
+        <p:nvCxnSpPr>
+          <p:cNvPr id="4" name="Straight Connector 3">
+            <a:extLst>
+              <a:ext uri="{FF2B5EF4-FFF2-40B4-BE49-F238E27FC236}">
+                <a16:creationId xmlns:a16="http://schemas.microsoft.com/office/drawing/2014/main" id="{4E074329-75FF-4700-9DA3-03CD0E642D1E}"/>
+              </a:ext>
+            </a:extLst>
+          </p:cNvPr>
+          <p:cNvCxnSpPr>
+            <a:cxnSpLocks/>
+          </p:cNvCxnSpPr>
+          <p:nvPr/>
+        </p:nvCxnSpPr>
+        <p:spPr>
+          <a:xfrm>
+            <a:off x="838200" y="1390261"/>
+            <a:ext cx="10246567" cy="0"/>
+          </a:xfrm>
+          <a:prstGeom prst="line">
+            <a:avLst/>
+          </a:prstGeom>
+          <a:ln w="28575"/>
+          <a:effectLst>
+            <a:outerShdw blurRad="50800" dist="38100" dir="5400000" algn="t" rotWithShape="0">
+              <a:prstClr val="black">
+                <a:alpha val="40000"/>
+              </a:prstClr>
+            </a:outerShdw>
+          </a:effectLst>
+        </p:spPr>
+        <p:style>
+          <a:lnRef idx="1">
+            <a:schemeClr val="accent1"/>
+          </a:lnRef>
+          <a:fillRef idx="0">
+            <a:schemeClr val="accent1"/>
+          </a:fillRef>
+          <a:effectRef idx="0">
+            <a:schemeClr val="accent1"/>
+          </a:effectRef>
+          <a:fontRef idx="minor">
+            <a:schemeClr val="tx1"/>
+          </a:fontRef>
+        </p:style>
+      </p:cxnSp>
+      <p:sp>
+        <p:nvSpPr>
+          <p:cNvPr id="3" name="Rectangle 2">
+            <a:extLst>
+              <a:ext uri="{FF2B5EF4-FFF2-40B4-BE49-F238E27FC236}">
+                <a16:creationId xmlns:a16="http://schemas.microsoft.com/office/drawing/2014/main" id="{2C6C6E23-A4A4-4DD8-823D-40B0FD79AD8C}"/>
+              </a:ext>
+            </a:extLst>
+          </p:cNvPr>
+          <p:cNvSpPr/>
+          <p:nvPr/>
+        </p:nvSpPr>
+        <p:spPr>
+          <a:xfrm>
+            <a:off x="-86833" y="1690688"/>
+            <a:ext cx="10083588" cy="3693319"/>
+          </a:xfrm>
+          <a:prstGeom prst="rect">
+            <a:avLst/>
+          </a:prstGeom>
+        </p:spPr>
+        <p:txBody>
+          <a:bodyPr wrap="square">
+            <a:spAutoFit/>
+          </a:bodyPr>
+          <a:lstStyle/>
+          <a:p>
+            <a:pPr marL="1200150" lvl="2" indent="-285750">
+              <a:buFont typeface="Arial" panose="020B0604020202020204" pitchFamily="34" charset="0"/>
+              <a:buChar char="•"/>
+            </a:pPr>
+            <a:r>
+              <a:rPr lang="en-US" dirty="0"/>
+              <a:t>any information that can be named can be a resource</a:t>
+            </a:r>
+            <a:br>
+              <a:rPr lang="en-US" dirty="0"/>
+            </a:br>
+            <a:endParaRPr lang="en-US" dirty="0"/>
+          </a:p>
+          <a:p>
+            <a:pPr marL="1200150" lvl="2" indent="-285750">
+              <a:buFont typeface="Arial" panose="020B0604020202020204" pitchFamily="34" charset="0"/>
+              <a:buChar char="•"/>
+            </a:pPr>
+            <a:r>
+              <a:rPr lang="en-US" dirty="0"/>
+              <a:t>identification of resources</a:t>
+            </a:r>
+            <a:br>
+              <a:rPr lang="en-US" dirty="0"/>
+            </a:br>
+            <a:endParaRPr lang="en-US" dirty="0"/>
+          </a:p>
+          <a:p>
+            <a:pPr marL="1200150" lvl="2" indent="-285750">
+              <a:buFont typeface="Arial" panose="020B0604020202020204" pitchFamily="34" charset="0"/>
+              <a:buChar char="•"/>
+            </a:pPr>
+            <a:r>
+              <a:rPr lang="en-US" dirty="0"/>
+              <a:t>manipulation of resources through representations </a:t>
+            </a:r>
+            <a:br>
+              <a:rPr lang="en-US" dirty="0"/>
+            </a:br>
+            <a:r>
+              <a:rPr lang="en-US" dirty="0"/>
+              <a:t>(A representation consists of data, metadata describing the data)</a:t>
+            </a:r>
+            <a:br>
+              <a:rPr lang="en-US" dirty="0"/>
+            </a:br>
+            <a:endParaRPr lang="en-US" dirty="0"/>
+          </a:p>
+          <a:p>
+            <a:pPr marL="1200150" lvl="2" indent="-285750">
+              <a:buFont typeface="Arial" panose="020B0604020202020204" pitchFamily="34" charset="0"/>
+              <a:buChar char="•"/>
+            </a:pPr>
+            <a:r>
+              <a:rPr lang="en-US" dirty="0"/>
+              <a:t>self-descriptive messages</a:t>
+            </a:r>
+            <a:br>
+              <a:rPr lang="en-US" dirty="0"/>
+            </a:br>
+            <a:r>
+              <a:rPr lang="en-US" dirty="0"/>
+              <a:t>(Each message contains all the information necessary to complete the task)</a:t>
+            </a:r>
+            <a:br>
+              <a:rPr lang="en-US" dirty="0"/>
+            </a:br>
+            <a:endParaRPr lang="en-US" dirty="0"/>
+          </a:p>
+          <a:p>
+            <a:pPr marL="1200150" lvl="2" indent="-285750">
+              <a:buFont typeface="Arial" panose="020B0604020202020204" pitchFamily="34" charset="0"/>
+              <a:buChar char="•"/>
+            </a:pPr>
+            <a:r>
+              <a:rPr lang="en-US" dirty="0"/>
+              <a:t>hypermedia as the engine of application state</a:t>
+            </a:r>
+            <a:br>
+              <a:rPr lang="en-US" dirty="0"/>
+            </a:br>
+            <a:r>
+              <a:rPr lang="en-US" dirty="0"/>
+              <a:t>(a REST-</a:t>
+            </a:r>
+            <a:r>
+              <a:rPr lang="en-US" dirty="0" err="1"/>
+              <a:t>ful</a:t>
+            </a:r>
+            <a:r>
+              <a:rPr lang="en-US" dirty="0"/>
+              <a:t> application enables the server to inform the client of the possible ways to </a:t>
+            </a:r>
+            <a:r>
+              <a:rPr lang="en-US" i="1" dirty="0"/>
+              <a:t>change the state of the application via hypermedia.)</a:t>
+            </a:r>
+            <a:endParaRPr lang="en-US" dirty="0"/>
+          </a:p>
+        </p:txBody>
+      </p:sp>
+    </p:spTree>
+    <p:extLst>
+      <p:ext uri="{BB962C8B-B14F-4D97-AF65-F5344CB8AC3E}">
+        <p14:creationId xmlns:p14="http://schemas.microsoft.com/office/powerpoint/2010/main" val="3935696003"/>
+      </p:ext>
+    </p:extLst>
+  </p:cSld>
+  <p:clrMapOvr>
+    <a:masterClrMapping/>
+  </p:clrMapOvr>
+</p:sld>
+</file>
+
+<file path=ppt/slides/slide8.xml><?xml version="1.0" encoding="utf-8"?>
+<p:sld xmlns:a="http://schemas.openxmlformats.org/drawingml/2006/main" xmlns:r="http://schemas.openxmlformats.org/officeDocument/2006/relationships" xmlns:p="http://schemas.openxmlformats.org/presentationml/2006/main">
+  <p:cSld>
+    <p:spTree>
+      <p:nvGrpSpPr>
+        <p:cNvPr id="1" name=""/>
+        <p:cNvGrpSpPr/>
+        <p:nvPr/>
+      </p:nvGrpSpPr>
+      <p:grpSpPr>
+        <a:xfrm>
+          <a:off x="0" y="0"/>
+          <a:ext cx="0" cy="0"/>
+          <a:chOff x="0" y="0"/>
+          <a:chExt cx="0" cy="0"/>
+        </a:xfrm>
+      </p:grpSpPr>
+      <p:sp>
+        <p:nvSpPr>
+          <p:cNvPr id="2" name="Title 1">
+            <a:extLst>
+              <a:ext uri="{FF2B5EF4-FFF2-40B4-BE49-F238E27FC236}">
+                <a16:creationId xmlns:a16="http://schemas.microsoft.com/office/drawing/2014/main" id="{DB8C63B4-83B2-4F2F-AFC3-4CDA44E75BA5}"/>
+              </a:ext>
+            </a:extLst>
+          </p:cNvPr>
+          <p:cNvSpPr>
+            <a:spLocks noGrp="1"/>
+          </p:cNvSpPr>
+          <p:nvPr>
+            <p:ph type="title"/>
+          </p:nvPr>
+        </p:nvSpPr>
+        <p:spPr/>
+        <p:txBody>
+          <a:bodyPr/>
+          <a:lstStyle/>
+          <a:p>
+            <a:r>
+              <a:rPr lang="en-US" dirty="0"/>
+              <a:t>REST Architecture-Layered System</a:t>
+            </a:r>
+          </a:p>
+        </p:txBody>
+      </p:sp>
+      <p:pic>
+        <p:nvPicPr>
+          <p:cNvPr id="5" name="Content Placeholder 4">
+            <a:extLst>
+              <a:ext uri="{FF2B5EF4-FFF2-40B4-BE49-F238E27FC236}">
+                <a16:creationId xmlns:a16="http://schemas.microsoft.com/office/drawing/2014/main" id="{062606EF-4FA5-3344-A42C-0275450F465A}"/>
+              </a:ext>
+            </a:extLst>
+          </p:cNvPr>
+          <p:cNvPicPr>
+            <a:picLocks noGrp="1" noChangeAspect="1"/>
+          </p:cNvPicPr>
+          <p:nvPr>
+            <p:ph idx="1"/>
+          </p:nvPr>
+        </p:nvPicPr>
+        <p:blipFill>
+          <a:blip r:embed="rId2"/>
+          <a:stretch>
+            <a:fillRect/>
+          </a:stretch>
+        </p:blipFill>
+        <p:spPr>
+          <a:xfrm>
+            <a:off x="679622" y="1973361"/>
+            <a:ext cx="7389340" cy="2766625"/>
+          </a:xfrm>
+          <a:prstGeom prst="rect">
+            <a:avLst/>
+          </a:prstGeom>
+        </p:spPr>
+      </p:pic>
+      <p:cxnSp>
+        <p:nvCxnSpPr>
+          <p:cNvPr id="4" name="Straight Connector 3">
+            <a:extLst>
+              <a:ext uri="{FF2B5EF4-FFF2-40B4-BE49-F238E27FC236}">
+                <a16:creationId xmlns:a16="http://schemas.microsoft.com/office/drawing/2014/main" id="{4E074329-75FF-4700-9DA3-03CD0E642D1E}"/>
+              </a:ext>
+            </a:extLst>
+          </p:cNvPr>
+          <p:cNvCxnSpPr>
+            <a:cxnSpLocks/>
+          </p:cNvCxnSpPr>
+          <p:nvPr/>
+        </p:nvCxnSpPr>
+        <p:spPr>
+          <a:xfrm>
+            <a:off x="838200" y="1390261"/>
+            <a:ext cx="10246567" cy="0"/>
+          </a:xfrm>
+          <a:prstGeom prst="line">
+            <a:avLst/>
+          </a:prstGeom>
+          <a:ln w="28575"/>
+          <a:effectLst>
+            <a:outerShdw blurRad="50800" dist="38100" dir="5400000" algn="t" rotWithShape="0">
+              <a:prstClr val="black">
+                <a:alpha val="40000"/>
+              </a:prstClr>
+            </a:outerShdw>
+          </a:effectLst>
+        </p:spPr>
+        <p:style>
+          <a:lnRef idx="1">
+            <a:schemeClr val="accent1"/>
+          </a:lnRef>
+          <a:fillRef idx="0">
+            <a:schemeClr val="accent1"/>
+          </a:fillRef>
+          <a:effectRef idx="0">
+            <a:schemeClr val="accent1"/>
+          </a:effectRef>
+          <a:fontRef idx="minor">
+            <a:schemeClr val="tx1"/>
+          </a:fontRef>
+        </p:style>
+      </p:cxnSp>
+      <p:sp>
+        <p:nvSpPr>
+          <p:cNvPr id="3" name="Rectangle 2">
+            <a:extLst>
+              <a:ext uri="{FF2B5EF4-FFF2-40B4-BE49-F238E27FC236}">
+                <a16:creationId xmlns:a16="http://schemas.microsoft.com/office/drawing/2014/main" id="{6E429AC5-00E3-4AE3-9E54-2262480C5923}"/>
+              </a:ext>
+            </a:extLst>
+          </p:cNvPr>
+          <p:cNvSpPr/>
+          <p:nvPr/>
+        </p:nvSpPr>
+        <p:spPr>
+          <a:xfrm>
+            <a:off x="3055000" y="5323085"/>
+            <a:ext cx="4088812" cy="369332"/>
+          </a:xfrm>
+          <a:prstGeom prst="rect">
+            <a:avLst/>
+          </a:prstGeom>
+        </p:spPr>
+        <p:txBody>
+          <a:bodyPr wrap="none">
+            <a:spAutoFit/>
+          </a:bodyPr>
+          <a:lstStyle/>
+          <a:p>
+            <a:pPr marL="342900" indent="-342900">
+              <a:buFont typeface="Arial" panose="020B0604020202020204" pitchFamily="34" charset="0"/>
+              <a:buChar char="•"/>
+            </a:pPr>
+            <a:r>
+              <a:rPr lang="en-US" altLang="zh-CN" b="1" dirty="0"/>
+              <a:t>Doesn’t</a:t>
+            </a:r>
+            <a:r>
+              <a:rPr lang="zh-CN" altLang="en-US" b="1" dirty="0"/>
+              <a:t> </a:t>
+            </a:r>
+            <a:r>
+              <a:rPr lang="en-US" altLang="zh-CN" b="1" dirty="0"/>
+              <a:t>restrict</a:t>
+            </a:r>
+            <a:r>
+              <a:rPr lang="zh-CN" altLang="en-US" b="1" dirty="0"/>
+              <a:t> </a:t>
+            </a:r>
+            <a:r>
+              <a:rPr lang="en-US" altLang="zh-CN" b="1" dirty="0"/>
+              <a:t>to</a:t>
+            </a:r>
+            <a:r>
+              <a:rPr lang="zh-CN" altLang="en-US" b="1" dirty="0"/>
+              <a:t> </a:t>
+            </a:r>
+            <a:r>
+              <a:rPr lang="en-US" altLang="zh-CN" b="1" dirty="0"/>
+              <a:t>particular</a:t>
+            </a:r>
+            <a:r>
+              <a:rPr lang="zh-CN" altLang="en-US" b="1" dirty="0"/>
+              <a:t> </a:t>
+            </a:r>
+            <a:r>
+              <a:rPr lang="en-US" altLang="zh-CN" b="1" dirty="0"/>
+              <a:t>protocol</a:t>
+            </a:r>
+            <a:endParaRPr lang="en-US" b="1" dirty="0"/>
+          </a:p>
+        </p:txBody>
+      </p:sp>
+    </p:spTree>
+    <p:extLst>
+      <p:ext uri="{BB962C8B-B14F-4D97-AF65-F5344CB8AC3E}">
+        <p14:creationId xmlns:p14="http://schemas.microsoft.com/office/powerpoint/2010/main" val="2855921372"/>
+      </p:ext>
+    </p:extLst>
+  </p:cSld>
+  <p:clrMapOvr>
+    <a:masterClrMapping/>
+  </p:clrMapOvr>
+</p:sld>
+</file>
+
+<file path=ppt/slides/slide9.xml><?xml version="1.0" encoding="utf-8"?>
+<p:sld xmlns:a="http://schemas.openxmlformats.org/drawingml/2006/main" xmlns:r="http://schemas.openxmlformats.org/officeDocument/2006/relationships" xmlns:p="http://schemas.openxmlformats.org/presentationml/2006/main">
+  <p:cSld>
+    <p:spTree>
+      <p:nvGrpSpPr>
+        <p:cNvPr id="1" name=""/>
+        <p:cNvGrpSpPr/>
+        <p:nvPr/>
+      </p:nvGrpSpPr>
+      <p:grpSpPr>
+        <a:xfrm>
+          <a:off x="0" y="0"/>
+          <a:ext cx="0" cy="0"/>
+          <a:chOff x="0" y="0"/>
+          <a:chExt cx="0" cy="0"/>
+        </a:xfrm>
+      </p:grpSpPr>
+      <p:sp>
+        <p:nvSpPr>
+          <p:cNvPr id="2" name="Title 1">
+            <a:extLst>
+              <a:ext uri="{FF2B5EF4-FFF2-40B4-BE49-F238E27FC236}">
+                <a16:creationId xmlns:a16="http://schemas.microsoft.com/office/drawing/2014/main" id="{DB8C63B4-83B2-4F2F-AFC3-4CDA44E75BA5}"/>
+              </a:ext>
+            </a:extLst>
+          </p:cNvPr>
+          <p:cNvSpPr>
+            <a:spLocks noGrp="1"/>
+          </p:cNvSpPr>
+          <p:nvPr>
+            <p:ph type="title"/>
+          </p:nvPr>
+        </p:nvSpPr>
+        <p:spPr/>
+        <p:txBody>
+          <a:bodyPr/>
+          <a:lstStyle/>
+          <a:p>
+            <a:r>
+              <a:rPr lang="en-US" dirty="0"/>
+              <a:t>REST Architecture-Data Element</a:t>
             </a:r>
           </a:p>
         </p:txBody>
@@ -6211,631 +7848,6 @@
     <p:extLst>
       <p:ext uri="{BB962C8B-B14F-4D97-AF65-F5344CB8AC3E}">
         <p14:creationId xmlns:p14="http://schemas.microsoft.com/office/powerpoint/2010/main" val="2735231711"/>
-      </p:ext>
-    </p:extLst>
-  </p:cSld>
-  <p:clrMapOvr>
-    <a:masterClrMapping/>
-  </p:clrMapOvr>
-</p:sld>
-</file>
-
-<file path=ppt/slides/slide6.xml><?xml version="1.0" encoding="utf-8"?>
-<p:sld xmlns:a="http://schemas.openxmlformats.org/drawingml/2006/main" xmlns:r="http://schemas.openxmlformats.org/officeDocument/2006/relationships" xmlns:p="http://schemas.openxmlformats.org/presentationml/2006/main">
-  <p:cSld>
-    <p:spTree>
-      <p:nvGrpSpPr>
-        <p:cNvPr id="1" name=""/>
-        <p:cNvGrpSpPr/>
-        <p:nvPr/>
-      </p:nvGrpSpPr>
-      <p:grpSpPr>
-        <a:xfrm>
-          <a:off x="0" y="0"/>
-          <a:ext cx="0" cy="0"/>
-          <a:chOff x="0" y="0"/>
-          <a:chExt cx="0" cy="0"/>
-        </a:xfrm>
-      </p:grpSpPr>
-      <p:sp>
-        <p:nvSpPr>
-          <p:cNvPr id="2" name="Title 1">
-            <a:extLst>
-              <a:ext uri="{FF2B5EF4-FFF2-40B4-BE49-F238E27FC236}">
-                <a16:creationId xmlns:a16="http://schemas.microsoft.com/office/drawing/2014/main" id="{DB8C63B4-83B2-4F2F-AFC3-4CDA44E75BA5}"/>
-              </a:ext>
-            </a:extLst>
-          </p:cNvPr>
-          <p:cNvSpPr>
-            <a:spLocks noGrp="1"/>
-          </p:cNvSpPr>
-          <p:nvPr>
-            <p:ph type="title"/>
-          </p:nvPr>
-        </p:nvSpPr>
-        <p:spPr/>
-        <p:txBody>
-          <a:bodyPr/>
-          <a:lstStyle/>
-          <a:p>
-            <a:r>
-              <a:rPr lang="en-US" dirty="0"/>
-              <a:t>ASP.NET Web API Framework</a:t>
-            </a:r>
-          </a:p>
-        </p:txBody>
-      </p:sp>
-      <p:cxnSp>
-        <p:nvCxnSpPr>
-          <p:cNvPr id="4" name="Straight Connector 3">
-            <a:extLst>
-              <a:ext uri="{FF2B5EF4-FFF2-40B4-BE49-F238E27FC236}">
-                <a16:creationId xmlns:a16="http://schemas.microsoft.com/office/drawing/2014/main" id="{4E074329-75FF-4700-9DA3-03CD0E642D1E}"/>
-              </a:ext>
-            </a:extLst>
-          </p:cNvPr>
-          <p:cNvCxnSpPr>
-            <a:cxnSpLocks/>
-          </p:cNvCxnSpPr>
-          <p:nvPr/>
-        </p:nvCxnSpPr>
-        <p:spPr>
-          <a:xfrm>
-            <a:off x="838200" y="1390261"/>
-            <a:ext cx="10246567" cy="0"/>
-          </a:xfrm>
-          <a:prstGeom prst="line">
-            <a:avLst/>
-          </a:prstGeom>
-          <a:ln w="28575"/>
-          <a:effectLst>
-            <a:outerShdw blurRad="50800" dist="38100" dir="5400000" algn="t" rotWithShape="0">
-              <a:prstClr val="black">
-                <a:alpha val="40000"/>
-              </a:prstClr>
-            </a:outerShdw>
-          </a:effectLst>
-        </p:spPr>
-        <p:style>
-          <a:lnRef idx="1">
-            <a:schemeClr val="accent1"/>
-          </a:lnRef>
-          <a:fillRef idx="0">
-            <a:schemeClr val="accent1"/>
-          </a:fillRef>
-          <a:effectRef idx="0">
-            <a:schemeClr val="accent1"/>
-          </a:effectRef>
-          <a:fontRef idx="minor">
-            <a:schemeClr val="tx1"/>
-          </a:fontRef>
-        </p:style>
-      </p:cxnSp>
-      <p:sp>
-        <p:nvSpPr>
-          <p:cNvPr id="6" name="Content Placeholder 5">
-            <a:extLst>
-              <a:ext uri="{FF2B5EF4-FFF2-40B4-BE49-F238E27FC236}">
-                <a16:creationId xmlns:a16="http://schemas.microsoft.com/office/drawing/2014/main" id="{31019E4B-1C5C-1241-A949-18E41F72BCE7}"/>
-              </a:ext>
-            </a:extLst>
-          </p:cNvPr>
-          <p:cNvSpPr>
-            <a:spLocks noGrp="1"/>
-          </p:cNvSpPr>
-          <p:nvPr>
-            <p:ph idx="1"/>
-          </p:nvPr>
-        </p:nvSpPr>
-        <p:spPr>
-          <a:xfrm>
-            <a:off x="838200" y="6504766"/>
-            <a:ext cx="4784124" cy="365125"/>
-          </a:xfrm>
-        </p:spPr>
-        <p:txBody>
-          <a:bodyPr>
-            <a:normAutofit fontScale="62500" lnSpcReduction="20000"/>
-          </a:bodyPr>
-          <a:lstStyle/>
-          <a:p>
-            <a:pPr marL="0" indent="0">
-              <a:buNone/>
-            </a:pPr>
-            <a:r>
-              <a:rPr lang="en-US" sz="1800" dirty="0">
-                <a:hlinkClick r:id="rId2"/>
-              </a:rPr>
-              <a:t>https://dotnet.microsoft.com/apps/aspnet/apis</a:t>
-            </a:r>
-            <a:br>
-              <a:rPr lang="en-US" sz="1800" dirty="0"/>
-            </a:br>
-            <a:r>
-              <a:rPr lang="en-US" sz="1800" dirty="0">
-                <a:hlinkClick r:id="rId3"/>
-              </a:rPr>
-              <a:t>https://docs.microsoft.com/en-us/aspnet/web-api/</a:t>
-            </a:r>
-            <a:endParaRPr lang="en-US" altLang="zh-CN" sz="1800" dirty="0"/>
-          </a:p>
-        </p:txBody>
-      </p:sp>
-      <p:pic>
-        <p:nvPicPr>
-          <p:cNvPr id="7" name="Picture 6">
-            <a:extLst>
-              <a:ext uri="{FF2B5EF4-FFF2-40B4-BE49-F238E27FC236}">
-                <a16:creationId xmlns:a16="http://schemas.microsoft.com/office/drawing/2014/main" id="{55062B0B-7660-1847-8045-75440BDB96D3}"/>
-              </a:ext>
-            </a:extLst>
-          </p:cNvPr>
-          <p:cNvPicPr>
-            <a:picLocks noChangeAspect="1"/>
-          </p:cNvPicPr>
-          <p:nvPr/>
-        </p:nvPicPr>
-        <p:blipFill>
-          <a:blip r:embed="rId4"/>
-          <a:stretch>
-            <a:fillRect/>
-          </a:stretch>
-        </p:blipFill>
-        <p:spPr>
-          <a:xfrm>
-            <a:off x="838200" y="1526046"/>
-            <a:ext cx="7587049" cy="4842936"/>
-          </a:xfrm>
-          <a:prstGeom prst="rect">
-            <a:avLst/>
-          </a:prstGeom>
-        </p:spPr>
-      </p:pic>
-    </p:spTree>
-    <p:extLst>
-      <p:ext uri="{BB962C8B-B14F-4D97-AF65-F5344CB8AC3E}">
-        <p14:creationId xmlns:p14="http://schemas.microsoft.com/office/powerpoint/2010/main" val="405928421"/>
-      </p:ext>
-    </p:extLst>
-  </p:cSld>
-  <p:clrMapOvr>
-    <a:masterClrMapping/>
-  </p:clrMapOvr>
-</p:sld>
-</file>
-
-<file path=ppt/slides/slide7.xml><?xml version="1.0" encoding="utf-8"?>
-<p:sld xmlns:a="http://schemas.openxmlformats.org/drawingml/2006/main" xmlns:r="http://schemas.openxmlformats.org/officeDocument/2006/relationships" xmlns:p="http://schemas.openxmlformats.org/presentationml/2006/main">
-  <p:cSld>
-    <p:spTree>
-      <p:nvGrpSpPr>
-        <p:cNvPr id="1" name=""/>
-        <p:cNvGrpSpPr/>
-        <p:nvPr/>
-      </p:nvGrpSpPr>
-      <p:grpSpPr>
-        <a:xfrm>
-          <a:off x="0" y="0"/>
-          <a:ext cx="0" cy="0"/>
-          <a:chOff x="0" y="0"/>
-          <a:chExt cx="0" cy="0"/>
-        </a:xfrm>
-      </p:grpSpPr>
-      <p:sp>
-        <p:nvSpPr>
-          <p:cNvPr id="2" name="Title 1">
-            <a:extLst>
-              <a:ext uri="{FF2B5EF4-FFF2-40B4-BE49-F238E27FC236}">
-                <a16:creationId xmlns:a16="http://schemas.microsoft.com/office/drawing/2014/main" id="{DB8C63B4-83B2-4F2F-AFC3-4CDA44E75BA5}"/>
-              </a:ext>
-            </a:extLst>
-          </p:cNvPr>
-          <p:cNvSpPr>
-            <a:spLocks noGrp="1"/>
-          </p:cNvSpPr>
-          <p:nvPr>
-            <p:ph type="title"/>
-          </p:nvPr>
-        </p:nvSpPr>
-        <p:spPr/>
-        <p:txBody>
-          <a:bodyPr/>
-          <a:lstStyle/>
-          <a:p>
-            <a:r>
-              <a:rPr lang="en-US" dirty="0"/>
-              <a:t>ASP.NET Web API-What does it look like?</a:t>
-            </a:r>
-          </a:p>
-        </p:txBody>
-      </p:sp>
-      <p:cxnSp>
-        <p:nvCxnSpPr>
-          <p:cNvPr id="4" name="Straight Connector 3">
-            <a:extLst>
-              <a:ext uri="{FF2B5EF4-FFF2-40B4-BE49-F238E27FC236}">
-                <a16:creationId xmlns:a16="http://schemas.microsoft.com/office/drawing/2014/main" id="{4E074329-75FF-4700-9DA3-03CD0E642D1E}"/>
-              </a:ext>
-            </a:extLst>
-          </p:cNvPr>
-          <p:cNvCxnSpPr>
-            <a:cxnSpLocks/>
-          </p:cNvCxnSpPr>
-          <p:nvPr/>
-        </p:nvCxnSpPr>
-        <p:spPr>
-          <a:xfrm>
-            <a:off x="838200" y="1390261"/>
-            <a:ext cx="10246567" cy="0"/>
-          </a:xfrm>
-          <a:prstGeom prst="line">
-            <a:avLst/>
-          </a:prstGeom>
-          <a:ln w="28575"/>
-          <a:effectLst>
-            <a:outerShdw blurRad="50800" dist="38100" dir="5400000" algn="t" rotWithShape="0">
-              <a:prstClr val="black">
-                <a:alpha val="40000"/>
-              </a:prstClr>
-            </a:outerShdw>
-          </a:effectLst>
-        </p:spPr>
-        <p:style>
-          <a:lnRef idx="1">
-            <a:schemeClr val="accent1"/>
-          </a:lnRef>
-          <a:fillRef idx="0">
-            <a:schemeClr val="accent1"/>
-          </a:fillRef>
-          <a:effectRef idx="0">
-            <a:schemeClr val="accent1"/>
-          </a:effectRef>
-          <a:fontRef idx="minor">
-            <a:schemeClr val="tx1"/>
-          </a:fontRef>
-        </p:style>
-      </p:cxnSp>
-      <p:pic>
-        <p:nvPicPr>
-          <p:cNvPr id="3" name="Content Placeholder 2">
-            <a:extLst>
-              <a:ext uri="{FF2B5EF4-FFF2-40B4-BE49-F238E27FC236}">
-                <a16:creationId xmlns:a16="http://schemas.microsoft.com/office/drawing/2014/main" id="{4E01145C-B188-FD45-BE43-290249901E6F}"/>
-              </a:ext>
-            </a:extLst>
-          </p:cNvPr>
-          <p:cNvPicPr>
-            <a:picLocks noGrp="1" noChangeAspect="1"/>
-          </p:cNvPicPr>
-          <p:nvPr>
-            <p:ph idx="1"/>
-          </p:nvPr>
-        </p:nvPicPr>
-        <p:blipFill>
-          <a:blip r:embed="rId2"/>
-          <a:stretch>
-            <a:fillRect/>
-          </a:stretch>
-        </p:blipFill>
-        <p:spPr>
-          <a:xfrm>
-            <a:off x="2059939" y="1825625"/>
-            <a:ext cx="8072122" cy="4351338"/>
-          </a:xfrm>
-          <a:prstGeom prst="rect">
-            <a:avLst/>
-          </a:prstGeom>
-        </p:spPr>
-      </p:pic>
-    </p:spTree>
-    <p:extLst>
-      <p:ext uri="{BB962C8B-B14F-4D97-AF65-F5344CB8AC3E}">
-        <p14:creationId xmlns:p14="http://schemas.microsoft.com/office/powerpoint/2010/main" val="3384756824"/>
-      </p:ext>
-    </p:extLst>
-  </p:cSld>
-  <p:clrMapOvr>
-    <a:masterClrMapping/>
-  </p:clrMapOvr>
-</p:sld>
-</file>
-
-<file path=ppt/slides/slide8.xml><?xml version="1.0" encoding="utf-8"?>
-<p:sld xmlns:a="http://schemas.openxmlformats.org/drawingml/2006/main" xmlns:r="http://schemas.openxmlformats.org/officeDocument/2006/relationships" xmlns:p="http://schemas.openxmlformats.org/presentationml/2006/main">
-  <p:cSld>
-    <p:spTree>
-      <p:nvGrpSpPr>
-        <p:cNvPr id="1" name=""/>
-        <p:cNvGrpSpPr/>
-        <p:nvPr/>
-      </p:nvGrpSpPr>
-      <p:grpSpPr>
-        <a:xfrm>
-          <a:off x="0" y="0"/>
-          <a:ext cx="0" cy="0"/>
-          <a:chOff x="0" y="0"/>
-          <a:chExt cx="0" cy="0"/>
-        </a:xfrm>
-      </p:grpSpPr>
-      <p:sp>
-        <p:nvSpPr>
-          <p:cNvPr id="2" name="Title 1">
-            <a:extLst>
-              <a:ext uri="{FF2B5EF4-FFF2-40B4-BE49-F238E27FC236}">
-                <a16:creationId xmlns:a16="http://schemas.microsoft.com/office/drawing/2014/main" id="{DB8C63B4-83B2-4F2F-AFC3-4CDA44E75BA5}"/>
-              </a:ext>
-            </a:extLst>
-          </p:cNvPr>
-          <p:cNvSpPr>
-            <a:spLocks noGrp="1"/>
-          </p:cNvSpPr>
-          <p:nvPr>
-            <p:ph type="title"/>
-          </p:nvPr>
-        </p:nvSpPr>
-        <p:spPr/>
-        <p:txBody>
-          <a:bodyPr/>
-          <a:lstStyle/>
-          <a:p>
-            <a:r>
-              <a:rPr lang="en-US" dirty="0"/>
-              <a:t>ASP.NET Web API-Access from</a:t>
-            </a:r>
-            <a:r>
-              <a:rPr lang="zh-CN" altLang="en-US" dirty="0"/>
-              <a:t> </a:t>
-            </a:r>
-            <a:r>
-              <a:rPr lang="en-US" altLang="zh-CN" dirty="0"/>
-              <a:t>Postman</a:t>
-            </a:r>
-            <a:endParaRPr lang="en-US" dirty="0"/>
-          </a:p>
-        </p:txBody>
-      </p:sp>
-      <p:cxnSp>
-        <p:nvCxnSpPr>
-          <p:cNvPr id="4" name="Straight Connector 3">
-            <a:extLst>
-              <a:ext uri="{FF2B5EF4-FFF2-40B4-BE49-F238E27FC236}">
-                <a16:creationId xmlns:a16="http://schemas.microsoft.com/office/drawing/2014/main" id="{4E074329-75FF-4700-9DA3-03CD0E642D1E}"/>
-              </a:ext>
-            </a:extLst>
-          </p:cNvPr>
-          <p:cNvCxnSpPr>
-            <a:cxnSpLocks/>
-          </p:cNvCxnSpPr>
-          <p:nvPr/>
-        </p:nvCxnSpPr>
-        <p:spPr>
-          <a:xfrm>
-            <a:off x="838200" y="1390261"/>
-            <a:ext cx="10246567" cy="0"/>
-          </a:xfrm>
-          <a:prstGeom prst="line">
-            <a:avLst/>
-          </a:prstGeom>
-          <a:ln w="28575"/>
-          <a:effectLst>
-            <a:outerShdw blurRad="50800" dist="38100" dir="5400000" algn="t" rotWithShape="0">
-              <a:prstClr val="black">
-                <a:alpha val="40000"/>
-              </a:prstClr>
-            </a:outerShdw>
-          </a:effectLst>
-        </p:spPr>
-        <p:style>
-          <a:lnRef idx="1">
-            <a:schemeClr val="accent1"/>
-          </a:lnRef>
-          <a:fillRef idx="0">
-            <a:schemeClr val="accent1"/>
-          </a:fillRef>
-          <a:effectRef idx="0">
-            <a:schemeClr val="accent1"/>
-          </a:effectRef>
-          <a:fontRef idx="minor">
-            <a:schemeClr val="tx1"/>
-          </a:fontRef>
-        </p:style>
-      </p:cxnSp>
-      <p:pic>
-        <p:nvPicPr>
-          <p:cNvPr id="3" name="Content Placeholder 2">
-            <a:extLst>
-              <a:ext uri="{FF2B5EF4-FFF2-40B4-BE49-F238E27FC236}">
-                <a16:creationId xmlns:a16="http://schemas.microsoft.com/office/drawing/2014/main" id="{FE6C1090-8E09-BB49-869D-697C2257B3D6}"/>
-              </a:ext>
-            </a:extLst>
-          </p:cNvPr>
-          <p:cNvPicPr>
-            <a:picLocks noGrp="1" noChangeAspect="1"/>
-          </p:cNvPicPr>
-          <p:nvPr>
-            <p:ph idx="1"/>
-          </p:nvPr>
-        </p:nvPicPr>
-        <p:blipFill>
-          <a:blip r:embed="rId2"/>
-          <a:stretch>
-            <a:fillRect/>
-          </a:stretch>
-        </p:blipFill>
-        <p:spPr>
-          <a:xfrm>
-            <a:off x="3039275" y="1825625"/>
-            <a:ext cx="6113450" cy="4351338"/>
-          </a:xfrm>
-          <a:prstGeom prst="rect">
-            <a:avLst/>
-          </a:prstGeom>
-        </p:spPr>
-      </p:pic>
-    </p:spTree>
-    <p:extLst>
-      <p:ext uri="{BB962C8B-B14F-4D97-AF65-F5344CB8AC3E}">
-        <p14:creationId xmlns:p14="http://schemas.microsoft.com/office/powerpoint/2010/main" val="3756172705"/>
-      </p:ext>
-    </p:extLst>
-  </p:cSld>
-  <p:clrMapOvr>
-    <a:masterClrMapping/>
-  </p:clrMapOvr>
-</p:sld>
-</file>
-
-<file path=ppt/slides/slide9.xml><?xml version="1.0" encoding="utf-8"?>
-<p:sld xmlns:a="http://schemas.openxmlformats.org/drawingml/2006/main" xmlns:r="http://schemas.openxmlformats.org/officeDocument/2006/relationships" xmlns:p="http://schemas.openxmlformats.org/presentationml/2006/main">
-  <p:cSld>
-    <p:spTree>
-      <p:nvGrpSpPr>
-        <p:cNvPr id="1" name=""/>
-        <p:cNvGrpSpPr/>
-        <p:nvPr/>
-      </p:nvGrpSpPr>
-      <p:grpSpPr>
-        <a:xfrm>
-          <a:off x="0" y="0"/>
-          <a:ext cx="0" cy="0"/>
-          <a:chOff x="0" y="0"/>
-          <a:chExt cx="0" cy="0"/>
-        </a:xfrm>
-      </p:grpSpPr>
-      <p:sp>
-        <p:nvSpPr>
-          <p:cNvPr id="2" name="Title 1">
-            <a:extLst>
-              <a:ext uri="{FF2B5EF4-FFF2-40B4-BE49-F238E27FC236}">
-                <a16:creationId xmlns:a16="http://schemas.microsoft.com/office/drawing/2014/main" id="{DB8C63B4-83B2-4F2F-AFC3-4CDA44E75BA5}"/>
-              </a:ext>
-            </a:extLst>
-          </p:cNvPr>
-          <p:cNvSpPr>
-            <a:spLocks noGrp="1"/>
-          </p:cNvSpPr>
-          <p:nvPr>
-            <p:ph type="title"/>
-          </p:nvPr>
-        </p:nvSpPr>
-        <p:spPr/>
-        <p:txBody>
-          <a:bodyPr/>
-          <a:lstStyle/>
-          <a:p>
-            <a:r>
-              <a:rPr lang="en-US" dirty="0"/>
-              <a:t>ASP.NET Web API-</a:t>
-            </a:r>
-            <a:r>
-              <a:rPr lang="en-US" altLang="zh-CN" dirty="0"/>
-              <a:t>Request</a:t>
-            </a:r>
-            <a:r>
-              <a:rPr lang="zh-CN" altLang="en-US" dirty="0"/>
-              <a:t> </a:t>
-            </a:r>
-            <a:r>
-              <a:rPr lang="en-US" altLang="zh-CN" dirty="0"/>
-              <a:t>Process</a:t>
-            </a:r>
-            <a:r>
-              <a:rPr lang="zh-CN" altLang="en-US" dirty="0"/>
-              <a:t> </a:t>
-            </a:r>
-            <a:r>
-              <a:rPr lang="en-US" altLang="zh-CN" dirty="0"/>
-              <a:t>Pipeline</a:t>
-            </a:r>
-            <a:endParaRPr lang="en-US" dirty="0"/>
-          </a:p>
-        </p:txBody>
-      </p:sp>
-      <p:cxnSp>
-        <p:nvCxnSpPr>
-          <p:cNvPr id="4" name="Straight Connector 3">
-            <a:extLst>
-              <a:ext uri="{FF2B5EF4-FFF2-40B4-BE49-F238E27FC236}">
-                <a16:creationId xmlns:a16="http://schemas.microsoft.com/office/drawing/2014/main" id="{4E074329-75FF-4700-9DA3-03CD0E642D1E}"/>
-              </a:ext>
-            </a:extLst>
-          </p:cNvPr>
-          <p:cNvCxnSpPr>
-            <a:cxnSpLocks/>
-          </p:cNvCxnSpPr>
-          <p:nvPr/>
-        </p:nvCxnSpPr>
-        <p:spPr>
-          <a:xfrm>
-            <a:off x="838200" y="1390261"/>
-            <a:ext cx="10246567" cy="0"/>
-          </a:xfrm>
-          <a:prstGeom prst="line">
-            <a:avLst/>
-          </a:prstGeom>
-          <a:ln w="28575"/>
-          <a:effectLst>
-            <a:outerShdw blurRad="50800" dist="38100" dir="5400000" algn="t" rotWithShape="0">
-              <a:prstClr val="black">
-                <a:alpha val="40000"/>
-              </a:prstClr>
-            </a:outerShdw>
-          </a:effectLst>
-        </p:spPr>
-        <p:style>
-          <a:lnRef idx="1">
-            <a:schemeClr val="accent1"/>
-          </a:lnRef>
-          <a:fillRef idx="0">
-            <a:schemeClr val="accent1"/>
-          </a:fillRef>
-          <a:effectRef idx="0">
-            <a:schemeClr val="accent1"/>
-          </a:effectRef>
-          <a:fontRef idx="minor">
-            <a:schemeClr val="tx1"/>
-          </a:fontRef>
-        </p:style>
-      </p:cxnSp>
-      <p:pic>
-        <p:nvPicPr>
-          <p:cNvPr id="10" name="Content Placeholder 9">
-            <a:extLst>
-              <a:ext uri="{FF2B5EF4-FFF2-40B4-BE49-F238E27FC236}">
-                <a16:creationId xmlns:a16="http://schemas.microsoft.com/office/drawing/2014/main" id="{15AF98E7-4E7A-A743-96FF-D2F665E1F9C1}"/>
-              </a:ext>
-            </a:extLst>
-          </p:cNvPr>
-          <p:cNvPicPr>
-            <a:picLocks noGrp="1" noChangeAspect="1"/>
-          </p:cNvPicPr>
-          <p:nvPr>
-            <p:ph idx="1"/>
-          </p:nvPr>
-        </p:nvPicPr>
-        <p:blipFill>
-          <a:blip r:embed="rId2">
-            <a:extLst>
-              <a:ext uri="{28A0092B-C50C-407E-A947-70E740481C1C}">
-                <a14:useLocalDpi xmlns:a14="http://schemas.microsoft.com/office/drawing/2010/main" val="0"/>
-              </a:ext>
-            </a:extLst>
-          </a:blip>
-          <a:stretch>
-            <a:fillRect/>
-          </a:stretch>
-        </p:blipFill>
-        <p:spPr>
-          <a:xfrm>
-            <a:off x="3991233" y="1496083"/>
-            <a:ext cx="4399006" cy="5235940"/>
-          </a:xfrm>
-        </p:spPr>
-      </p:pic>
-    </p:spTree>
-    <p:extLst>
-      <p:ext uri="{BB962C8B-B14F-4D97-AF65-F5344CB8AC3E}">
-        <p14:creationId xmlns:p14="http://schemas.microsoft.com/office/powerpoint/2010/main" val="3564999295"/>
       </p:ext>
     </p:extLst>
   </p:cSld>

--- a/RestApiIntroduction.pptx
+++ b/RestApiIntroduction.pptx
@@ -218,7 +218,7 @@
           <a:p>
             <a:fld id="{F345A3A0-5793-4964-9E63-3A56D19EF08F}" type="datetimeFigureOut">
               <a:rPr lang="en-US" smtClean="0"/>
-              <a:t>4/2/2019</a:t>
+              <a:t>4/3/2019</a:t>
             </a:fld>
             <a:endParaRPr lang="en-US"/>
           </a:p>
@@ -716,7 +716,7 @@
           <a:p>
             <a:fld id="{52EA2E7D-A963-4627-B7B5-FDE44A515633}" type="datetimeFigureOut">
               <a:rPr lang="en-US" smtClean="0"/>
-              <a:t>4/2/2019</a:t>
+              <a:t>4/3/2019</a:t>
             </a:fld>
             <a:endParaRPr lang="en-US"/>
           </a:p>
@@ -914,7 +914,7 @@
           <a:p>
             <a:fld id="{52EA2E7D-A963-4627-B7B5-FDE44A515633}" type="datetimeFigureOut">
               <a:rPr lang="en-US" smtClean="0"/>
-              <a:t>4/2/2019</a:t>
+              <a:t>4/3/2019</a:t>
             </a:fld>
             <a:endParaRPr lang="en-US"/>
           </a:p>
@@ -1122,7 +1122,7 @@
           <a:p>
             <a:fld id="{52EA2E7D-A963-4627-B7B5-FDE44A515633}" type="datetimeFigureOut">
               <a:rPr lang="en-US" smtClean="0"/>
-              <a:t>4/2/2019</a:t>
+              <a:t>4/3/2019</a:t>
             </a:fld>
             <a:endParaRPr lang="en-US"/>
           </a:p>
@@ -1320,7 +1320,7 @@
           <a:p>
             <a:fld id="{52EA2E7D-A963-4627-B7B5-FDE44A515633}" type="datetimeFigureOut">
               <a:rPr lang="en-US" smtClean="0"/>
-              <a:t>4/2/2019</a:t>
+              <a:t>4/3/2019</a:t>
             </a:fld>
             <a:endParaRPr lang="en-US"/>
           </a:p>
@@ -1595,7 +1595,7 @@
           <a:p>
             <a:fld id="{52EA2E7D-A963-4627-B7B5-FDE44A515633}" type="datetimeFigureOut">
               <a:rPr lang="en-US" smtClean="0"/>
-              <a:t>4/2/2019</a:t>
+              <a:t>4/3/2019</a:t>
             </a:fld>
             <a:endParaRPr lang="en-US"/>
           </a:p>
@@ -1860,7 +1860,7 @@
           <a:p>
             <a:fld id="{52EA2E7D-A963-4627-B7B5-FDE44A515633}" type="datetimeFigureOut">
               <a:rPr lang="en-US" smtClean="0"/>
-              <a:t>4/2/2019</a:t>
+              <a:t>4/3/2019</a:t>
             </a:fld>
             <a:endParaRPr lang="en-US"/>
           </a:p>
@@ -2272,7 +2272,7 @@
           <a:p>
             <a:fld id="{52EA2E7D-A963-4627-B7B5-FDE44A515633}" type="datetimeFigureOut">
               <a:rPr lang="en-US" smtClean="0"/>
-              <a:t>4/2/2019</a:t>
+              <a:t>4/3/2019</a:t>
             </a:fld>
             <a:endParaRPr lang="en-US"/>
           </a:p>
@@ -2413,7 +2413,7 @@
           <a:p>
             <a:fld id="{52EA2E7D-A963-4627-B7B5-FDE44A515633}" type="datetimeFigureOut">
               <a:rPr lang="en-US" smtClean="0"/>
-              <a:t>4/2/2019</a:t>
+              <a:t>4/3/2019</a:t>
             </a:fld>
             <a:endParaRPr lang="en-US"/>
           </a:p>
@@ -2526,7 +2526,7 @@
           <a:p>
             <a:fld id="{52EA2E7D-A963-4627-B7B5-FDE44A515633}" type="datetimeFigureOut">
               <a:rPr lang="en-US" smtClean="0"/>
-              <a:t>4/2/2019</a:t>
+              <a:t>4/3/2019</a:t>
             </a:fld>
             <a:endParaRPr lang="en-US"/>
           </a:p>
@@ -2837,7 +2837,7 @@
           <a:p>
             <a:fld id="{52EA2E7D-A963-4627-B7B5-FDE44A515633}" type="datetimeFigureOut">
               <a:rPr lang="en-US" smtClean="0"/>
-              <a:t>4/2/2019</a:t>
+              <a:t>4/3/2019</a:t>
             </a:fld>
             <a:endParaRPr lang="en-US"/>
           </a:p>
@@ -3125,7 +3125,7 @@
           <a:p>
             <a:fld id="{52EA2E7D-A963-4627-B7B5-FDE44A515633}" type="datetimeFigureOut">
               <a:rPr lang="en-US" smtClean="0"/>
-              <a:t>4/2/2019</a:t>
+              <a:t>4/3/2019</a:t>
             </a:fld>
             <a:endParaRPr lang="en-US"/>
           </a:p>
@@ -3366,7 +3366,7 @@
           <a:p>
             <a:fld id="{52EA2E7D-A963-4627-B7B5-FDE44A515633}" type="datetimeFigureOut">
               <a:rPr lang="en-US" smtClean="0"/>
-              <a:t>4/2/2019</a:t>
+              <a:t>4/3/2019</a:t>
             </a:fld>
             <a:endParaRPr lang="en-US"/>
           </a:p>
@@ -4031,7 +4031,7 @@
         <p:spPr>
           <a:xfrm>
             <a:off x="838200" y="1825625"/>
-            <a:ext cx="10515600" cy="4351338"/>
+            <a:ext cx="7736285" cy="996170"/>
           </a:xfrm>
           <a:prstGeom prst="rect">
             <a:avLst/>
@@ -4083,10 +4083,518 @@
               <a:rPr lang="en-US" altLang="zh-CN" b="1" dirty="0"/>
               <a:t>protocol</a:t>
             </a:r>
-            <a:endParaRPr lang="en-US" b="1" dirty="0"/>
-          </a:p>
-        </p:txBody>
-      </p:sp>
+          </a:p>
+          <a:p>
+            <a:pPr marL="342900" indent="-342900">
+              <a:buFont typeface="Arial" panose="020B0604020202020204" pitchFamily="34" charset="0"/>
+              <a:buChar char="•"/>
+            </a:pPr>
+            <a:r>
+              <a:rPr lang="en-US" b="1" dirty="0"/>
+              <a:t>RESTful Web </a:t>
+            </a:r>
+            <a:r>
+              <a:rPr lang="en-US" b="1" dirty="0" err="1"/>
+              <a:t>Api</a:t>
+            </a:r>
+            <a:r>
+              <a:rPr lang="en-US" b="1" dirty="0"/>
+              <a:t> is RESTful </a:t>
+            </a:r>
+            <a:r>
+              <a:rPr lang="en-US" b="1" dirty="0" err="1"/>
+              <a:t>Api</a:t>
+            </a:r>
+            <a:r>
+              <a:rPr lang="en-US" b="1" dirty="0"/>
+              <a:t> on HTTP protocol</a:t>
+            </a:r>
+          </a:p>
+        </p:txBody>
+      </p:sp>
+      <p:graphicFrame>
+        <p:nvGraphicFramePr>
+          <p:cNvPr id="5" name="Content Placeholder 4">
+            <a:extLst>
+              <a:ext uri="{FF2B5EF4-FFF2-40B4-BE49-F238E27FC236}">
+                <a16:creationId xmlns:a16="http://schemas.microsoft.com/office/drawing/2014/main" id="{A09D4090-82AF-464A-B642-B41C73D90A14}"/>
+              </a:ext>
+            </a:extLst>
+          </p:cNvPr>
+          <p:cNvGraphicFramePr>
+            <a:graphicFrameLocks/>
+          </p:cNvGraphicFramePr>
+          <p:nvPr>
+            <p:extLst>
+              <p:ext uri="{D42A27DB-BD31-4B8C-83A1-F6EECF244321}">
+                <p14:modId xmlns:p14="http://schemas.microsoft.com/office/powerpoint/2010/main" val="2767819193"/>
+              </p:ext>
+            </p:extLst>
+          </p:nvPr>
+        </p:nvGraphicFramePr>
+        <p:xfrm>
+          <a:off x="838200" y="2956732"/>
+          <a:ext cx="10515600" cy="3611095"/>
+        </p:xfrm>
+        <a:graphic>
+          <a:graphicData uri="http://schemas.openxmlformats.org/drawingml/2006/table">
+            <a:tbl>
+              <a:tblPr/>
+              <a:tblGrid>
+                <a:gridCol w="5257800">
+                  <a:extLst>
+                    <a:ext uri="{9D8B030D-6E8A-4147-A177-3AD203B41FA5}">
+                      <a16:colId xmlns:a16="http://schemas.microsoft.com/office/drawing/2014/main" val="566390622"/>
+                    </a:ext>
+                  </a:extLst>
+                </a:gridCol>
+                <a:gridCol w="5257800">
+                  <a:extLst>
+                    <a:ext uri="{9D8B030D-6E8A-4147-A177-3AD203B41FA5}">
+                      <a16:colId xmlns:a16="http://schemas.microsoft.com/office/drawing/2014/main" val="1796466493"/>
+                    </a:ext>
+                  </a:extLst>
+                </a:gridCol>
+              </a:tblGrid>
+              <a:tr h="456625">
+                <a:tc>
+                  <a:txBody>
+                    <a:bodyPr/>
+                    <a:lstStyle/>
+                    <a:p>
+                      <a:pPr algn="ctr"/>
+                      <a:r>
+                        <a:rPr lang="en-US" dirty="0"/>
+                        <a:t>HTTP Method</a:t>
+                      </a:r>
+                    </a:p>
+                  </a:txBody>
+                  <a:tcPr anchor="ctr">
+                    <a:lnL>
+                      <a:noFill/>
+                    </a:lnL>
+                    <a:lnR>
+                      <a:noFill/>
+                    </a:lnR>
+                    <a:lnT>
+                      <a:noFill/>
+                    </a:lnT>
+                    <a:lnB>
+                      <a:noFill/>
+                    </a:lnB>
+                    <a:solidFill>
+                      <a:srgbClr val="039ACC"/>
+                    </a:solidFill>
+                  </a:tcPr>
+                </a:tc>
+                <a:tc>
+                  <a:txBody>
+                    <a:bodyPr/>
+                    <a:lstStyle/>
+                    <a:p>
+                      <a:pPr algn="ctr"/>
+                      <a:r>
+                        <a:rPr lang="en-US" dirty="0"/>
+                        <a:t>Operation</a:t>
+                      </a:r>
+                    </a:p>
+                  </a:txBody>
+                  <a:tcPr anchor="ctr">
+                    <a:lnL>
+                      <a:noFill/>
+                    </a:lnL>
+                    <a:lnR>
+                      <a:noFill/>
+                    </a:lnR>
+                    <a:lnT>
+                      <a:noFill/>
+                    </a:lnT>
+                    <a:lnB>
+                      <a:noFill/>
+                    </a:lnB>
+                    <a:solidFill>
+                      <a:srgbClr val="039ACC"/>
+                    </a:solidFill>
+                  </a:tcPr>
+                </a:tc>
+                <a:extLst>
+                  <a:ext uri="{0D108BD9-81ED-4DB2-BD59-A6C34878D82A}">
+                    <a16:rowId xmlns:a16="http://schemas.microsoft.com/office/drawing/2014/main" val="1181733703"/>
+                  </a:ext>
+                </a:extLst>
+              </a:tr>
+              <a:tr h="799093">
+                <a:tc>
+                  <a:txBody>
+                    <a:bodyPr/>
+                    <a:lstStyle/>
+                    <a:p>
+                      <a:pPr algn="ctr"/>
+                      <a:r>
+                        <a:rPr lang="en-US" sz="1800" kern="1200" dirty="0">
+                          <a:solidFill>
+                            <a:schemeClr val="tx1"/>
+                          </a:solidFill>
+                          <a:latin typeface="+mn-lt"/>
+                          <a:ea typeface="+mn-ea"/>
+                          <a:cs typeface="+mn-cs"/>
+                        </a:rPr>
+                        <a:t>POST</a:t>
+                      </a:r>
+                    </a:p>
+                  </a:txBody>
+                  <a:tcPr anchor="ctr">
+                    <a:lnL>
+                      <a:noFill/>
+                    </a:lnL>
+                    <a:lnR>
+                      <a:noFill/>
+                    </a:lnR>
+                    <a:lnT>
+                      <a:noFill/>
+                    </a:lnT>
+                    <a:lnB>
+                      <a:noFill/>
+                    </a:lnB>
+                  </a:tcPr>
+                </a:tc>
+                <a:tc>
+                  <a:txBody>
+                    <a:bodyPr/>
+                    <a:lstStyle/>
+                    <a:p>
+                      <a:pPr algn="ctr"/>
+                      <a:r>
+                        <a:rPr lang="en-US" dirty="0"/>
+                        <a:t>Create</a:t>
+                      </a:r>
+                    </a:p>
+                  </a:txBody>
+                  <a:tcPr anchor="ctr">
+                    <a:lnL>
+                      <a:noFill/>
+                    </a:lnL>
+                    <a:lnR>
+                      <a:noFill/>
+                    </a:lnR>
+                    <a:lnT>
+                      <a:noFill/>
+                    </a:lnT>
+                    <a:lnB>
+                      <a:noFill/>
+                    </a:lnB>
+                  </a:tcPr>
+                </a:tc>
+                <a:extLst>
+                  <a:ext uri="{0D108BD9-81ED-4DB2-BD59-A6C34878D82A}">
+                    <a16:rowId xmlns:a16="http://schemas.microsoft.com/office/drawing/2014/main" val="2089928514"/>
+                  </a:ext>
+                </a:extLst>
+              </a:tr>
+              <a:tr h="456625">
+                <a:tc>
+                  <a:txBody>
+                    <a:bodyPr/>
+                    <a:lstStyle/>
+                    <a:p>
+                      <a:pPr algn="ctr"/>
+                      <a:r>
+                        <a:rPr lang="en-US" dirty="0"/>
+                        <a:t>GET</a:t>
+                      </a:r>
+                    </a:p>
+                  </a:txBody>
+                  <a:tcPr anchor="ctr">
+                    <a:lnL>
+                      <a:noFill/>
+                    </a:lnL>
+                    <a:lnR>
+                      <a:noFill/>
+                    </a:lnR>
+                    <a:lnT>
+                      <a:noFill/>
+                    </a:lnT>
+                    <a:lnB>
+                      <a:noFill/>
+                    </a:lnB>
+                  </a:tcPr>
+                </a:tc>
+                <a:tc>
+                  <a:txBody>
+                    <a:bodyPr/>
+                    <a:lstStyle/>
+                    <a:p>
+                      <a:pPr algn="ctr"/>
+                      <a:r>
+                        <a:rPr lang="en-US" dirty="0"/>
+                        <a:t>Read</a:t>
+                      </a:r>
+                    </a:p>
+                  </a:txBody>
+                  <a:tcPr anchor="ctr">
+                    <a:lnL>
+                      <a:noFill/>
+                    </a:lnL>
+                    <a:lnR>
+                      <a:noFill/>
+                    </a:lnR>
+                    <a:lnT>
+                      <a:noFill/>
+                    </a:lnT>
+                    <a:lnB>
+                      <a:noFill/>
+                    </a:lnB>
+                  </a:tcPr>
+                </a:tc>
+                <a:extLst>
+                  <a:ext uri="{0D108BD9-81ED-4DB2-BD59-A6C34878D82A}">
+                    <a16:rowId xmlns:a16="http://schemas.microsoft.com/office/drawing/2014/main" val="1840146678"/>
+                  </a:ext>
+                </a:extLst>
+              </a:tr>
+              <a:tr h="528877">
+                <a:tc>
+                  <a:txBody>
+                    <a:bodyPr/>
+                    <a:lstStyle/>
+                    <a:p>
+                      <a:pPr algn="ctr"/>
+                      <a:r>
+                        <a:rPr lang="en-US" sz="1800" kern="1200" dirty="0">
+                          <a:solidFill>
+                            <a:schemeClr val="tx1"/>
+                          </a:solidFill>
+                          <a:latin typeface="+mn-lt"/>
+                          <a:ea typeface="+mn-ea"/>
+                          <a:cs typeface="+mn-cs"/>
+                        </a:rPr>
+                        <a:t>PUT</a:t>
+                      </a:r>
+                    </a:p>
+                  </a:txBody>
+                  <a:tcPr anchor="ctr">
+                    <a:lnL>
+                      <a:noFill/>
+                    </a:lnL>
+                    <a:lnR>
+                      <a:noFill/>
+                    </a:lnR>
+                    <a:lnT>
+                      <a:noFill/>
+                    </a:lnT>
+                    <a:lnB>
+                      <a:noFill/>
+                    </a:lnB>
+                  </a:tcPr>
+                </a:tc>
+                <a:tc>
+                  <a:txBody>
+                    <a:bodyPr/>
+                    <a:lstStyle/>
+                    <a:p>
+                      <a:pPr algn="ctr"/>
+                      <a:r>
+                        <a:rPr lang="en-US" dirty="0"/>
+                        <a:t>Update</a:t>
+                      </a:r>
+                    </a:p>
+                  </a:txBody>
+                  <a:tcPr anchor="ctr">
+                    <a:lnL>
+                      <a:noFill/>
+                    </a:lnL>
+                    <a:lnR>
+                      <a:noFill/>
+                    </a:lnR>
+                    <a:lnT>
+                      <a:noFill/>
+                    </a:lnT>
+                    <a:lnB>
+                      <a:noFill/>
+                    </a:lnB>
+                  </a:tcPr>
+                </a:tc>
+                <a:extLst>
+                  <a:ext uri="{0D108BD9-81ED-4DB2-BD59-A6C34878D82A}">
+                    <a16:rowId xmlns:a16="http://schemas.microsoft.com/office/drawing/2014/main" val="2995954813"/>
+                  </a:ext>
+                </a:extLst>
+              </a:tr>
+              <a:tr h="456625">
+                <a:tc>
+                  <a:txBody>
+                    <a:bodyPr/>
+                    <a:lstStyle/>
+                    <a:p>
+                      <a:pPr algn="ctr"/>
+                      <a:r>
+                        <a:rPr lang="en-US" dirty="0"/>
+                        <a:t>DELETE</a:t>
+                      </a:r>
+                    </a:p>
+                  </a:txBody>
+                  <a:tcPr anchor="ctr">
+                    <a:lnL>
+                      <a:noFill/>
+                    </a:lnL>
+                    <a:lnR>
+                      <a:noFill/>
+                    </a:lnR>
+                    <a:lnT>
+                      <a:noFill/>
+                    </a:lnT>
+                    <a:lnB>
+                      <a:noFill/>
+                    </a:lnB>
+                  </a:tcPr>
+                </a:tc>
+                <a:tc>
+                  <a:txBody>
+                    <a:bodyPr/>
+                    <a:lstStyle/>
+                    <a:p>
+                      <a:pPr algn="ctr"/>
+                      <a:r>
+                        <a:rPr lang="en-US" dirty="0"/>
+                        <a:t>Delete</a:t>
+                      </a:r>
+                    </a:p>
+                  </a:txBody>
+                  <a:tcPr anchor="ctr">
+                    <a:lnL>
+                      <a:noFill/>
+                    </a:lnL>
+                    <a:lnR>
+                      <a:noFill/>
+                    </a:lnR>
+                    <a:lnT>
+                      <a:noFill/>
+                    </a:lnT>
+                    <a:lnB>
+                      <a:noFill/>
+                    </a:lnB>
+                  </a:tcPr>
+                </a:tc>
+                <a:extLst>
+                  <a:ext uri="{0D108BD9-81ED-4DB2-BD59-A6C34878D82A}">
+                    <a16:rowId xmlns:a16="http://schemas.microsoft.com/office/drawing/2014/main" val="557819391"/>
+                  </a:ext>
+                </a:extLst>
+              </a:tr>
+              <a:tr h="456625">
+                <a:tc>
+                  <a:txBody>
+                    <a:bodyPr/>
+                    <a:lstStyle/>
+                    <a:p>
+                      <a:pPr algn="ctr"/>
+                      <a:endParaRPr lang="en-US" dirty="0"/>
+                    </a:p>
+                  </a:txBody>
+                  <a:tcPr anchor="ctr">
+                    <a:lnL>
+                      <a:noFill/>
+                    </a:lnL>
+                    <a:lnR>
+                      <a:noFill/>
+                    </a:lnR>
+                    <a:lnT>
+                      <a:noFill/>
+                    </a:lnT>
+                    <a:lnB>
+                      <a:noFill/>
+                    </a:lnB>
+                  </a:tcPr>
+                </a:tc>
+                <a:tc>
+                  <a:txBody>
+                    <a:bodyPr/>
+                    <a:lstStyle/>
+                    <a:p>
+                      <a:pPr algn="ctr"/>
+                      <a:endParaRPr lang="en-US" dirty="0"/>
+                    </a:p>
+                  </a:txBody>
+                  <a:tcPr anchor="ctr">
+                    <a:lnL>
+                      <a:noFill/>
+                    </a:lnL>
+                    <a:lnR>
+                      <a:noFill/>
+                    </a:lnR>
+                    <a:lnT>
+                      <a:noFill/>
+                    </a:lnT>
+                    <a:lnB>
+                      <a:noFill/>
+                    </a:lnB>
+                  </a:tcPr>
+                </a:tc>
+                <a:extLst>
+                  <a:ext uri="{0D108BD9-81ED-4DB2-BD59-A6C34878D82A}">
+                    <a16:rowId xmlns:a16="http://schemas.microsoft.com/office/drawing/2014/main" val="3746672590"/>
+                  </a:ext>
+                </a:extLst>
+              </a:tr>
+              <a:tr h="456625">
+                <a:tc>
+                  <a:txBody>
+                    <a:bodyPr/>
+                    <a:lstStyle/>
+                    <a:p>
+                      <a:pPr algn="ctr"/>
+                      <a:endParaRPr lang="en-US" dirty="0"/>
+                    </a:p>
+                  </a:txBody>
+                  <a:tcPr anchor="ctr">
+                    <a:lnL>
+                      <a:noFill/>
+                    </a:lnL>
+                    <a:lnR>
+                      <a:noFill/>
+                    </a:lnR>
+                    <a:lnT>
+                      <a:noFill/>
+                    </a:lnT>
+                    <a:lnB>
+                      <a:noFill/>
+                    </a:lnB>
+                  </a:tcPr>
+                </a:tc>
+                <a:tc>
+                  <a:txBody>
+                    <a:bodyPr/>
+                    <a:lstStyle/>
+                    <a:p>
+                      <a:pPr algn="ctr"/>
+                      <a:endParaRPr lang="en-US" dirty="0"/>
+                    </a:p>
+                  </a:txBody>
+                  <a:tcPr anchor="ctr">
+                    <a:lnL>
+                      <a:noFill/>
+                    </a:lnL>
+                    <a:lnR>
+                      <a:noFill/>
+                    </a:lnR>
+                    <a:lnT>
+                      <a:noFill/>
+                    </a:lnT>
+                    <a:lnB>
+                      <a:noFill/>
+                    </a:lnB>
+                  </a:tcPr>
+                </a:tc>
+                <a:extLst>
+                  <a:ext uri="{0D108BD9-81ED-4DB2-BD59-A6C34878D82A}">
+                    <a16:rowId xmlns:a16="http://schemas.microsoft.com/office/drawing/2014/main" val="295769017"/>
+                  </a:ext>
+                </a:extLst>
+              </a:tr>
+            </a:tbl>
+          </a:graphicData>
+        </a:graphic>
+      </p:graphicFrame>
     </p:spTree>
     <p:extLst>
       <p:ext uri="{BB962C8B-B14F-4D97-AF65-F5344CB8AC3E}">
@@ -4847,7 +5355,9 @@
         </p:nvSpPr>
         <p:spPr/>
         <p:txBody>
-          <a:bodyPr/>
+          <a:bodyPr>
+            <a:normAutofit/>
+          </a:bodyPr>
           <a:lstStyle/>
           <a:p>
             <a:r>
@@ -4859,6 +5369,65 @@
             <a:r>
               <a:rPr lang="en-US" dirty="0"/>
               <a:t>Authentication Handler</a:t>
+            </a:r>
+          </a:p>
+          <a:p>
+            <a:pPr marL="0" indent="0">
+              <a:buNone/>
+            </a:pPr>
+            <a:br>
+              <a:rPr lang="en-US" dirty="0">
+                <a:hlinkClick r:id="rId2"/>
+              </a:rPr>
+            </a:br>
+            <a:br>
+              <a:rPr lang="en-US" dirty="0">
+                <a:hlinkClick r:id="rId2"/>
+              </a:rPr>
+            </a:br>
+            <a:br>
+              <a:rPr lang="en-US" dirty="0">
+                <a:hlinkClick r:id="rId2"/>
+              </a:rPr>
+            </a:br>
+            <a:br>
+              <a:rPr lang="en-US" dirty="0">
+                <a:hlinkClick r:id="rId2"/>
+              </a:rPr>
+            </a:br>
+            <a:br>
+              <a:rPr lang="en-US" dirty="0">
+                <a:hlinkClick r:id="rId2"/>
+              </a:rPr>
+            </a:br>
+            <a:br>
+              <a:rPr lang="en-US" dirty="0">
+                <a:hlinkClick r:id="rId2"/>
+              </a:rPr>
+            </a:br>
+            <a:br>
+              <a:rPr lang="en-US" dirty="0">
+                <a:hlinkClick r:id="rId2"/>
+              </a:rPr>
+            </a:br>
+            <a:br>
+              <a:rPr lang="en-US" dirty="0"/>
+            </a:br>
+            <a:r>
+              <a:rPr lang="en-US" sz="1200" dirty="0">
+                <a:hlinkClick r:id="rId3"/>
+              </a:rPr>
+              <a:t>https://www.cnblogs.com/Code-life/p/8376800.html (</a:t>
+            </a:r>
+            <a:r>
+              <a:rPr lang="en-US" sz="1200" dirty="0" err="1">
+                <a:hlinkClick r:id="rId3"/>
+              </a:rPr>
+              <a:t>Async&amp;Await</a:t>
+            </a:r>
+            <a:r>
+              <a:rPr lang="en-US" sz="1200" dirty="0"/>
+              <a:t> note)</a:t>
             </a:r>
           </a:p>
         </p:txBody>
@@ -5231,7 +5800,7 @@
             </a:r>
             <a:r>
               <a:rPr lang="en-US" dirty="0" err="1"/>
-              <a:t>GridValidation</a:t>
+              <a:t>GuidValidation</a:t>
             </a:r>
             <a:r>
               <a:rPr lang="en-US" dirty="0"/>
@@ -5377,12 +5946,6 @@
         <p:txBody>
           <a:bodyPr/>
           <a:lstStyle/>
-          <a:p>
-            <a:r>
-              <a:rPr lang="en-US" dirty="0"/>
-              <a:t>Route Table(simple type binding)</a:t>
-            </a:r>
-          </a:p>
           <a:p>
             <a:r>
               <a:rPr lang="en-US" dirty="0" err="1"/>
@@ -6054,6 +6617,41 @@
           </a:prstGeom>
         </p:spPr>
       </p:pic>
+      <p:sp>
+        <p:nvSpPr>
+          <p:cNvPr id="5" name="TextBox 4">
+            <a:extLst>
+              <a:ext uri="{FF2B5EF4-FFF2-40B4-BE49-F238E27FC236}">
+                <a16:creationId xmlns:a16="http://schemas.microsoft.com/office/drawing/2014/main" id="{78DC0A54-1200-4F7C-BEC6-3131B2EEBAFA}"/>
+              </a:ext>
+            </a:extLst>
+          </p:cNvPr>
+          <p:cNvSpPr txBox="1"/>
+          <p:nvPr/>
+        </p:nvSpPr>
+        <p:spPr>
+          <a:xfrm>
+            <a:off x="741680" y="6421120"/>
+            <a:ext cx="4257040" cy="369332"/>
+          </a:xfrm>
+          <a:prstGeom prst="rect">
+            <a:avLst/>
+          </a:prstGeom>
+          <a:noFill/>
+        </p:spPr>
+        <p:txBody>
+          <a:bodyPr wrap="square" rtlCol="0">
+            <a:spAutoFit/>
+          </a:bodyPr>
+          <a:lstStyle/>
+          <a:p>
+            <a:r>
+              <a:rPr lang="en-US" dirty="0"/>
+              <a:t>http://localhost/Api/swagger</a:t>
+            </a:r>
+          </a:p>
+        </p:txBody>
+      </p:sp>
     </p:spTree>
     <p:extLst>
       <p:ext uri="{BB962C8B-B14F-4D97-AF65-F5344CB8AC3E}">
@@ -6906,7 +7504,7 @@
         <p:spPr>
           <a:xfrm>
             <a:off x="-86833" y="1690688"/>
-            <a:ext cx="10083588" cy="3693319"/>
+            <a:ext cx="10083588" cy="3508653"/>
           </a:xfrm>
           <a:prstGeom prst="rect">
             <a:avLst/>
@@ -6959,7 +7557,15 @@
             </a:br>
             <a:r>
               <a:rPr lang="en-US" dirty="0"/>
-              <a:t>(A representation consists of data, metadata describing the data)</a:t>
+              <a:t>(</a:t>
+            </a:r>
+            <a:r>
+              <a:rPr lang="en-US" sz="1400" dirty="0"/>
+              <a:t>A representation consists of data, metadata describing the data</a:t>
+            </a:r>
+            <a:r>
+              <a:rPr lang="en-US" dirty="0"/>
+              <a:t>)</a:t>
             </a:r>
             <a:br>
               <a:rPr lang="en-US" dirty="0"/>
@@ -6979,7 +7585,7 @@
               <a:rPr lang="en-US" dirty="0"/>
             </a:br>
             <a:r>
-              <a:rPr lang="en-US" dirty="0"/>
+              <a:rPr lang="en-US" sz="1400" dirty="0"/>
               <a:t>(Each message contains all the information necessary to complete the task)</a:t>
             </a:r>
             <a:br>
@@ -7000,22 +7606,68 @@
               <a:rPr lang="en-US" dirty="0"/>
             </a:br>
             <a:r>
+              <a:rPr lang="en-US" sz="1400" dirty="0"/>
+              <a:t>(a REST-</a:t>
+            </a:r>
+            <a:r>
+              <a:rPr lang="en-US" sz="1400" dirty="0" err="1"/>
+              <a:t>ful</a:t>
+            </a:r>
+            <a:r>
+              <a:rPr lang="en-US" sz="1400" dirty="0"/>
+              <a:t> application enables the server to inform the client of the possible ways to </a:t>
+            </a:r>
+            <a:r>
+              <a:rPr lang="en-US" sz="1400" i="1" dirty="0"/>
+              <a:t>change the state of the application via hypermedia.)</a:t>
+            </a:r>
+            <a:endParaRPr lang="en-US" sz="1400" dirty="0"/>
+          </a:p>
+        </p:txBody>
+      </p:sp>
+      <p:sp>
+        <p:nvSpPr>
+          <p:cNvPr id="5" name="TextBox 4">
+            <a:extLst>
+              <a:ext uri="{FF2B5EF4-FFF2-40B4-BE49-F238E27FC236}">
+                <a16:creationId xmlns:a16="http://schemas.microsoft.com/office/drawing/2014/main" id="{5589F446-9C8B-4E90-A664-652C5E550721}"/>
+              </a:ext>
+            </a:extLst>
+          </p:cNvPr>
+          <p:cNvSpPr txBox="1"/>
+          <p:nvPr/>
+        </p:nvSpPr>
+        <p:spPr>
+          <a:xfrm>
+            <a:off x="838200" y="5291028"/>
+            <a:ext cx="9771321" cy="1077218"/>
+          </a:xfrm>
+          <a:prstGeom prst="rect">
+            <a:avLst/>
+          </a:prstGeom>
+          <a:noFill/>
+        </p:spPr>
+        <p:txBody>
+          <a:bodyPr wrap="square" rtlCol="0">
+            <a:spAutoFit/>
+          </a:bodyPr>
+          <a:lstStyle/>
+          <a:p>
+            <a:pPr marL="285750" indent="-285750">
+              <a:buFont typeface="Arial" panose="020B0604020202020204" pitchFamily="34" charset="0"/>
+              <a:buChar char="•"/>
+            </a:pPr>
+            <a:r>
               <a:rPr lang="en-US" dirty="0"/>
-              <a:t>(a REST-</a:t>
-            </a:r>
-            <a:r>
-              <a:rPr lang="en-US" dirty="0" err="1"/>
-              <a:t>ful</a:t>
-            </a:r>
-            <a:r>
+              <a:t>The uniform interface lets the client talk to the server in a single language, independent of the architectural backend of either. </a:t>
+            </a:r>
+            <a:br>
               <a:rPr lang="en-US" dirty="0"/>
-              <a:t> application enables the server to inform the client of the possible ways to </a:t>
-            </a:r>
-            <a:r>
-              <a:rPr lang="en-US" i="1" dirty="0"/>
-              <a:t>change the state of the application via hypermedia.)</a:t>
-            </a:r>
-            <a:endParaRPr lang="en-US" dirty="0"/>
+            </a:br>
+            <a:r>
+              <a:rPr lang="en-US" sz="1400" dirty="0"/>
+              <a:t>(Provide an unchanging, standardized means of communicating between the client and the server, such as using HTTP with URI resources, CRUD (Create, Read, Update, Delete), and JSON.)</a:t>
+            </a:r>
           </a:p>
         </p:txBody>
       </p:sp>
@@ -7300,7 +7952,7 @@
             <p:ph idx="1"/>
             <p:extLst>
               <p:ext uri="{D42A27DB-BD31-4B8C-83A1-F6EECF244321}">
-                <p14:modId xmlns:p14="http://schemas.microsoft.com/office/powerpoint/2010/main" val="3094736870"/>
+                <p14:modId xmlns:p14="http://schemas.microsoft.com/office/powerpoint/2010/main" val="429234698"/>
               </p:ext>
             </p:extLst>
           </p:nvPr>
@@ -7337,7 +7989,7 @@
                     <a:p>
                       <a:pPr algn="ctr"/>
                       <a:r>
-                        <a:rPr lang="en-US"/>
+                        <a:rPr lang="en-US" dirty="0"/>
                         <a:t>Data Element</a:t>
                       </a:r>
                     </a:p>
